--- a/mooc/hias-dip/midterm/12组汇报ppt.pptx
+++ b/mooc/hias-dip/midterm/12组汇报ppt.pptx
@@ -9,25 +9,28 @@
     <p:sldMasterId id="2147483658" r:id="rId6"/>
   </p:sldMasterIdLst>
   <p:notesMasterIdLst>
-    <p:notesMasterId r:id="rId18"/>
+    <p:notesMasterId r:id="rId21"/>
   </p:notesMasterIdLst>
   <p:sldIdLst>
     <p:sldId id="256" r:id="rId7"/>
     <p:sldId id="646" r:id="rId8"/>
     <p:sldId id="271" r:id="rId9"/>
-    <p:sldId id="647" r:id="rId10"/>
-    <p:sldId id="644" r:id="rId11"/>
-    <p:sldId id="648" r:id="rId12"/>
-    <p:sldId id="650" r:id="rId13"/>
-    <p:sldId id="645" r:id="rId14"/>
-    <p:sldId id="649" r:id="rId15"/>
-    <p:sldId id="651" r:id="rId16"/>
-    <p:sldId id="260" r:id="rId17"/>
+    <p:sldId id="656" r:id="rId10"/>
+    <p:sldId id="647" r:id="rId11"/>
+    <p:sldId id="644" r:id="rId12"/>
+    <p:sldId id="661" r:id="rId13"/>
+    <p:sldId id="662" r:id="rId14"/>
+    <p:sldId id="648" r:id="rId15"/>
+    <p:sldId id="650" r:id="rId16"/>
+    <p:sldId id="645" r:id="rId17"/>
+    <p:sldId id="649" r:id="rId18"/>
+    <p:sldId id="651" r:id="rId19"/>
+    <p:sldId id="260" r:id="rId20"/>
   </p:sldIdLst>
   <p:sldSz cx="12192000" cy="6858000"/>
   <p:notesSz cx="6858000" cy="9144000"/>
   <p:custDataLst>
-    <p:tags r:id="rId22"/>
+    <p:tags r:id="rId25"/>
   </p:custDataLst>
   <p:defaultTextStyle>
     <a:defPPr>
@@ -4573,8 +4576,8 @@
         </p:nvSpPr>
         <p:spPr>
           <a:xfrm>
-            <a:off x="2558059" y="5339346"/>
-            <a:ext cx="8722897" cy="961289"/>
+            <a:off x="2557780" y="4928870"/>
+            <a:ext cx="8722995" cy="1070610"/>
           </a:xfrm>
           <a:prstGeom prst="rect">
             <a:avLst/>
@@ -4583,7 +4586,7 @@
         </p:spPr>
         <p:txBody>
           <a:bodyPr wrap="square" rtlCol="0">
-            <a:spAutoFit/>
+            <a:noAutofit/>
           </a:bodyPr>
           <a:lstStyle/>
           <a:p>
@@ -4623,10 +4626,25 @@
                 <a:ea typeface="微软雅黑" panose="020B0503020204020204" pitchFamily="34" charset="-122"/>
                 <a:cs typeface="Times New Roman" panose="02020503050405090304" pitchFamily="18" charset="0"/>
               </a:rPr>
-              <a:t>组（李睿涵，郭瑜，王策源，李康，朱烽艺） </a:t>
-            </a:r>
-            <a:r>
-              <a:rPr lang="en-US" altLang="zh-CN" sz="2000" b="1" kern="100" dirty="0">
+              <a:t>组（李睿涵，郭瑜，王策源，李康，朱烽艺）</a:t>
+            </a:r>
+            <a:endParaRPr lang="zh-CN" altLang="en-US" sz="2000" b="1" kern="100" dirty="0">
+              <a:solidFill>
+                <a:srgbClr val="0E419C"/>
+              </a:solidFill>
+              <a:latin typeface="微软雅黑" panose="020B0503020204020204" pitchFamily="34" charset="-122"/>
+              <a:ea typeface="微软雅黑" panose="020B0503020204020204" pitchFamily="34" charset="-122"/>
+              <a:cs typeface="Times New Roman" panose="02020503050405090304" pitchFamily="18" charset="0"/>
+            </a:endParaRPr>
+          </a:p>
+          <a:p>
+            <a:pPr indent="0" fontAlgn="auto">
+              <a:lnSpc>
+                <a:spcPct val="150000"/>
+              </a:lnSpc>
+            </a:pPr>
+            <a:r>
+              <a:rPr lang="zh-CN" altLang="en-US" sz="2000" b="1" kern="100" dirty="0">
                 <a:solidFill>
                   <a:srgbClr val="0E419C"/>
                 </a:solidFill>
@@ -4634,7 +4652,7 @@
                 <a:ea typeface="微软雅黑" panose="020B0503020204020204" pitchFamily="34" charset="-122"/>
                 <a:cs typeface="Times New Roman" panose="02020503050405090304" pitchFamily="18" charset="0"/>
               </a:rPr>
-              <a:t>                           </a:t>
+              <a:t>汇报人：</a:t>
             </a:r>
             <a:r>
               <a:rPr lang="zh-CN" altLang="en-US" sz="2000" b="1" kern="100" dirty="0">
@@ -4645,10 +4663,25 @@
                 <a:ea typeface="微软雅黑" panose="020B0503020204020204" pitchFamily="34" charset="-122"/>
                 <a:cs typeface="Times New Roman" panose="02020503050405090304" pitchFamily="18" charset="0"/>
               </a:rPr>
-              <a:t>日期：</a:t>
-            </a:r>
-            <a:r>
-              <a:rPr lang="en-US" altLang="zh-CN" sz="2000" b="1" kern="100" dirty="0">
+              <a:t>李睿涵</a:t>
+            </a:r>
+            <a:endParaRPr lang="zh-CN" altLang="en-US" sz="2000" b="1" kern="100" dirty="0">
+              <a:solidFill>
+                <a:srgbClr val="0E419C"/>
+              </a:solidFill>
+              <a:latin typeface="微软雅黑" panose="020B0503020204020204" pitchFamily="34" charset="-122"/>
+              <a:ea typeface="微软雅黑" panose="020B0503020204020204" pitchFamily="34" charset="-122"/>
+              <a:cs typeface="Times New Roman" panose="02020503050405090304" pitchFamily="18" charset="0"/>
+            </a:endParaRPr>
+          </a:p>
+          <a:p>
+            <a:pPr indent="0" fontAlgn="auto">
+              <a:lnSpc>
+                <a:spcPct val="150000"/>
+              </a:lnSpc>
+            </a:pPr>
+            <a:r>
+              <a:rPr lang="zh-CN" altLang="en-US" sz="2000" b="1" kern="100" dirty="0">
                 <a:solidFill>
                   <a:srgbClr val="0E419C"/>
                 </a:solidFill>
@@ -4656,7 +4689,18 @@
                 <a:ea typeface="微软雅黑" panose="020B0503020204020204" pitchFamily="34" charset="-122"/>
                 <a:cs typeface="Times New Roman" panose="02020503050405090304" pitchFamily="18" charset="0"/>
               </a:rPr>
-              <a:t>2024.5.6</a:t>
+              <a:t> </a:t>
+            </a:r>
+            <a:r>
+              <a:rPr lang="en-US" altLang="zh-CN" sz="2000" b="1" kern="100" dirty="0">
+                <a:solidFill>
+                  <a:srgbClr val="0E419C"/>
+                </a:solidFill>
+                <a:latin typeface="微软雅黑" panose="020B0503020204020204" pitchFamily="34" charset="-122"/>
+                <a:ea typeface="微软雅黑" panose="020B0503020204020204" pitchFamily="34" charset="-122"/>
+                <a:cs typeface="Times New Roman" panose="02020503050405090304" pitchFamily="18" charset="0"/>
+              </a:rPr>
+              <a:t>                     </a:t>
             </a:r>
             <a:endParaRPr lang="zh-CN" altLang="en-US" sz="2000" b="1" kern="100" dirty="0">
               <a:solidFill>
@@ -4872,6 +4916,3019 @@
                 <a:ea typeface="微软雅黑" panose="020B0503020204020204" pitchFamily="34" charset="-122"/>
                 <a:cs typeface="Times New Roman" panose="02020503050405090304" pitchFamily="18" charset="0"/>
               </a:rPr>
+              <a:t>变换</a:t>
+            </a:r>
+            <a:endParaRPr kumimoji="0" lang="zh-CN" altLang="en-US" sz="2400" b="1" i="0" u="none" strike="noStrike" kern="100" cap="none" spc="0" normalizeH="0" baseline="0" noProof="0" dirty="0">
+              <a:ln>
+                <a:noFill/>
+              </a:ln>
+              <a:solidFill>
+                <a:prstClr val="white"/>
+              </a:solidFill>
+              <a:effectLst/>
+              <a:uLnTx/>
+              <a:uFillTx/>
+              <a:latin typeface="微软雅黑" panose="020B0503020204020204" pitchFamily="34" charset="-122"/>
+              <a:ea typeface="微软雅黑" panose="020B0503020204020204" pitchFamily="34" charset="-122"/>
+              <a:cs typeface="Times New Roman" panose="02020503050405090304" pitchFamily="18" charset="0"/>
+            </a:endParaRPr>
+          </a:p>
+        </p:txBody>
+      </p:sp>
+      <p:pic>
+        <p:nvPicPr>
+          <p:cNvPr id="4" name="图片 3"/>
+          <p:cNvPicPr>
+            <a:picLocks noChangeAspect="1"/>
+          </p:cNvPicPr>
+          <p:nvPr/>
+        </p:nvPicPr>
+        <p:blipFill>
+          <a:blip r:embed="rId1"/>
+          <a:stretch>
+            <a:fillRect/>
+          </a:stretch>
+        </p:blipFill>
+        <p:spPr>
+          <a:xfrm>
+            <a:off x="1398494" y="790454"/>
+            <a:ext cx="9770762" cy="5599452"/>
+          </a:xfrm>
+          <a:prstGeom prst="rect">
+            <a:avLst/>
+          </a:prstGeom>
+        </p:spPr>
+      </p:pic>
+    </p:spTree>
+  </p:cSld>
+  <p:clrMapOvr>
+    <a:masterClrMapping/>
+  </p:clrMapOvr>
+</p:sld>
+</file>
+
+<file path=ppt/slides/slide11.xml><?xml version="1.0" encoding="utf-8"?>
+<p:sld xmlns:a="http://schemas.openxmlformats.org/drawingml/2006/main" xmlns:r="http://schemas.openxmlformats.org/officeDocument/2006/relationships" xmlns:p="http://schemas.openxmlformats.org/presentationml/2006/main">
+  <p:cSld>
+    <p:spTree>
+      <p:nvGrpSpPr>
+        <p:cNvPr id="1" name=""/>
+        <p:cNvGrpSpPr/>
+        <p:nvPr/>
+      </p:nvGrpSpPr>
+      <p:grpSpPr>
+        <a:xfrm>
+          <a:off x="0" y="0"/>
+          <a:ext cx="0" cy="0"/>
+          <a:chOff x="0" y="0"/>
+          <a:chExt cx="0" cy="0"/>
+        </a:xfrm>
+      </p:grpSpPr>
+      <p:sp>
+        <p:nvSpPr>
+          <p:cNvPr id="2" name="灯片编号占位符 1"/>
+          <p:cNvSpPr>
+            <a:spLocks noGrp="1"/>
+          </p:cNvSpPr>
+          <p:nvPr>
+            <p:ph type="sldNum" sz="quarter" idx="12"/>
+          </p:nvPr>
+        </p:nvSpPr>
+        <p:spPr/>
+        <p:txBody>
+          <a:bodyPr/>
+          <a:lstStyle/>
+          <a:p>
+            <a:fld id="{5DF9AD87-1B8C-4BED-A6E0-E3640FAE4457}" type="slidenum">
+              <a:rPr lang="zh-CN" altLang="en-US" smtClean="0"/>
+            </a:fld>
+            <a:endParaRPr lang="zh-CN" altLang="en-US" dirty="0"/>
+          </a:p>
+        </p:txBody>
+      </p:sp>
+      <p:sp>
+        <p:nvSpPr>
+          <p:cNvPr id="3" name="Rectangle 1"/>
+          <p:cNvSpPr>
+            <a:spLocks noChangeArrowheads="1"/>
+          </p:cNvSpPr>
+          <p:nvPr/>
+        </p:nvSpPr>
+        <p:spPr bwMode="auto">
+          <a:xfrm>
+            <a:off x="99695" y="780415"/>
+            <a:ext cx="4625340" cy="5178425"/>
+          </a:xfrm>
+          <a:prstGeom prst="rect">
+            <a:avLst/>
+          </a:prstGeom>
+          <a:solidFill>
+            <a:srgbClr val="1E1F22"/>
+          </a:solidFill>
+          <a:ln>
+            <a:noFill/>
+          </a:ln>
+          <a:effectLst/>
+          <a:extLst>
+            <a:ext uri="{91240B29-F687-4F45-9708-019B960494DF}">
+              <a14:hiddenLine xmlns:a14="http://schemas.microsoft.com/office/drawing/2010/main" w="9525">
+                <a:solidFill>
+                  <a:schemeClr val="tx1"/>
+                </a:solidFill>
+                <a:miter lim="800000"/>
+                <a:headEnd/>
+                <a:tailEnd/>
+              </a14:hiddenLine>
+            </a:ext>
+            <a:ext uri="{AF507438-7753-43E0-B8FC-AC1667EBCBE1}">
+              <a14:hiddenEffects xmlns:a14="http://schemas.microsoft.com/office/drawing/2010/main">
+                <a:effectLst>
+                  <a:outerShdw dist="35921" dir="2700000" algn="ctr" rotWithShape="0">
+                    <a:schemeClr val="bg2"/>
+                  </a:outerShdw>
+                </a:effectLst>
+              </a14:hiddenEffects>
+            </a:ext>
+          </a:extLst>
+        </p:spPr>
+        <p:txBody>
+          <a:bodyPr vert="horz" wrap="square" lIns="91440" tIns="45720" rIns="91440" bIns="45720" numCol="1" anchor="ctr" anchorCtr="0" compatLnSpc="1">
+            <a:noAutofit/>
+          </a:bodyPr>
+          <a:lstStyle/>
+          <a:p>
+            <a:pPr marL="0" marR="0" lvl="0" indent="0" algn="l" defTabSz="914400" rtl="0" eaLnBrk="0" fontAlgn="base" latinLnBrk="0" hangingPunct="0">
+              <a:lnSpc>
+                <a:spcPct val="100000"/>
+              </a:lnSpc>
+              <a:spcBef>
+                <a:spcPct val="0"/>
+              </a:spcBef>
+              <a:spcAft>
+                <a:spcPct val="0"/>
+              </a:spcAft>
+              <a:buClrTx/>
+              <a:buSzTx/>
+              <a:buFontTx/>
+              <a:buNone/>
+            </a:pPr>
+            <a:r>
+              <a:rPr kumimoji="0" lang="zh-CN" altLang="zh-CN" sz="900" b="0" i="0" u="none" strike="noStrike" cap="none" normalizeH="0" baseline="0">
+                <a:ln>
+                  <a:noFill/>
+                </a:ln>
+                <a:solidFill>
+                  <a:srgbClr val="B3AE60"/>
+                </a:solidFill>
+                <a:effectLst/>
+                <a:latin typeface="Arial Unicode MS" panose="020B0604020202020204" charset="-122"/>
+                <a:ea typeface="JetBrains Mono"/>
+              </a:rPr>
+              <a:t>@Slot</a:t>
+            </a:r>
+            <a:r>
+              <a:rPr kumimoji="0" lang="zh-CN" altLang="zh-CN" sz="900" b="0" i="0" u="none" strike="noStrike" cap="none" normalizeH="0" baseline="0">
+                <a:ln>
+                  <a:noFill/>
+                </a:ln>
+                <a:solidFill>
+                  <a:srgbClr val="BCBEC4"/>
+                </a:solidFill>
+                <a:effectLst/>
+                <a:latin typeface="Arial Unicode MS" panose="020B0604020202020204" charset="-122"/>
+                <a:ea typeface="JetBrains Mono"/>
+              </a:rPr>
+              <a:t>()</a:t>
+            </a:r>
+            <a:br>
+              <a:rPr kumimoji="0" lang="zh-CN" altLang="zh-CN" sz="900" b="0" i="0" u="none" strike="noStrike" cap="none" normalizeH="0" baseline="0">
+                <a:ln>
+                  <a:noFill/>
+                </a:ln>
+                <a:solidFill>
+                  <a:srgbClr val="BCBEC4"/>
+                </a:solidFill>
+                <a:effectLst/>
+                <a:latin typeface="Arial Unicode MS" panose="020B0604020202020204" charset="-122"/>
+                <a:ea typeface="JetBrains Mono"/>
+              </a:rPr>
+            </a:br>
+            <a:r>
+              <a:rPr kumimoji="0" lang="zh-CN" altLang="zh-CN" sz="900" b="0" i="0" u="none" strike="noStrike" cap="none" normalizeH="0" baseline="0">
+                <a:ln>
+                  <a:noFill/>
+                </a:ln>
+                <a:solidFill>
+                  <a:srgbClr val="CF8E6D"/>
+                </a:solidFill>
+                <a:effectLst/>
+                <a:latin typeface="Arial Unicode MS" panose="020B0604020202020204" charset="-122"/>
+                <a:ea typeface="JetBrains Mono"/>
+              </a:rPr>
+              <a:t>def </a:t>
+            </a:r>
+            <a:r>
+              <a:rPr kumimoji="0" lang="zh-CN" altLang="zh-CN" sz="900" b="0" i="0" u="none" strike="noStrike" cap="none" normalizeH="0" baseline="0">
+                <a:ln>
+                  <a:noFill/>
+                </a:ln>
+                <a:solidFill>
+                  <a:srgbClr val="56A8F5"/>
+                </a:solidFill>
+                <a:effectLst/>
+                <a:latin typeface="Arial Unicode MS" panose="020B0604020202020204" charset="-122"/>
+                <a:ea typeface="JetBrains Mono"/>
+              </a:rPr>
+              <a:t>bt5_click</a:t>
+            </a:r>
+            <a:r>
+              <a:rPr kumimoji="0" lang="zh-CN" altLang="zh-CN" sz="900" b="0" i="0" u="none" strike="noStrike" cap="none" normalizeH="0" baseline="0">
+                <a:ln>
+                  <a:noFill/>
+                </a:ln>
+                <a:solidFill>
+                  <a:srgbClr val="BCBEC4"/>
+                </a:solidFill>
+                <a:effectLst/>
+                <a:latin typeface="Arial Unicode MS" panose="020B0604020202020204" charset="-122"/>
+                <a:ea typeface="JetBrains Mono"/>
+              </a:rPr>
+              <a:t>(</a:t>
+            </a:r>
+            <a:r>
+              <a:rPr kumimoji="0" lang="zh-CN" altLang="zh-CN" sz="900" b="0" i="0" u="none" strike="noStrike" cap="none" normalizeH="0" baseline="0">
+                <a:ln>
+                  <a:noFill/>
+                </a:ln>
+                <a:solidFill>
+                  <a:srgbClr val="94558D"/>
+                </a:solidFill>
+                <a:effectLst/>
+                <a:latin typeface="Arial Unicode MS" panose="020B0604020202020204" charset="-122"/>
+                <a:ea typeface="JetBrains Mono"/>
+              </a:rPr>
+              <a:t>self</a:t>
+            </a:r>
+            <a:r>
+              <a:rPr kumimoji="0" lang="zh-CN" altLang="zh-CN" sz="900" b="0" i="0" u="none" strike="noStrike" cap="none" normalizeH="0" baseline="0">
+                <a:ln>
+                  <a:noFill/>
+                </a:ln>
+                <a:solidFill>
+                  <a:srgbClr val="BCBEC4"/>
+                </a:solidFill>
+                <a:effectLst/>
+                <a:latin typeface="Arial Unicode MS" panose="020B0604020202020204" charset="-122"/>
+                <a:ea typeface="JetBrains Mono"/>
+              </a:rPr>
+              <a:t>):</a:t>
+            </a:r>
+            <a:br>
+              <a:rPr kumimoji="0" lang="zh-CN" altLang="zh-CN" sz="900" b="0" i="0" u="none" strike="noStrike" cap="none" normalizeH="0" baseline="0">
+                <a:ln>
+                  <a:noFill/>
+                </a:ln>
+                <a:solidFill>
+                  <a:srgbClr val="BCBEC4"/>
+                </a:solidFill>
+                <a:effectLst/>
+                <a:latin typeface="Arial Unicode MS" panose="020B0604020202020204" charset="-122"/>
+                <a:ea typeface="JetBrains Mono"/>
+              </a:rPr>
+            </a:br>
+            <a:br>
+              <a:rPr kumimoji="0" lang="zh-CN" altLang="zh-CN" sz="900" b="0" i="0" u="none" strike="noStrike" cap="none" normalizeH="0" baseline="0">
+                <a:ln>
+                  <a:noFill/>
+                </a:ln>
+                <a:solidFill>
+                  <a:srgbClr val="BCBEC4"/>
+                </a:solidFill>
+                <a:effectLst/>
+                <a:latin typeface="Arial Unicode MS" panose="020B0604020202020204" charset="-122"/>
+                <a:ea typeface="JetBrains Mono"/>
+              </a:rPr>
+            </a:br>
+            <a:r>
+              <a:rPr kumimoji="0" lang="zh-CN" altLang="zh-CN" sz="900" b="0" i="0" u="none" strike="noStrike" cap="none" normalizeH="0" baseline="0">
+                <a:ln>
+                  <a:noFill/>
+                </a:ln>
+                <a:solidFill>
+                  <a:srgbClr val="BCBEC4"/>
+                </a:solidFill>
+                <a:effectLst/>
+                <a:latin typeface="Arial Unicode MS" panose="020B0604020202020204" charset="-122"/>
+                <a:ea typeface="JetBrains Mono"/>
+              </a:rPr>
+              <a:t>    factor = </a:t>
+            </a:r>
+            <a:r>
+              <a:rPr kumimoji="0" lang="zh-CN" altLang="zh-CN" sz="900" b="0" i="0" u="none" strike="noStrike" cap="none" normalizeH="0" baseline="0">
+                <a:ln>
+                  <a:noFill/>
+                </a:ln>
+                <a:solidFill>
+                  <a:srgbClr val="94558D"/>
+                </a:solidFill>
+                <a:effectLst/>
+                <a:latin typeface="Arial Unicode MS" panose="020B0604020202020204" charset="-122"/>
+                <a:ea typeface="JetBrains Mono"/>
+              </a:rPr>
+              <a:t>self</a:t>
+            </a:r>
+            <a:r>
+              <a:rPr kumimoji="0" lang="zh-CN" altLang="zh-CN" sz="900" b="0" i="0" u="none" strike="noStrike" cap="none" normalizeH="0" baseline="0">
+                <a:ln>
+                  <a:noFill/>
+                </a:ln>
+                <a:solidFill>
+                  <a:srgbClr val="BCBEC4"/>
+                </a:solidFill>
+                <a:effectLst/>
+                <a:latin typeface="Arial Unicode MS" panose="020B0604020202020204" charset="-122"/>
+                <a:ea typeface="JetBrains Mono"/>
+              </a:rPr>
+              <a:t>.combobox.currentIndex()</a:t>
+            </a:r>
+            <a:br>
+              <a:rPr kumimoji="0" lang="zh-CN" altLang="zh-CN" sz="900" b="0" i="0" u="none" strike="noStrike" cap="none" normalizeH="0" baseline="0">
+                <a:ln>
+                  <a:noFill/>
+                </a:ln>
+                <a:solidFill>
+                  <a:srgbClr val="BCBEC4"/>
+                </a:solidFill>
+                <a:effectLst/>
+                <a:latin typeface="Arial Unicode MS" panose="020B0604020202020204" charset="-122"/>
+                <a:ea typeface="JetBrains Mono"/>
+              </a:rPr>
+            </a:br>
+            <a:r>
+              <a:rPr kumimoji="0" lang="zh-CN" altLang="zh-CN" sz="900" b="0" i="0" u="none" strike="noStrike" cap="none" normalizeH="0" baseline="0">
+                <a:ln>
+                  <a:noFill/>
+                </a:ln>
+                <a:solidFill>
+                  <a:srgbClr val="BCBEC4"/>
+                </a:solidFill>
+                <a:effectLst/>
+                <a:latin typeface="Arial Unicode MS" panose="020B0604020202020204" charset="-122"/>
+                <a:ea typeface="JetBrains Mono"/>
+              </a:rPr>
+              <a:t>    input = cv2.imread(</a:t>
+            </a:r>
+            <a:r>
+              <a:rPr kumimoji="0" lang="zh-CN" altLang="zh-CN" sz="900" b="0" i="0" u="none" strike="noStrike" cap="none" normalizeH="0" baseline="0">
+                <a:ln>
+                  <a:noFill/>
+                </a:ln>
+                <a:solidFill>
+                  <a:srgbClr val="94558D"/>
+                </a:solidFill>
+                <a:effectLst/>
+                <a:latin typeface="Arial Unicode MS" panose="020B0604020202020204" charset="-122"/>
+                <a:ea typeface="JetBrains Mono"/>
+              </a:rPr>
+              <a:t>self</a:t>
+            </a:r>
+            <a:r>
+              <a:rPr kumimoji="0" lang="zh-CN" altLang="zh-CN" sz="900" b="0" i="0" u="none" strike="noStrike" cap="none" normalizeH="0" baseline="0">
+                <a:ln>
+                  <a:noFill/>
+                </a:ln>
+                <a:solidFill>
+                  <a:srgbClr val="BCBEC4"/>
+                </a:solidFill>
+                <a:effectLst/>
+                <a:latin typeface="Arial Unicode MS" panose="020B0604020202020204" charset="-122"/>
+                <a:ea typeface="JetBrains Mono"/>
+              </a:rPr>
+              <a:t>.file_path, </a:t>
+            </a:r>
+            <a:r>
+              <a:rPr kumimoji="0" lang="zh-CN" altLang="zh-CN" sz="900" b="0" i="0" u="none" strike="noStrike" cap="none" normalizeH="0" baseline="0">
+                <a:ln>
+                  <a:noFill/>
+                </a:ln>
+                <a:solidFill>
+                  <a:srgbClr val="2AACB8"/>
+                </a:solidFill>
+                <a:effectLst/>
+                <a:latin typeface="Arial Unicode MS" panose="020B0604020202020204" charset="-122"/>
+                <a:ea typeface="JetBrains Mono"/>
+              </a:rPr>
+              <a:t>0</a:t>
+            </a:r>
+            <a:r>
+              <a:rPr kumimoji="0" lang="zh-CN" altLang="zh-CN" sz="900" b="0" i="0" u="none" strike="noStrike" cap="none" normalizeH="0" baseline="0">
+                <a:ln>
+                  <a:noFill/>
+                </a:ln>
+                <a:solidFill>
+                  <a:srgbClr val="BCBEC4"/>
+                </a:solidFill>
+                <a:effectLst/>
+                <a:latin typeface="Arial Unicode MS" panose="020B0604020202020204" charset="-122"/>
+                <a:ea typeface="JetBrains Mono"/>
+              </a:rPr>
+              <a:t>)</a:t>
+            </a:r>
+            <a:br>
+              <a:rPr kumimoji="0" lang="zh-CN" altLang="zh-CN" sz="900" b="0" i="0" u="none" strike="noStrike" cap="none" normalizeH="0" baseline="0">
+                <a:ln>
+                  <a:noFill/>
+                </a:ln>
+                <a:solidFill>
+                  <a:srgbClr val="BCBEC4"/>
+                </a:solidFill>
+                <a:effectLst/>
+                <a:latin typeface="Arial Unicode MS" panose="020B0604020202020204" charset="-122"/>
+                <a:ea typeface="JetBrains Mono"/>
+              </a:rPr>
+            </a:br>
+            <a:br>
+              <a:rPr kumimoji="0" lang="zh-CN" altLang="zh-CN" sz="900" b="0" i="0" u="none" strike="noStrike" cap="none" normalizeH="0" baseline="0">
+                <a:ln>
+                  <a:noFill/>
+                </a:ln>
+                <a:solidFill>
+                  <a:srgbClr val="BCBEC4"/>
+                </a:solidFill>
+                <a:effectLst/>
+                <a:latin typeface="Arial Unicode MS" panose="020B0604020202020204" charset="-122"/>
+                <a:ea typeface="JetBrains Mono"/>
+              </a:rPr>
+            </a:br>
+            <a:r>
+              <a:rPr kumimoji="0" lang="zh-CN" altLang="zh-CN" sz="900" b="0" i="0" u="none" strike="noStrike" cap="none" normalizeH="0" baseline="0">
+                <a:ln>
+                  <a:noFill/>
+                </a:ln>
+                <a:solidFill>
+                  <a:srgbClr val="BCBEC4"/>
+                </a:solidFill>
+                <a:effectLst/>
+                <a:latin typeface="Arial Unicode MS" panose="020B0604020202020204" charset="-122"/>
+                <a:ea typeface="JetBrains Mono"/>
+              </a:rPr>
+              <a:t>    </a:t>
+            </a:r>
+            <a:r>
+              <a:rPr kumimoji="0" lang="zh-CN" altLang="zh-CN" sz="900" b="0" i="0" u="none" strike="noStrike" cap="none" normalizeH="0" baseline="0">
+                <a:ln>
+                  <a:noFill/>
+                </a:ln>
+                <a:solidFill>
+                  <a:srgbClr val="CF8E6D"/>
+                </a:solidFill>
+                <a:effectLst/>
+                <a:latin typeface="Arial Unicode MS" panose="020B0604020202020204" charset="-122"/>
+                <a:ea typeface="JetBrains Mono"/>
+              </a:rPr>
+              <a:t>if </a:t>
+            </a:r>
+            <a:r>
+              <a:rPr kumimoji="0" lang="zh-CN" altLang="zh-CN" sz="900" b="0" i="0" u="none" strike="noStrike" cap="none" normalizeH="0" baseline="0">
+                <a:ln>
+                  <a:noFill/>
+                </a:ln>
+                <a:solidFill>
+                  <a:srgbClr val="BCBEC4"/>
+                </a:solidFill>
+                <a:effectLst/>
+                <a:latin typeface="Arial Unicode MS" panose="020B0604020202020204" charset="-122"/>
+                <a:ea typeface="JetBrains Mono"/>
+              </a:rPr>
+              <a:t>factor == </a:t>
+            </a:r>
+            <a:r>
+              <a:rPr kumimoji="0" lang="zh-CN" altLang="zh-CN" sz="900" b="0" i="0" u="none" strike="noStrike" cap="none" normalizeH="0" baseline="0">
+                <a:ln>
+                  <a:noFill/>
+                </a:ln>
+                <a:solidFill>
+                  <a:srgbClr val="2AACB8"/>
+                </a:solidFill>
+                <a:effectLst/>
+                <a:latin typeface="Arial Unicode MS" panose="020B0604020202020204" charset="-122"/>
+                <a:ea typeface="JetBrains Mono"/>
+              </a:rPr>
+              <a:t>0</a:t>
+            </a:r>
+            <a:r>
+              <a:rPr kumimoji="0" lang="zh-CN" altLang="zh-CN" sz="900" b="0" i="0" u="none" strike="noStrike" cap="none" normalizeH="0" baseline="0">
+                <a:ln>
+                  <a:noFill/>
+                </a:ln>
+                <a:solidFill>
+                  <a:srgbClr val="BCBEC4"/>
+                </a:solidFill>
+                <a:effectLst/>
+                <a:latin typeface="Arial Unicode MS" panose="020B0604020202020204" charset="-122"/>
+                <a:ea typeface="JetBrains Mono"/>
+              </a:rPr>
+              <a:t>:</a:t>
+            </a:r>
+            <a:br>
+              <a:rPr kumimoji="0" lang="zh-CN" altLang="zh-CN" sz="900" b="0" i="0" u="none" strike="noStrike" cap="none" normalizeH="0" baseline="0">
+                <a:ln>
+                  <a:noFill/>
+                </a:ln>
+                <a:solidFill>
+                  <a:srgbClr val="BCBEC4"/>
+                </a:solidFill>
+                <a:effectLst/>
+                <a:latin typeface="Arial Unicode MS" panose="020B0604020202020204" charset="-122"/>
+                <a:ea typeface="JetBrains Mono"/>
+              </a:rPr>
+            </a:br>
+            <a:r>
+              <a:rPr kumimoji="0" lang="zh-CN" altLang="zh-CN" sz="900" b="0" i="0" u="none" strike="noStrike" cap="none" normalizeH="0" baseline="0">
+                <a:ln>
+                  <a:noFill/>
+                </a:ln>
+                <a:solidFill>
+                  <a:srgbClr val="BCBEC4"/>
+                </a:solidFill>
+                <a:effectLst/>
+                <a:latin typeface="Arial Unicode MS" panose="020B0604020202020204" charset="-122"/>
+                <a:ea typeface="JetBrains Mono"/>
+              </a:rPr>
+              <a:t>        mean = </a:t>
+            </a:r>
+            <a:r>
+              <a:rPr kumimoji="0" lang="zh-CN" altLang="zh-CN" sz="900" b="0" i="0" u="none" strike="noStrike" cap="none" normalizeH="0" baseline="0">
+                <a:ln>
+                  <a:noFill/>
+                </a:ln>
+                <a:solidFill>
+                  <a:srgbClr val="2AACB8"/>
+                </a:solidFill>
+                <a:effectLst/>
+                <a:latin typeface="Arial Unicode MS" panose="020B0604020202020204" charset="-122"/>
+                <a:ea typeface="JetBrains Mono"/>
+              </a:rPr>
+              <a:t>0</a:t>
+            </a:r>
+            <a:br>
+              <a:rPr kumimoji="0" lang="zh-CN" altLang="zh-CN" sz="900" b="0" i="0" u="none" strike="noStrike" cap="none" normalizeH="0" baseline="0">
+                <a:ln>
+                  <a:noFill/>
+                </a:ln>
+                <a:solidFill>
+                  <a:srgbClr val="2AACB8"/>
+                </a:solidFill>
+                <a:effectLst/>
+                <a:latin typeface="Arial Unicode MS" panose="020B0604020202020204" charset="-122"/>
+                <a:ea typeface="JetBrains Mono"/>
+              </a:rPr>
+            </a:br>
+            <a:r>
+              <a:rPr kumimoji="0" lang="zh-CN" altLang="zh-CN" sz="900" b="0" i="0" u="none" strike="noStrike" cap="none" normalizeH="0" baseline="0">
+                <a:ln>
+                  <a:noFill/>
+                </a:ln>
+                <a:solidFill>
+                  <a:srgbClr val="2AACB8"/>
+                </a:solidFill>
+                <a:effectLst/>
+                <a:latin typeface="Arial Unicode MS" panose="020B0604020202020204" charset="-122"/>
+                <a:ea typeface="JetBrains Mono"/>
+              </a:rPr>
+              <a:t>        </a:t>
+            </a:r>
+            <a:r>
+              <a:rPr kumimoji="0" lang="zh-CN" altLang="zh-CN" sz="900" b="0" i="0" u="none" strike="noStrike" cap="none" normalizeH="0" baseline="0">
+                <a:ln>
+                  <a:noFill/>
+                </a:ln>
+                <a:solidFill>
+                  <a:srgbClr val="BCBEC4"/>
+                </a:solidFill>
+                <a:effectLst/>
+                <a:latin typeface="Arial Unicode MS" panose="020B0604020202020204" charset="-122"/>
+                <a:ea typeface="JetBrains Mono"/>
+              </a:rPr>
+              <a:t>sigma = </a:t>
+            </a:r>
+            <a:r>
+              <a:rPr kumimoji="0" lang="zh-CN" altLang="zh-CN" sz="900" b="0" i="0" u="none" strike="noStrike" cap="none" normalizeH="0" baseline="0">
+                <a:ln>
+                  <a:noFill/>
+                </a:ln>
+                <a:solidFill>
+                  <a:srgbClr val="2AACB8"/>
+                </a:solidFill>
+                <a:effectLst/>
+                <a:latin typeface="Arial Unicode MS" panose="020B0604020202020204" charset="-122"/>
+                <a:ea typeface="JetBrains Mono"/>
+              </a:rPr>
+              <a:t>25</a:t>
+            </a:r>
+            <a:br>
+              <a:rPr kumimoji="0" lang="zh-CN" altLang="zh-CN" sz="900" b="0" i="0" u="none" strike="noStrike" cap="none" normalizeH="0" baseline="0">
+                <a:ln>
+                  <a:noFill/>
+                </a:ln>
+                <a:solidFill>
+                  <a:srgbClr val="2AACB8"/>
+                </a:solidFill>
+                <a:effectLst/>
+                <a:latin typeface="Arial Unicode MS" panose="020B0604020202020204" charset="-122"/>
+                <a:ea typeface="JetBrains Mono"/>
+              </a:rPr>
+            </a:br>
+            <a:r>
+              <a:rPr kumimoji="0" lang="zh-CN" altLang="zh-CN" sz="900" b="0" i="0" u="none" strike="noStrike" cap="none" normalizeH="0" baseline="0">
+                <a:ln>
+                  <a:noFill/>
+                </a:ln>
+                <a:solidFill>
+                  <a:srgbClr val="2AACB8"/>
+                </a:solidFill>
+                <a:effectLst/>
+                <a:latin typeface="Arial Unicode MS" panose="020B0604020202020204" charset="-122"/>
+                <a:ea typeface="JetBrains Mono"/>
+              </a:rPr>
+              <a:t>        </a:t>
+            </a:r>
+            <a:r>
+              <a:rPr kumimoji="0" lang="zh-CN" altLang="zh-CN" sz="900" b="0" i="0" u="none" strike="noStrike" cap="none" normalizeH="0" baseline="0">
+                <a:ln>
+                  <a:noFill/>
+                </a:ln>
+                <a:solidFill>
+                  <a:srgbClr val="BCBEC4"/>
+                </a:solidFill>
+                <a:effectLst/>
+                <a:latin typeface="Arial Unicode MS" panose="020B0604020202020204" charset="-122"/>
+                <a:ea typeface="JetBrains Mono"/>
+              </a:rPr>
+              <a:t>gauss = np.random.normal(mean, sigma, (input.shape[</a:t>
+            </a:r>
+            <a:r>
+              <a:rPr kumimoji="0" lang="zh-CN" altLang="zh-CN" sz="900" b="0" i="0" u="none" strike="noStrike" cap="none" normalizeH="0" baseline="0">
+                <a:ln>
+                  <a:noFill/>
+                </a:ln>
+                <a:solidFill>
+                  <a:srgbClr val="2AACB8"/>
+                </a:solidFill>
+                <a:effectLst/>
+                <a:latin typeface="Arial Unicode MS" panose="020B0604020202020204" charset="-122"/>
+                <a:ea typeface="JetBrains Mono"/>
+              </a:rPr>
+              <a:t>0</a:t>
+            </a:r>
+            <a:r>
+              <a:rPr kumimoji="0" lang="zh-CN" altLang="zh-CN" sz="900" b="0" i="0" u="none" strike="noStrike" cap="none" normalizeH="0" baseline="0">
+                <a:ln>
+                  <a:noFill/>
+                </a:ln>
+                <a:solidFill>
+                  <a:srgbClr val="BCBEC4"/>
+                </a:solidFill>
+                <a:effectLst/>
+                <a:latin typeface="Arial Unicode MS" panose="020B0604020202020204" charset="-122"/>
+                <a:ea typeface="JetBrains Mono"/>
+              </a:rPr>
+              <a:t>], input.shape[</a:t>
+            </a:r>
+            <a:r>
+              <a:rPr kumimoji="0" lang="zh-CN" altLang="zh-CN" sz="900" b="0" i="0" u="none" strike="noStrike" cap="none" normalizeH="0" baseline="0">
+                <a:ln>
+                  <a:noFill/>
+                </a:ln>
+                <a:solidFill>
+                  <a:srgbClr val="2AACB8"/>
+                </a:solidFill>
+                <a:effectLst/>
+                <a:latin typeface="Arial Unicode MS" panose="020B0604020202020204" charset="-122"/>
+                <a:ea typeface="JetBrains Mono"/>
+              </a:rPr>
+              <a:t>1</a:t>
+            </a:r>
+            <a:r>
+              <a:rPr kumimoji="0" lang="zh-CN" altLang="zh-CN" sz="900" b="0" i="0" u="none" strike="noStrike" cap="none" normalizeH="0" baseline="0">
+                <a:ln>
+                  <a:noFill/>
+                </a:ln>
+                <a:solidFill>
+                  <a:srgbClr val="BCBEC4"/>
+                </a:solidFill>
+                <a:effectLst/>
+                <a:latin typeface="Arial Unicode MS" panose="020B0604020202020204" charset="-122"/>
+                <a:ea typeface="JetBrains Mono"/>
+              </a:rPr>
+              <a:t>]))</a:t>
+            </a:r>
+            <a:br>
+              <a:rPr kumimoji="0" lang="zh-CN" altLang="zh-CN" sz="900" b="0" i="0" u="none" strike="noStrike" cap="none" normalizeH="0" baseline="0">
+                <a:ln>
+                  <a:noFill/>
+                </a:ln>
+                <a:solidFill>
+                  <a:srgbClr val="BCBEC4"/>
+                </a:solidFill>
+                <a:effectLst/>
+                <a:latin typeface="Arial Unicode MS" panose="020B0604020202020204" charset="-122"/>
+                <a:ea typeface="JetBrains Mono"/>
+              </a:rPr>
+            </a:br>
+            <a:br>
+              <a:rPr kumimoji="0" lang="zh-CN" altLang="zh-CN" sz="900" b="0" i="0" u="none" strike="noStrike" cap="none" normalizeH="0" baseline="0">
+                <a:ln>
+                  <a:noFill/>
+                </a:ln>
+                <a:solidFill>
+                  <a:srgbClr val="BCBEC4"/>
+                </a:solidFill>
+                <a:effectLst/>
+                <a:latin typeface="Arial Unicode MS" panose="020B0604020202020204" charset="-122"/>
+                <a:ea typeface="JetBrains Mono"/>
+              </a:rPr>
+            </a:br>
+            <a:r>
+              <a:rPr kumimoji="0" lang="zh-CN" altLang="zh-CN" sz="900" b="0" i="0" u="none" strike="noStrike" cap="none" normalizeH="0" baseline="0">
+                <a:ln>
+                  <a:noFill/>
+                </a:ln>
+                <a:solidFill>
+                  <a:srgbClr val="BCBEC4"/>
+                </a:solidFill>
+                <a:effectLst/>
+                <a:latin typeface="Arial Unicode MS" panose="020B0604020202020204" charset="-122"/>
+                <a:ea typeface="JetBrains Mono"/>
+              </a:rPr>
+              <a:t>        noisy_image = input + gauss</a:t>
+            </a:r>
+            <a:br>
+              <a:rPr kumimoji="0" lang="zh-CN" altLang="zh-CN" sz="900" b="0" i="0" u="none" strike="noStrike" cap="none" normalizeH="0" baseline="0">
+                <a:ln>
+                  <a:noFill/>
+                </a:ln>
+                <a:solidFill>
+                  <a:srgbClr val="BCBEC4"/>
+                </a:solidFill>
+                <a:effectLst/>
+                <a:latin typeface="Arial Unicode MS" panose="020B0604020202020204" charset="-122"/>
+                <a:ea typeface="JetBrains Mono"/>
+              </a:rPr>
+            </a:br>
+            <a:r>
+              <a:rPr kumimoji="0" lang="zh-CN" altLang="zh-CN" sz="900" b="0" i="0" u="none" strike="noStrike" cap="none" normalizeH="0" baseline="0">
+                <a:ln>
+                  <a:noFill/>
+                </a:ln>
+                <a:solidFill>
+                  <a:srgbClr val="BCBEC4"/>
+                </a:solidFill>
+                <a:effectLst/>
+                <a:latin typeface="Arial Unicode MS" panose="020B0604020202020204" charset="-122"/>
+                <a:ea typeface="JetBrains Mono"/>
+              </a:rPr>
+              <a:t>        noisy_image = np.clip(noisy_image, </a:t>
+            </a:r>
+            <a:r>
+              <a:rPr kumimoji="0" lang="zh-CN" altLang="zh-CN" sz="900" b="0" i="0" u="none" strike="noStrike" cap="none" normalizeH="0" baseline="0">
+                <a:ln>
+                  <a:noFill/>
+                </a:ln>
+                <a:solidFill>
+                  <a:srgbClr val="AA4926"/>
+                </a:solidFill>
+                <a:effectLst/>
+                <a:latin typeface="Arial Unicode MS" panose="020B0604020202020204" charset="-122"/>
+                <a:ea typeface="JetBrains Mono"/>
+              </a:rPr>
+              <a:t>a_min</a:t>
+            </a:r>
+            <a:r>
+              <a:rPr kumimoji="0" lang="zh-CN" altLang="zh-CN" sz="900" b="0" i="0" u="none" strike="noStrike" cap="none" normalizeH="0" baseline="0">
+                <a:ln>
+                  <a:noFill/>
+                </a:ln>
+                <a:solidFill>
+                  <a:srgbClr val="BCBEC4"/>
+                </a:solidFill>
+                <a:effectLst/>
+                <a:latin typeface="Arial Unicode MS" panose="020B0604020202020204" charset="-122"/>
+                <a:ea typeface="JetBrains Mono"/>
+              </a:rPr>
+              <a:t>=</a:t>
+            </a:r>
+            <a:r>
+              <a:rPr kumimoji="0" lang="zh-CN" altLang="zh-CN" sz="900" b="0" i="0" u="none" strike="noStrike" cap="none" normalizeH="0" baseline="0">
+                <a:ln>
+                  <a:noFill/>
+                </a:ln>
+                <a:solidFill>
+                  <a:srgbClr val="2AACB8"/>
+                </a:solidFill>
+                <a:effectLst/>
+                <a:latin typeface="Arial Unicode MS" panose="020B0604020202020204" charset="-122"/>
+                <a:ea typeface="JetBrains Mono"/>
+              </a:rPr>
+              <a:t>0</a:t>
+            </a:r>
+            <a:r>
+              <a:rPr kumimoji="0" lang="zh-CN" altLang="zh-CN" sz="900" b="0" i="0" u="none" strike="noStrike" cap="none" normalizeH="0" baseline="0">
+                <a:ln>
+                  <a:noFill/>
+                </a:ln>
+                <a:solidFill>
+                  <a:srgbClr val="BCBEC4"/>
+                </a:solidFill>
+                <a:effectLst/>
+                <a:latin typeface="Arial Unicode MS" panose="020B0604020202020204" charset="-122"/>
+                <a:ea typeface="JetBrains Mono"/>
+              </a:rPr>
+              <a:t>, </a:t>
+            </a:r>
+            <a:r>
+              <a:rPr kumimoji="0" lang="zh-CN" altLang="zh-CN" sz="900" b="0" i="0" u="none" strike="noStrike" cap="none" normalizeH="0" baseline="0">
+                <a:ln>
+                  <a:noFill/>
+                </a:ln>
+                <a:solidFill>
+                  <a:srgbClr val="AA4926"/>
+                </a:solidFill>
+                <a:effectLst/>
+                <a:latin typeface="Arial Unicode MS" panose="020B0604020202020204" charset="-122"/>
+                <a:ea typeface="JetBrains Mono"/>
+              </a:rPr>
+              <a:t>a_max</a:t>
+            </a:r>
+            <a:r>
+              <a:rPr kumimoji="0" lang="zh-CN" altLang="zh-CN" sz="900" b="0" i="0" u="none" strike="noStrike" cap="none" normalizeH="0" baseline="0">
+                <a:ln>
+                  <a:noFill/>
+                </a:ln>
+                <a:solidFill>
+                  <a:srgbClr val="BCBEC4"/>
+                </a:solidFill>
+                <a:effectLst/>
+                <a:latin typeface="Arial Unicode MS" panose="020B0604020202020204" charset="-122"/>
+                <a:ea typeface="JetBrains Mono"/>
+              </a:rPr>
+              <a:t>=</a:t>
+            </a:r>
+            <a:r>
+              <a:rPr kumimoji="0" lang="zh-CN" altLang="zh-CN" sz="900" b="0" i="0" u="none" strike="noStrike" cap="none" normalizeH="0" baseline="0">
+                <a:ln>
+                  <a:noFill/>
+                </a:ln>
+                <a:solidFill>
+                  <a:srgbClr val="2AACB8"/>
+                </a:solidFill>
+                <a:effectLst/>
+                <a:latin typeface="Arial Unicode MS" panose="020B0604020202020204" charset="-122"/>
+                <a:ea typeface="JetBrains Mono"/>
+              </a:rPr>
+              <a:t>255</a:t>
+            </a:r>
+            <a:r>
+              <a:rPr kumimoji="0" lang="zh-CN" altLang="zh-CN" sz="900" b="0" i="0" u="none" strike="noStrike" cap="none" normalizeH="0" baseline="0">
+                <a:ln>
+                  <a:noFill/>
+                </a:ln>
+                <a:solidFill>
+                  <a:srgbClr val="BCBEC4"/>
+                </a:solidFill>
+                <a:effectLst/>
+                <a:latin typeface="Arial Unicode MS" panose="020B0604020202020204" charset="-122"/>
+                <a:ea typeface="JetBrains Mono"/>
+              </a:rPr>
+              <a:t>)</a:t>
+            </a:r>
+            <a:br>
+              <a:rPr kumimoji="0" lang="zh-CN" altLang="zh-CN" sz="900" b="0" i="0" u="none" strike="noStrike" cap="none" normalizeH="0" baseline="0">
+                <a:ln>
+                  <a:noFill/>
+                </a:ln>
+                <a:solidFill>
+                  <a:srgbClr val="BCBEC4"/>
+                </a:solidFill>
+                <a:effectLst/>
+                <a:latin typeface="Arial Unicode MS" panose="020B0604020202020204" charset="-122"/>
+                <a:ea typeface="JetBrains Mono"/>
+              </a:rPr>
+            </a:br>
+            <a:r>
+              <a:rPr kumimoji="0" lang="zh-CN" altLang="zh-CN" sz="900" b="0" i="0" u="none" strike="noStrike" cap="none" normalizeH="0" baseline="0">
+                <a:ln>
+                  <a:noFill/>
+                </a:ln>
+                <a:solidFill>
+                  <a:srgbClr val="BCBEC4"/>
+                </a:solidFill>
+                <a:effectLst/>
+                <a:latin typeface="Arial Unicode MS" panose="020B0604020202020204" charset="-122"/>
+                <a:ea typeface="JetBrains Mono"/>
+              </a:rPr>
+              <a:t>    </a:t>
+            </a:r>
+            <a:r>
+              <a:rPr kumimoji="0" lang="zh-CN" altLang="zh-CN" sz="900" b="0" i="0" u="none" strike="noStrike" cap="none" normalizeH="0" baseline="0">
+                <a:ln>
+                  <a:noFill/>
+                </a:ln>
+                <a:solidFill>
+                  <a:srgbClr val="CF8E6D"/>
+                </a:solidFill>
+                <a:effectLst/>
+                <a:latin typeface="Arial Unicode MS" panose="020B0604020202020204" charset="-122"/>
+                <a:ea typeface="JetBrains Mono"/>
+              </a:rPr>
+              <a:t>elif </a:t>
+            </a:r>
+            <a:r>
+              <a:rPr kumimoji="0" lang="zh-CN" altLang="zh-CN" sz="900" b="0" i="0" u="none" strike="noStrike" cap="none" normalizeH="0" baseline="0">
+                <a:ln>
+                  <a:noFill/>
+                </a:ln>
+                <a:solidFill>
+                  <a:srgbClr val="BCBEC4"/>
+                </a:solidFill>
+                <a:effectLst/>
+                <a:latin typeface="Arial Unicode MS" panose="020B0604020202020204" charset="-122"/>
+                <a:ea typeface="JetBrains Mono"/>
+              </a:rPr>
+              <a:t>factor == </a:t>
+            </a:r>
+            <a:r>
+              <a:rPr kumimoji="0" lang="zh-CN" altLang="zh-CN" sz="900" b="0" i="0" u="none" strike="noStrike" cap="none" normalizeH="0" baseline="0">
+                <a:ln>
+                  <a:noFill/>
+                </a:ln>
+                <a:solidFill>
+                  <a:srgbClr val="2AACB8"/>
+                </a:solidFill>
+                <a:effectLst/>
+                <a:latin typeface="Arial Unicode MS" panose="020B0604020202020204" charset="-122"/>
+                <a:ea typeface="JetBrains Mono"/>
+              </a:rPr>
+              <a:t>1</a:t>
+            </a:r>
+            <a:r>
+              <a:rPr kumimoji="0" lang="zh-CN" altLang="zh-CN" sz="900" b="0" i="0" u="none" strike="noStrike" cap="none" normalizeH="0" baseline="0">
+                <a:ln>
+                  <a:noFill/>
+                </a:ln>
+                <a:solidFill>
+                  <a:srgbClr val="BCBEC4"/>
+                </a:solidFill>
+                <a:effectLst/>
+                <a:latin typeface="Arial Unicode MS" panose="020B0604020202020204" charset="-122"/>
+                <a:ea typeface="JetBrains Mono"/>
+              </a:rPr>
+              <a:t>:</a:t>
+            </a:r>
+            <a:br>
+              <a:rPr kumimoji="0" lang="zh-CN" altLang="zh-CN" sz="900" b="0" i="0" u="none" strike="noStrike" cap="none" normalizeH="0" baseline="0">
+                <a:ln>
+                  <a:noFill/>
+                </a:ln>
+                <a:solidFill>
+                  <a:srgbClr val="BCBEC4"/>
+                </a:solidFill>
+                <a:effectLst/>
+                <a:latin typeface="Arial Unicode MS" panose="020B0604020202020204" charset="-122"/>
+                <a:ea typeface="JetBrains Mono"/>
+              </a:rPr>
+            </a:br>
+            <a:r>
+              <a:rPr kumimoji="0" lang="zh-CN" altLang="zh-CN" sz="900" b="0" i="0" u="none" strike="noStrike" cap="none" normalizeH="0" baseline="0">
+                <a:ln>
+                  <a:noFill/>
+                </a:ln>
+                <a:solidFill>
+                  <a:srgbClr val="BCBEC4"/>
+                </a:solidFill>
+                <a:effectLst/>
+                <a:latin typeface="Arial Unicode MS" panose="020B0604020202020204" charset="-122"/>
+                <a:ea typeface="JetBrains Mono"/>
+              </a:rPr>
+              <a:t>        vals = </a:t>
+            </a:r>
+            <a:r>
+              <a:rPr kumimoji="0" lang="zh-CN" altLang="zh-CN" sz="900" b="0" i="0" u="none" strike="noStrike" cap="none" normalizeH="0" baseline="0">
+                <a:ln>
+                  <a:noFill/>
+                </a:ln>
+                <a:solidFill>
+                  <a:srgbClr val="8888C6"/>
+                </a:solidFill>
+                <a:effectLst/>
+                <a:latin typeface="Arial Unicode MS" panose="020B0604020202020204" charset="-122"/>
+                <a:ea typeface="JetBrains Mono"/>
+              </a:rPr>
+              <a:t>len</a:t>
+            </a:r>
+            <a:r>
+              <a:rPr kumimoji="0" lang="zh-CN" altLang="zh-CN" sz="900" b="0" i="0" u="none" strike="noStrike" cap="none" normalizeH="0" baseline="0">
+                <a:ln>
+                  <a:noFill/>
+                </a:ln>
+                <a:solidFill>
+                  <a:srgbClr val="BCBEC4"/>
+                </a:solidFill>
+                <a:effectLst/>
+                <a:latin typeface="Arial Unicode MS" panose="020B0604020202020204" charset="-122"/>
+                <a:ea typeface="JetBrains Mono"/>
+              </a:rPr>
+              <a:t>(np.unique(input))</a:t>
+            </a:r>
+            <a:br>
+              <a:rPr kumimoji="0" lang="zh-CN" altLang="zh-CN" sz="900" b="0" i="0" u="none" strike="noStrike" cap="none" normalizeH="0" baseline="0">
+                <a:ln>
+                  <a:noFill/>
+                </a:ln>
+                <a:solidFill>
+                  <a:srgbClr val="BCBEC4"/>
+                </a:solidFill>
+                <a:effectLst/>
+                <a:latin typeface="Arial Unicode MS" panose="020B0604020202020204" charset="-122"/>
+                <a:ea typeface="JetBrains Mono"/>
+              </a:rPr>
+            </a:br>
+            <a:r>
+              <a:rPr kumimoji="0" lang="zh-CN" altLang="zh-CN" sz="900" b="0" i="0" u="none" strike="noStrike" cap="none" normalizeH="0" baseline="0">
+                <a:ln>
+                  <a:noFill/>
+                </a:ln>
+                <a:solidFill>
+                  <a:srgbClr val="BCBEC4"/>
+                </a:solidFill>
+                <a:effectLst/>
+                <a:latin typeface="Arial Unicode MS" panose="020B0604020202020204" charset="-122"/>
+                <a:ea typeface="JetBrains Mono"/>
+              </a:rPr>
+              <a:t>        vals = </a:t>
+            </a:r>
+            <a:r>
+              <a:rPr kumimoji="0" lang="zh-CN" altLang="zh-CN" sz="900" b="0" i="0" u="none" strike="noStrike" cap="none" normalizeH="0" baseline="0">
+                <a:ln>
+                  <a:noFill/>
+                </a:ln>
+                <a:solidFill>
+                  <a:srgbClr val="2AACB8"/>
+                </a:solidFill>
+                <a:effectLst/>
+                <a:latin typeface="Arial Unicode MS" panose="020B0604020202020204" charset="-122"/>
+                <a:ea typeface="JetBrains Mono"/>
+              </a:rPr>
+              <a:t>2 </a:t>
+            </a:r>
+            <a:r>
+              <a:rPr kumimoji="0" lang="zh-CN" altLang="zh-CN" sz="900" b="0" i="0" u="none" strike="noStrike" cap="none" normalizeH="0" baseline="0">
+                <a:ln>
+                  <a:noFill/>
+                </a:ln>
+                <a:solidFill>
+                  <a:srgbClr val="BCBEC4"/>
+                </a:solidFill>
+                <a:effectLst/>
+                <a:latin typeface="Arial Unicode MS" panose="020B0604020202020204" charset="-122"/>
+                <a:ea typeface="JetBrains Mono"/>
+              </a:rPr>
+              <a:t>** np.ceil(np.log2(vals))</a:t>
+            </a:r>
+            <a:br>
+              <a:rPr kumimoji="0" lang="zh-CN" altLang="zh-CN" sz="900" b="0" i="0" u="none" strike="noStrike" cap="none" normalizeH="0" baseline="0">
+                <a:ln>
+                  <a:noFill/>
+                </a:ln>
+                <a:solidFill>
+                  <a:srgbClr val="BCBEC4"/>
+                </a:solidFill>
+                <a:effectLst/>
+                <a:latin typeface="Arial Unicode MS" panose="020B0604020202020204" charset="-122"/>
+                <a:ea typeface="JetBrains Mono"/>
+              </a:rPr>
+            </a:br>
+            <a:br>
+              <a:rPr kumimoji="0" lang="zh-CN" altLang="zh-CN" sz="900" b="0" i="0" u="none" strike="noStrike" cap="none" normalizeH="0" baseline="0">
+                <a:ln>
+                  <a:noFill/>
+                </a:ln>
+                <a:solidFill>
+                  <a:srgbClr val="BCBEC4"/>
+                </a:solidFill>
+                <a:effectLst/>
+                <a:latin typeface="Arial Unicode MS" panose="020B0604020202020204" charset="-122"/>
+                <a:ea typeface="JetBrains Mono"/>
+              </a:rPr>
+            </a:br>
+            <a:r>
+              <a:rPr kumimoji="0" lang="zh-CN" altLang="zh-CN" sz="900" b="0" i="0" u="none" strike="noStrike" cap="none" normalizeH="0" baseline="0">
+                <a:ln>
+                  <a:noFill/>
+                </a:ln>
+                <a:solidFill>
+                  <a:srgbClr val="BCBEC4"/>
+                </a:solidFill>
+                <a:effectLst/>
+                <a:latin typeface="Arial Unicode MS" panose="020B0604020202020204" charset="-122"/>
+                <a:ea typeface="JetBrains Mono"/>
+              </a:rPr>
+              <a:t>        noisy_image = np.random.poisson(input * vals) / </a:t>
+            </a:r>
+            <a:r>
+              <a:rPr kumimoji="0" lang="zh-CN" altLang="zh-CN" sz="900" b="0" i="0" u="none" strike="noStrike" cap="none" normalizeH="0" baseline="0">
+                <a:ln>
+                  <a:noFill/>
+                </a:ln>
+                <a:solidFill>
+                  <a:srgbClr val="8888C6"/>
+                </a:solidFill>
+                <a:effectLst/>
+                <a:latin typeface="Arial Unicode MS" panose="020B0604020202020204" charset="-122"/>
+                <a:ea typeface="JetBrains Mono"/>
+              </a:rPr>
+              <a:t>float</a:t>
+            </a:r>
+            <a:r>
+              <a:rPr kumimoji="0" lang="zh-CN" altLang="zh-CN" sz="900" b="0" i="0" u="none" strike="noStrike" cap="none" normalizeH="0" baseline="0">
+                <a:ln>
+                  <a:noFill/>
+                </a:ln>
+                <a:solidFill>
+                  <a:srgbClr val="BCBEC4"/>
+                </a:solidFill>
+                <a:effectLst/>
+                <a:latin typeface="Arial Unicode MS" panose="020B0604020202020204" charset="-122"/>
+                <a:ea typeface="JetBrains Mono"/>
+              </a:rPr>
+              <a:t>(vals)</a:t>
+            </a:r>
+            <a:br>
+              <a:rPr kumimoji="0" lang="zh-CN" altLang="zh-CN" sz="900" b="0" i="0" u="none" strike="noStrike" cap="none" normalizeH="0" baseline="0">
+                <a:ln>
+                  <a:noFill/>
+                </a:ln>
+                <a:solidFill>
+                  <a:srgbClr val="BCBEC4"/>
+                </a:solidFill>
+                <a:effectLst/>
+                <a:latin typeface="Arial Unicode MS" panose="020B0604020202020204" charset="-122"/>
+                <a:ea typeface="JetBrains Mono"/>
+              </a:rPr>
+            </a:br>
+            <a:r>
+              <a:rPr kumimoji="0" lang="zh-CN" altLang="zh-CN" sz="900" b="0" i="0" u="none" strike="noStrike" cap="none" normalizeH="0" baseline="0">
+                <a:ln>
+                  <a:noFill/>
+                </a:ln>
+                <a:solidFill>
+                  <a:srgbClr val="BCBEC4"/>
+                </a:solidFill>
+                <a:effectLst/>
+                <a:latin typeface="Arial Unicode MS" panose="020B0604020202020204" charset="-122"/>
+                <a:ea typeface="JetBrains Mono"/>
+              </a:rPr>
+              <a:t>    </a:t>
+            </a:r>
+            <a:r>
+              <a:rPr kumimoji="0" lang="zh-CN" altLang="zh-CN" sz="900" b="0" i="0" u="none" strike="noStrike" cap="none" normalizeH="0" baseline="0">
+                <a:ln>
+                  <a:noFill/>
+                </a:ln>
+                <a:solidFill>
+                  <a:srgbClr val="CF8E6D"/>
+                </a:solidFill>
+                <a:effectLst/>
+                <a:latin typeface="Arial Unicode MS" panose="020B0604020202020204" charset="-122"/>
+                <a:ea typeface="JetBrains Mono"/>
+              </a:rPr>
+              <a:t>elif </a:t>
+            </a:r>
+            <a:r>
+              <a:rPr kumimoji="0" lang="zh-CN" altLang="zh-CN" sz="900" b="0" i="0" u="none" strike="noStrike" cap="none" normalizeH="0" baseline="0">
+                <a:ln>
+                  <a:noFill/>
+                </a:ln>
+                <a:solidFill>
+                  <a:srgbClr val="BCBEC4"/>
+                </a:solidFill>
+                <a:effectLst/>
+                <a:latin typeface="Arial Unicode MS" panose="020B0604020202020204" charset="-122"/>
+                <a:ea typeface="JetBrains Mono"/>
+              </a:rPr>
+              <a:t>factor == </a:t>
+            </a:r>
+            <a:r>
+              <a:rPr kumimoji="0" lang="zh-CN" altLang="zh-CN" sz="900" b="0" i="0" u="none" strike="noStrike" cap="none" normalizeH="0" baseline="0">
+                <a:ln>
+                  <a:noFill/>
+                </a:ln>
+                <a:solidFill>
+                  <a:srgbClr val="2AACB8"/>
+                </a:solidFill>
+                <a:effectLst/>
+                <a:latin typeface="Arial Unicode MS" panose="020B0604020202020204" charset="-122"/>
+                <a:ea typeface="JetBrains Mono"/>
+              </a:rPr>
+              <a:t>2</a:t>
+            </a:r>
+            <a:r>
+              <a:rPr kumimoji="0" lang="zh-CN" altLang="zh-CN" sz="900" b="0" i="0" u="none" strike="noStrike" cap="none" normalizeH="0" baseline="0">
+                <a:ln>
+                  <a:noFill/>
+                </a:ln>
+                <a:solidFill>
+                  <a:srgbClr val="BCBEC4"/>
+                </a:solidFill>
+                <a:effectLst/>
+                <a:latin typeface="Arial Unicode MS" panose="020B0604020202020204" charset="-122"/>
+                <a:ea typeface="JetBrains Mono"/>
+              </a:rPr>
+              <a:t>:</a:t>
+            </a:r>
+            <a:br>
+              <a:rPr kumimoji="0" lang="zh-CN" altLang="zh-CN" sz="900" b="0" i="0" u="none" strike="noStrike" cap="none" normalizeH="0" baseline="0">
+                <a:ln>
+                  <a:noFill/>
+                </a:ln>
+                <a:solidFill>
+                  <a:srgbClr val="BCBEC4"/>
+                </a:solidFill>
+                <a:effectLst/>
+                <a:latin typeface="Arial Unicode MS" panose="020B0604020202020204" charset="-122"/>
+                <a:ea typeface="JetBrains Mono"/>
+              </a:rPr>
+            </a:br>
+            <a:r>
+              <a:rPr kumimoji="0" lang="zh-CN" altLang="zh-CN" sz="900" b="0" i="0" u="none" strike="noStrike" cap="none" normalizeH="0" baseline="0">
+                <a:ln>
+                  <a:noFill/>
+                </a:ln>
+                <a:solidFill>
+                  <a:srgbClr val="BCBEC4"/>
+                </a:solidFill>
+                <a:effectLst/>
+                <a:latin typeface="Arial Unicode MS" panose="020B0604020202020204" charset="-122"/>
+                <a:ea typeface="JetBrains Mono"/>
+              </a:rPr>
+              <a:t>        probability = </a:t>
+            </a:r>
+            <a:r>
+              <a:rPr kumimoji="0" lang="zh-CN" altLang="zh-CN" sz="900" b="0" i="0" u="none" strike="noStrike" cap="none" normalizeH="0" baseline="0">
+                <a:ln>
+                  <a:noFill/>
+                </a:ln>
+                <a:solidFill>
+                  <a:srgbClr val="2AACB8"/>
+                </a:solidFill>
+                <a:effectLst/>
+                <a:latin typeface="Arial Unicode MS" panose="020B0604020202020204" charset="-122"/>
+                <a:ea typeface="JetBrains Mono"/>
+              </a:rPr>
+              <a:t>0.4</a:t>
+            </a:r>
+            <a:br>
+              <a:rPr kumimoji="0" lang="zh-CN" altLang="zh-CN" sz="900" b="0" i="0" u="none" strike="noStrike" cap="none" normalizeH="0" baseline="0">
+                <a:ln>
+                  <a:noFill/>
+                </a:ln>
+                <a:solidFill>
+                  <a:srgbClr val="2AACB8"/>
+                </a:solidFill>
+                <a:effectLst/>
+                <a:latin typeface="Arial Unicode MS" panose="020B0604020202020204" charset="-122"/>
+                <a:ea typeface="JetBrains Mono"/>
+              </a:rPr>
+            </a:br>
+            <a:r>
+              <a:rPr kumimoji="0" lang="zh-CN" altLang="zh-CN" sz="900" b="0" i="0" u="none" strike="noStrike" cap="none" normalizeH="0" baseline="0">
+                <a:ln>
+                  <a:noFill/>
+                </a:ln>
+                <a:solidFill>
+                  <a:srgbClr val="2AACB8"/>
+                </a:solidFill>
+                <a:effectLst/>
+                <a:latin typeface="Arial Unicode MS" panose="020B0604020202020204" charset="-122"/>
+                <a:ea typeface="JetBrains Mono"/>
+              </a:rPr>
+              <a:t>        </a:t>
+            </a:r>
+            <a:r>
+              <a:rPr kumimoji="0" lang="zh-CN" altLang="zh-CN" sz="900" b="0" i="0" u="none" strike="noStrike" cap="none" normalizeH="0" baseline="0">
+                <a:ln>
+                  <a:noFill/>
+                </a:ln>
+                <a:solidFill>
+                  <a:srgbClr val="BCBEC4"/>
+                </a:solidFill>
+                <a:effectLst/>
+                <a:latin typeface="Arial Unicode MS" panose="020B0604020202020204" charset="-122"/>
+                <a:ea typeface="JetBrains Mono"/>
+              </a:rPr>
+              <a:t>amount = </a:t>
+            </a:r>
+            <a:r>
+              <a:rPr kumimoji="0" lang="zh-CN" altLang="zh-CN" sz="900" b="0" i="0" u="none" strike="noStrike" cap="none" normalizeH="0" baseline="0">
+                <a:ln>
+                  <a:noFill/>
+                </a:ln>
+                <a:solidFill>
+                  <a:srgbClr val="2AACB8"/>
+                </a:solidFill>
+                <a:effectLst/>
+                <a:latin typeface="Arial Unicode MS" panose="020B0604020202020204" charset="-122"/>
+                <a:ea typeface="JetBrains Mono"/>
+              </a:rPr>
+              <a:t>0.04</a:t>
+            </a:r>
+            <a:br>
+              <a:rPr kumimoji="0" lang="zh-CN" altLang="zh-CN" sz="900" b="0" i="0" u="none" strike="noStrike" cap="none" normalizeH="0" baseline="0">
+                <a:ln>
+                  <a:noFill/>
+                </a:ln>
+                <a:solidFill>
+                  <a:srgbClr val="2AACB8"/>
+                </a:solidFill>
+                <a:effectLst/>
+                <a:latin typeface="Arial Unicode MS" panose="020B0604020202020204" charset="-122"/>
+                <a:ea typeface="JetBrains Mono"/>
+              </a:rPr>
+            </a:br>
+            <a:br>
+              <a:rPr kumimoji="0" lang="zh-CN" altLang="zh-CN" sz="900" b="0" i="0" u="none" strike="noStrike" cap="none" normalizeH="0" baseline="0">
+                <a:ln>
+                  <a:noFill/>
+                </a:ln>
+                <a:solidFill>
+                  <a:srgbClr val="2AACB8"/>
+                </a:solidFill>
+                <a:effectLst/>
+                <a:latin typeface="Arial Unicode MS" panose="020B0604020202020204" charset="-122"/>
+                <a:ea typeface="JetBrains Mono"/>
+              </a:rPr>
+            </a:br>
+            <a:r>
+              <a:rPr kumimoji="0" lang="zh-CN" altLang="zh-CN" sz="900" b="0" i="0" u="none" strike="noStrike" cap="none" normalizeH="0" baseline="0">
+                <a:ln>
+                  <a:noFill/>
+                </a:ln>
+                <a:solidFill>
+                  <a:srgbClr val="2AACB8"/>
+                </a:solidFill>
+                <a:effectLst/>
+                <a:latin typeface="Arial Unicode MS" panose="020B0604020202020204" charset="-122"/>
+                <a:ea typeface="JetBrains Mono"/>
+              </a:rPr>
+              <a:t>        </a:t>
+            </a:r>
+            <a:r>
+              <a:rPr kumimoji="0" lang="zh-CN" altLang="zh-CN" sz="900" b="0" i="0" u="none" strike="noStrike" cap="none" normalizeH="0" baseline="0">
+                <a:ln>
+                  <a:noFill/>
+                </a:ln>
+                <a:solidFill>
+                  <a:srgbClr val="BCBEC4"/>
+                </a:solidFill>
+                <a:effectLst/>
+                <a:latin typeface="Arial Unicode MS" panose="020B0604020202020204" charset="-122"/>
+                <a:ea typeface="JetBrains Mono"/>
+              </a:rPr>
+              <a:t>noisy_image = np.copy(input)</a:t>
+            </a:r>
+            <a:br>
+              <a:rPr kumimoji="0" lang="zh-CN" altLang="zh-CN" sz="900" b="0" i="0" u="none" strike="noStrike" cap="none" normalizeH="0" baseline="0">
+                <a:ln>
+                  <a:noFill/>
+                </a:ln>
+                <a:solidFill>
+                  <a:srgbClr val="BCBEC4"/>
+                </a:solidFill>
+                <a:effectLst/>
+                <a:latin typeface="Arial Unicode MS" panose="020B0604020202020204" charset="-122"/>
+                <a:ea typeface="JetBrains Mono"/>
+              </a:rPr>
+            </a:br>
+            <a:r>
+              <a:rPr kumimoji="0" lang="zh-CN" altLang="zh-CN" sz="900" b="0" i="0" u="none" strike="noStrike" cap="none" normalizeH="0" baseline="0">
+                <a:ln>
+                  <a:noFill/>
+                </a:ln>
+                <a:solidFill>
+                  <a:srgbClr val="BCBEC4"/>
+                </a:solidFill>
+                <a:effectLst/>
+                <a:latin typeface="Arial Unicode MS" panose="020B0604020202020204" charset="-122"/>
+                <a:ea typeface="JetBrains Mono"/>
+              </a:rPr>
+              <a:t>        num = np.ceil(amount * input.size * probability)</a:t>
+            </a:r>
+            <a:br>
+              <a:rPr kumimoji="0" lang="zh-CN" altLang="zh-CN" sz="900" b="0" i="0" u="none" strike="noStrike" cap="none" normalizeH="0" baseline="0">
+                <a:ln>
+                  <a:noFill/>
+                </a:ln>
+                <a:solidFill>
+                  <a:srgbClr val="BCBEC4"/>
+                </a:solidFill>
+                <a:effectLst/>
+                <a:latin typeface="Arial Unicode MS" panose="020B0604020202020204" charset="-122"/>
+                <a:ea typeface="JetBrains Mono"/>
+              </a:rPr>
+            </a:br>
+            <a:r>
+              <a:rPr kumimoji="0" lang="zh-CN" altLang="zh-CN" sz="900" b="0" i="0" u="none" strike="noStrike" cap="none" normalizeH="0" baseline="0">
+                <a:ln>
+                  <a:noFill/>
+                </a:ln>
+                <a:solidFill>
+                  <a:srgbClr val="BCBEC4"/>
+                </a:solidFill>
+                <a:effectLst/>
+                <a:latin typeface="Arial Unicode MS" panose="020B0604020202020204" charset="-122"/>
+                <a:ea typeface="JetBrains Mono"/>
+              </a:rPr>
+              <a:t>        coordinate = [np.random.randint(</a:t>
+            </a:r>
+            <a:r>
+              <a:rPr kumimoji="0" lang="zh-CN" altLang="zh-CN" sz="900" b="0" i="0" u="none" strike="noStrike" cap="none" normalizeH="0" baseline="0">
+                <a:ln>
+                  <a:noFill/>
+                </a:ln>
+                <a:solidFill>
+                  <a:srgbClr val="2AACB8"/>
+                </a:solidFill>
+                <a:effectLst/>
+                <a:latin typeface="Arial Unicode MS" panose="020B0604020202020204" charset="-122"/>
+                <a:ea typeface="JetBrains Mono"/>
+              </a:rPr>
+              <a:t>0</a:t>
+            </a:r>
+            <a:r>
+              <a:rPr kumimoji="0" lang="zh-CN" altLang="zh-CN" sz="900" b="0" i="0" u="none" strike="noStrike" cap="none" normalizeH="0" baseline="0">
+                <a:ln>
+                  <a:noFill/>
+                </a:ln>
+                <a:solidFill>
+                  <a:srgbClr val="BCBEC4"/>
+                </a:solidFill>
+                <a:effectLst/>
+                <a:latin typeface="Arial Unicode MS" panose="020B0604020202020204" charset="-122"/>
+                <a:ea typeface="JetBrains Mono"/>
+              </a:rPr>
+              <a:t>, i - </a:t>
+            </a:r>
+            <a:r>
+              <a:rPr kumimoji="0" lang="zh-CN" altLang="zh-CN" sz="900" b="0" i="0" u="none" strike="noStrike" cap="none" normalizeH="0" baseline="0">
+                <a:ln>
+                  <a:noFill/>
+                </a:ln>
+                <a:solidFill>
+                  <a:srgbClr val="2AACB8"/>
+                </a:solidFill>
+                <a:effectLst/>
+                <a:latin typeface="Arial Unicode MS" panose="020B0604020202020204" charset="-122"/>
+                <a:ea typeface="JetBrains Mono"/>
+              </a:rPr>
+              <a:t>1</a:t>
+            </a:r>
+            <a:r>
+              <a:rPr kumimoji="0" lang="zh-CN" altLang="zh-CN" sz="900" b="0" i="0" u="none" strike="noStrike" cap="none" normalizeH="0" baseline="0">
+                <a:ln>
+                  <a:noFill/>
+                </a:ln>
+                <a:solidFill>
+                  <a:srgbClr val="BCBEC4"/>
+                </a:solidFill>
+                <a:effectLst/>
+                <a:latin typeface="Arial Unicode MS" panose="020B0604020202020204" charset="-122"/>
+                <a:ea typeface="JetBrains Mono"/>
+              </a:rPr>
+              <a:t>, </a:t>
+            </a:r>
+            <a:r>
+              <a:rPr kumimoji="0" lang="zh-CN" altLang="zh-CN" sz="900" b="0" i="0" u="none" strike="noStrike" cap="none" normalizeH="0" baseline="0">
+                <a:ln>
+                  <a:noFill/>
+                </a:ln>
+                <a:solidFill>
+                  <a:srgbClr val="8888C6"/>
+                </a:solidFill>
+                <a:effectLst/>
+                <a:latin typeface="Arial Unicode MS" panose="020B0604020202020204" charset="-122"/>
+                <a:ea typeface="JetBrains Mono"/>
+              </a:rPr>
+              <a:t>int</a:t>
+            </a:r>
+            <a:r>
+              <a:rPr kumimoji="0" lang="zh-CN" altLang="zh-CN" sz="900" b="0" i="0" u="none" strike="noStrike" cap="none" normalizeH="0" baseline="0">
+                <a:ln>
+                  <a:noFill/>
+                </a:ln>
+                <a:solidFill>
+                  <a:srgbClr val="BCBEC4"/>
+                </a:solidFill>
+                <a:effectLst/>
+                <a:latin typeface="Arial Unicode MS" panose="020B0604020202020204" charset="-122"/>
+                <a:ea typeface="JetBrains Mono"/>
+              </a:rPr>
+              <a:t>(num)) </a:t>
+            </a:r>
+            <a:r>
+              <a:rPr kumimoji="0" lang="zh-CN" altLang="zh-CN" sz="900" b="0" i="0" u="none" strike="noStrike" cap="none" normalizeH="0" baseline="0">
+                <a:ln>
+                  <a:noFill/>
+                </a:ln>
+                <a:solidFill>
+                  <a:srgbClr val="CF8E6D"/>
+                </a:solidFill>
+                <a:effectLst/>
+                <a:latin typeface="Arial Unicode MS" panose="020B0604020202020204" charset="-122"/>
+                <a:ea typeface="JetBrains Mono"/>
+              </a:rPr>
+              <a:t>for </a:t>
+            </a:r>
+            <a:r>
+              <a:rPr kumimoji="0" lang="zh-CN" altLang="zh-CN" sz="900" b="0" i="0" u="none" strike="noStrike" cap="none" normalizeH="0" baseline="0">
+                <a:ln>
+                  <a:noFill/>
+                </a:ln>
+                <a:solidFill>
+                  <a:srgbClr val="BCBEC4"/>
+                </a:solidFill>
+                <a:effectLst/>
+                <a:latin typeface="Arial Unicode MS" panose="020B0604020202020204" charset="-122"/>
+                <a:ea typeface="JetBrains Mono"/>
+              </a:rPr>
+              <a:t>i </a:t>
+            </a:r>
+            <a:r>
+              <a:rPr kumimoji="0" lang="zh-CN" altLang="zh-CN" sz="900" b="0" i="0" u="none" strike="noStrike" cap="none" normalizeH="0" baseline="0">
+                <a:ln>
+                  <a:noFill/>
+                </a:ln>
+                <a:solidFill>
+                  <a:srgbClr val="CF8E6D"/>
+                </a:solidFill>
+                <a:effectLst/>
+                <a:latin typeface="Arial Unicode MS" panose="020B0604020202020204" charset="-122"/>
+                <a:ea typeface="JetBrains Mono"/>
+              </a:rPr>
+              <a:t>in </a:t>
+            </a:r>
+            <a:r>
+              <a:rPr kumimoji="0" lang="zh-CN" altLang="zh-CN" sz="900" b="0" i="0" u="none" strike="noStrike" cap="none" normalizeH="0" baseline="0">
+                <a:ln>
+                  <a:noFill/>
+                </a:ln>
+                <a:solidFill>
+                  <a:srgbClr val="BCBEC4"/>
+                </a:solidFill>
+                <a:effectLst/>
+                <a:latin typeface="Arial Unicode MS" panose="020B0604020202020204" charset="-122"/>
+                <a:ea typeface="JetBrains Mono"/>
+              </a:rPr>
+              <a:t>input.shape]</a:t>
+            </a:r>
+            <a:br>
+              <a:rPr kumimoji="0" lang="zh-CN" altLang="zh-CN" sz="900" b="0" i="0" u="none" strike="noStrike" cap="none" normalizeH="0" baseline="0">
+                <a:ln>
+                  <a:noFill/>
+                </a:ln>
+                <a:solidFill>
+                  <a:srgbClr val="BCBEC4"/>
+                </a:solidFill>
+                <a:effectLst/>
+                <a:latin typeface="Arial Unicode MS" panose="020B0604020202020204" charset="-122"/>
+                <a:ea typeface="JetBrains Mono"/>
+              </a:rPr>
+            </a:br>
+            <a:r>
+              <a:rPr kumimoji="0" lang="zh-CN" altLang="zh-CN" sz="900" b="0" i="0" u="none" strike="noStrike" cap="none" normalizeH="0" baseline="0">
+                <a:ln>
+                  <a:noFill/>
+                </a:ln>
+                <a:solidFill>
+                  <a:srgbClr val="BCBEC4"/>
+                </a:solidFill>
+                <a:effectLst/>
+                <a:latin typeface="Arial Unicode MS" panose="020B0604020202020204" charset="-122"/>
+                <a:ea typeface="JetBrains Mono"/>
+              </a:rPr>
+              <a:t>        noisy_image[coordinate[</a:t>
+            </a:r>
+            <a:r>
+              <a:rPr kumimoji="0" lang="zh-CN" altLang="zh-CN" sz="900" b="0" i="0" u="none" strike="noStrike" cap="none" normalizeH="0" baseline="0">
+                <a:ln>
+                  <a:noFill/>
+                </a:ln>
+                <a:solidFill>
+                  <a:srgbClr val="2AACB8"/>
+                </a:solidFill>
+                <a:effectLst/>
+                <a:latin typeface="Arial Unicode MS" panose="020B0604020202020204" charset="-122"/>
+                <a:ea typeface="JetBrains Mono"/>
+              </a:rPr>
+              <a:t>0</a:t>
+            </a:r>
+            <a:r>
+              <a:rPr kumimoji="0" lang="zh-CN" altLang="zh-CN" sz="900" b="0" i="0" u="none" strike="noStrike" cap="none" normalizeH="0" baseline="0">
+                <a:ln>
+                  <a:noFill/>
+                </a:ln>
+                <a:solidFill>
+                  <a:srgbClr val="BCBEC4"/>
+                </a:solidFill>
+                <a:effectLst/>
+                <a:latin typeface="Arial Unicode MS" panose="020B0604020202020204" charset="-122"/>
+                <a:ea typeface="JetBrains Mono"/>
+              </a:rPr>
+              <a:t>], coordinate[</a:t>
+            </a:r>
+            <a:r>
+              <a:rPr kumimoji="0" lang="zh-CN" altLang="zh-CN" sz="900" b="0" i="0" u="none" strike="noStrike" cap="none" normalizeH="0" baseline="0">
+                <a:ln>
+                  <a:noFill/>
+                </a:ln>
+                <a:solidFill>
+                  <a:srgbClr val="2AACB8"/>
+                </a:solidFill>
+                <a:effectLst/>
+                <a:latin typeface="Arial Unicode MS" panose="020B0604020202020204" charset="-122"/>
+                <a:ea typeface="JetBrains Mono"/>
+              </a:rPr>
+              <a:t>1</a:t>
+            </a:r>
+            <a:r>
+              <a:rPr kumimoji="0" lang="zh-CN" altLang="zh-CN" sz="900" b="0" i="0" u="none" strike="noStrike" cap="none" normalizeH="0" baseline="0">
+                <a:ln>
+                  <a:noFill/>
+                </a:ln>
+                <a:solidFill>
+                  <a:srgbClr val="BCBEC4"/>
+                </a:solidFill>
+                <a:effectLst/>
+                <a:latin typeface="Arial Unicode MS" panose="020B0604020202020204" charset="-122"/>
+                <a:ea typeface="JetBrains Mono"/>
+              </a:rPr>
+              <a:t>]] = </a:t>
+            </a:r>
+            <a:r>
+              <a:rPr kumimoji="0" lang="zh-CN" altLang="zh-CN" sz="900" b="0" i="0" u="none" strike="noStrike" cap="none" normalizeH="0" baseline="0">
+                <a:ln>
+                  <a:noFill/>
+                </a:ln>
+                <a:solidFill>
+                  <a:srgbClr val="2AACB8"/>
+                </a:solidFill>
+                <a:effectLst/>
+                <a:latin typeface="Arial Unicode MS" panose="020B0604020202020204" charset="-122"/>
+                <a:ea typeface="JetBrains Mono"/>
+              </a:rPr>
+              <a:t>255</a:t>
+            </a:r>
+            <a:br>
+              <a:rPr kumimoji="0" lang="zh-CN" altLang="zh-CN" sz="900" b="0" i="0" u="none" strike="noStrike" cap="none" normalizeH="0" baseline="0">
+                <a:ln>
+                  <a:noFill/>
+                </a:ln>
+                <a:solidFill>
+                  <a:srgbClr val="2AACB8"/>
+                </a:solidFill>
+                <a:effectLst/>
+                <a:latin typeface="Arial Unicode MS" panose="020B0604020202020204" charset="-122"/>
+                <a:ea typeface="JetBrains Mono"/>
+              </a:rPr>
+            </a:br>
+            <a:br>
+              <a:rPr kumimoji="0" lang="zh-CN" altLang="zh-CN" sz="900" b="0" i="0" u="none" strike="noStrike" cap="none" normalizeH="0" baseline="0">
+                <a:ln>
+                  <a:noFill/>
+                </a:ln>
+                <a:solidFill>
+                  <a:srgbClr val="2AACB8"/>
+                </a:solidFill>
+                <a:effectLst/>
+                <a:latin typeface="Arial Unicode MS" panose="020B0604020202020204" charset="-122"/>
+                <a:ea typeface="JetBrains Mono"/>
+              </a:rPr>
+            </a:br>
+            <a:r>
+              <a:rPr kumimoji="0" lang="zh-CN" altLang="zh-CN" sz="900" b="0" i="0" u="none" strike="noStrike" cap="none" normalizeH="0" baseline="0">
+                <a:ln>
+                  <a:noFill/>
+                </a:ln>
+                <a:solidFill>
+                  <a:srgbClr val="2AACB8"/>
+                </a:solidFill>
+                <a:effectLst/>
+                <a:latin typeface="Arial Unicode MS" panose="020B0604020202020204" charset="-122"/>
+                <a:ea typeface="JetBrains Mono"/>
+              </a:rPr>
+              <a:t>        </a:t>
+            </a:r>
+            <a:r>
+              <a:rPr kumimoji="0" lang="zh-CN" altLang="zh-CN" sz="900" b="0" i="0" u="none" strike="noStrike" cap="none" normalizeH="0" baseline="0">
+                <a:ln>
+                  <a:noFill/>
+                </a:ln>
+                <a:solidFill>
+                  <a:srgbClr val="BCBEC4"/>
+                </a:solidFill>
+                <a:effectLst/>
+                <a:latin typeface="Arial Unicode MS" panose="020B0604020202020204" charset="-122"/>
+                <a:ea typeface="JetBrains Mono"/>
+              </a:rPr>
+              <a:t>num_pepper = np.ceil(amount * input.size * probability)</a:t>
+            </a:r>
+            <a:br>
+              <a:rPr kumimoji="0" lang="zh-CN" altLang="zh-CN" sz="900" b="0" i="0" u="none" strike="noStrike" cap="none" normalizeH="0" baseline="0">
+                <a:ln>
+                  <a:noFill/>
+                </a:ln>
+                <a:solidFill>
+                  <a:srgbClr val="BCBEC4"/>
+                </a:solidFill>
+                <a:effectLst/>
+                <a:latin typeface="Arial Unicode MS" panose="020B0604020202020204" charset="-122"/>
+                <a:ea typeface="JetBrains Mono"/>
+              </a:rPr>
+            </a:br>
+            <a:r>
+              <a:rPr kumimoji="0" lang="zh-CN" altLang="zh-CN" sz="900" b="0" i="0" u="none" strike="noStrike" cap="none" normalizeH="0" baseline="0">
+                <a:ln>
+                  <a:noFill/>
+                </a:ln>
+                <a:solidFill>
+                  <a:srgbClr val="BCBEC4"/>
+                </a:solidFill>
+                <a:effectLst/>
+                <a:latin typeface="Arial Unicode MS" panose="020B0604020202020204" charset="-122"/>
+                <a:ea typeface="JetBrains Mono"/>
+              </a:rPr>
+              <a:t>        coordinate = [np.random.randint(</a:t>
+            </a:r>
+            <a:r>
+              <a:rPr kumimoji="0" lang="zh-CN" altLang="zh-CN" sz="900" b="0" i="0" u="none" strike="noStrike" cap="none" normalizeH="0" baseline="0">
+                <a:ln>
+                  <a:noFill/>
+                </a:ln>
+                <a:solidFill>
+                  <a:srgbClr val="2AACB8"/>
+                </a:solidFill>
+                <a:effectLst/>
+                <a:latin typeface="Arial Unicode MS" panose="020B0604020202020204" charset="-122"/>
+                <a:ea typeface="JetBrains Mono"/>
+              </a:rPr>
+              <a:t>0</a:t>
+            </a:r>
+            <a:r>
+              <a:rPr kumimoji="0" lang="zh-CN" altLang="zh-CN" sz="900" b="0" i="0" u="none" strike="noStrike" cap="none" normalizeH="0" baseline="0">
+                <a:ln>
+                  <a:noFill/>
+                </a:ln>
+                <a:solidFill>
+                  <a:srgbClr val="BCBEC4"/>
+                </a:solidFill>
+                <a:effectLst/>
+                <a:latin typeface="Arial Unicode MS" panose="020B0604020202020204" charset="-122"/>
+                <a:ea typeface="JetBrains Mono"/>
+              </a:rPr>
+              <a:t>, i - </a:t>
+            </a:r>
+            <a:r>
+              <a:rPr kumimoji="0" lang="zh-CN" altLang="zh-CN" sz="900" b="0" i="0" u="none" strike="noStrike" cap="none" normalizeH="0" baseline="0">
+                <a:ln>
+                  <a:noFill/>
+                </a:ln>
+                <a:solidFill>
+                  <a:srgbClr val="2AACB8"/>
+                </a:solidFill>
+                <a:effectLst/>
+                <a:latin typeface="Arial Unicode MS" panose="020B0604020202020204" charset="-122"/>
+                <a:ea typeface="JetBrains Mono"/>
+              </a:rPr>
+              <a:t>1</a:t>
+            </a:r>
+            <a:r>
+              <a:rPr kumimoji="0" lang="zh-CN" altLang="zh-CN" sz="900" b="0" i="0" u="none" strike="noStrike" cap="none" normalizeH="0" baseline="0">
+                <a:ln>
+                  <a:noFill/>
+                </a:ln>
+                <a:solidFill>
+                  <a:srgbClr val="BCBEC4"/>
+                </a:solidFill>
+                <a:effectLst/>
+                <a:latin typeface="Arial Unicode MS" panose="020B0604020202020204" charset="-122"/>
+                <a:ea typeface="JetBrains Mono"/>
+              </a:rPr>
+              <a:t>, </a:t>
+            </a:r>
+            <a:r>
+              <a:rPr kumimoji="0" lang="zh-CN" altLang="zh-CN" sz="900" b="0" i="0" u="none" strike="noStrike" cap="none" normalizeH="0" baseline="0">
+                <a:ln>
+                  <a:noFill/>
+                </a:ln>
+                <a:solidFill>
+                  <a:srgbClr val="8888C6"/>
+                </a:solidFill>
+                <a:effectLst/>
+                <a:latin typeface="Arial Unicode MS" panose="020B0604020202020204" charset="-122"/>
+                <a:ea typeface="JetBrains Mono"/>
+              </a:rPr>
+              <a:t>int</a:t>
+            </a:r>
+            <a:r>
+              <a:rPr kumimoji="0" lang="zh-CN" altLang="zh-CN" sz="900" b="0" i="0" u="none" strike="noStrike" cap="none" normalizeH="0" baseline="0">
+                <a:ln>
+                  <a:noFill/>
+                </a:ln>
+                <a:solidFill>
+                  <a:srgbClr val="BCBEC4"/>
+                </a:solidFill>
+                <a:effectLst/>
+                <a:latin typeface="Arial Unicode MS" panose="020B0604020202020204" charset="-122"/>
+                <a:ea typeface="JetBrains Mono"/>
+              </a:rPr>
+              <a:t>(num_pepper)) </a:t>
+            </a:r>
+            <a:r>
+              <a:rPr kumimoji="0" lang="zh-CN" altLang="zh-CN" sz="900" b="0" i="0" u="none" strike="noStrike" cap="none" normalizeH="0" baseline="0">
+                <a:ln>
+                  <a:noFill/>
+                </a:ln>
+                <a:solidFill>
+                  <a:srgbClr val="CF8E6D"/>
+                </a:solidFill>
+                <a:effectLst/>
+                <a:latin typeface="Arial Unicode MS" panose="020B0604020202020204" charset="-122"/>
+                <a:ea typeface="JetBrains Mono"/>
+              </a:rPr>
+              <a:t>for </a:t>
+            </a:r>
+            <a:r>
+              <a:rPr kumimoji="0" lang="zh-CN" altLang="zh-CN" sz="900" b="0" i="0" u="none" strike="noStrike" cap="none" normalizeH="0" baseline="0">
+                <a:ln>
+                  <a:noFill/>
+                </a:ln>
+                <a:solidFill>
+                  <a:srgbClr val="BCBEC4"/>
+                </a:solidFill>
+                <a:effectLst/>
+                <a:latin typeface="Arial Unicode MS" panose="020B0604020202020204" charset="-122"/>
+                <a:ea typeface="JetBrains Mono"/>
+              </a:rPr>
+              <a:t>i </a:t>
+            </a:r>
+            <a:r>
+              <a:rPr kumimoji="0" lang="zh-CN" altLang="zh-CN" sz="900" b="0" i="0" u="none" strike="noStrike" cap="none" normalizeH="0" baseline="0">
+                <a:ln>
+                  <a:noFill/>
+                </a:ln>
+                <a:solidFill>
+                  <a:srgbClr val="CF8E6D"/>
+                </a:solidFill>
+                <a:effectLst/>
+                <a:latin typeface="Arial Unicode MS" panose="020B0604020202020204" charset="-122"/>
+                <a:ea typeface="JetBrains Mono"/>
+              </a:rPr>
+              <a:t>in </a:t>
+            </a:r>
+            <a:r>
+              <a:rPr kumimoji="0" lang="zh-CN" altLang="zh-CN" sz="900" b="0" i="0" u="none" strike="noStrike" cap="none" normalizeH="0" baseline="0">
+                <a:ln>
+                  <a:noFill/>
+                </a:ln>
+                <a:solidFill>
+                  <a:srgbClr val="BCBEC4"/>
+                </a:solidFill>
+                <a:effectLst/>
+                <a:latin typeface="Arial Unicode MS" panose="020B0604020202020204" charset="-122"/>
+                <a:ea typeface="JetBrains Mono"/>
+              </a:rPr>
+              <a:t>input.shape]</a:t>
+            </a:r>
+            <a:br>
+              <a:rPr kumimoji="0" lang="zh-CN" altLang="zh-CN" sz="900" b="0" i="0" u="none" strike="noStrike" cap="none" normalizeH="0" baseline="0">
+                <a:ln>
+                  <a:noFill/>
+                </a:ln>
+                <a:solidFill>
+                  <a:srgbClr val="BCBEC4"/>
+                </a:solidFill>
+                <a:effectLst/>
+                <a:latin typeface="Arial Unicode MS" panose="020B0604020202020204" charset="-122"/>
+                <a:ea typeface="JetBrains Mono"/>
+              </a:rPr>
+            </a:br>
+            <a:r>
+              <a:rPr kumimoji="0" lang="zh-CN" altLang="zh-CN" sz="900" b="0" i="0" u="none" strike="noStrike" cap="none" normalizeH="0" baseline="0">
+                <a:ln>
+                  <a:noFill/>
+                </a:ln>
+                <a:solidFill>
+                  <a:srgbClr val="BCBEC4"/>
+                </a:solidFill>
+                <a:effectLst/>
+                <a:latin typeface="Arial Unicode MS" panose="020B0604020202020204" charset="-122"/>
+                <a:ea typeface="JetBrains Mono"/>
+              </a:rPr>
+              <a:t>        noisy_image[coordinate[</a:t>
+            </a:r>
+            <a:r>
+              <a:rPr kumimoji="0" lang="zh-CN" altLang="zh-CN" sz="900" b="0" i="0" u="none" strike="noStrike" cap="none" normalizeH="0" baseline="0">
+                <a:ln>
+                  <a:noFill/>
+                </a:ln>
+                <a:solidFill>
+                  <a:srgbClr val="2AACB8"/>
+                </a:solidFill>
+                <a:effectLst/>
+                <a:latin typeface="Arial Unicode MS" panose="020B0604020202020204" charset="-122"/>
+                <a:ea typeface="JetBrains Mono"/>
+              </a:rPr>
+              <a:t>0</a:t>
+            </a:r>
+            <a:r>
+              <a:rPr kumimoji="0" lang="zh-CN" altLang="zh-CN" sz="900" b="0" i="0" u="none" strike="noStrike" cap="none" normalizeH="0" baseline="0">
+                <a:ln>
+                  <a:noFill/>
+                </a:ln>
+                <a:solidFill>
+                  <a:srgbClr val="BCBEC4"/>
+                </a:solidFill>
+                <a:effectLst/>
+                <a:latin typeface="Arial Unicode MS" panose="020B0604020202020204" charset="-122"/>
+                <a:ea typeface="JetBrains Mono"/>
+              </a:rPr>
+              <a:t>], coordinate[</a:t>
+            </a:r>
+            <a:r>
+              <a:rPr kumimoji="0" lang="zh-CN" altLang="zh-CN" sz="900" b="0" i="0" u="none" strike="noStrike" cap="none" normalizeH="0" baseline="0">
+                <a:ln>
+                  <a:noFill/>
+                </a:ln>
+                <a:solidFill>
+                  <a:srgbClr val="2AACB8"/>
+                </a:solidFill>
+                <a:effectLst/>
+                <a:latin typeface="Arial Unicode MS" panose="020B0604020202020204" charset="-122"/>
+                <a:ea typeface="JetBrains Mono"/>
+              </a:rPr>
+              <a:t>1</a:t>
+            </a:r>
+            <a:r>
+              <a:rPr kumimoji="0" lang="zh-CN" altLang="zh-CN" sz="900" b="0" i="0" u="none" strike="noStrike" cap="none" normalizeH="0" baseline="0">
+                <a:ln>
+                  <a:noFill/>
+                </a:ln>
+                <a:solidFill>
+                  <a:srgbClr val="BCBEC4"/>
+                </a:solidFill>
+                <a:effectLst/>
+                <a:latin typeface="Arial Unicode MS" panose="020B0604020202020204" charset="-122"/>
+                <a:ea typeface="JetBrains Mono"/>
+              </a:rPr>
+              <a:t>]] = </a:t>
+            </a:r>
+            <a:r>
+              <a:rPr kumimoji="0" lang="zh-CN" altLang="zh-CN" sz="900" b="0" i="0" u="none" strike="noStrike" cap="none" normalizeH="0" baseline="0">
+                <a:ln>
+                  <a:noFill/>
+                </a:ln>
+                <a:solidFill>
+                  <a:srgbClr val="2AACB8"/>
+                </a:solidFill>
+                <a:effectLst/>
+                <a:latin typeface="Arial Unicode MS" panose="020B0604020202020204" charset="-122"/>
+                <a:ea typeface="JetBrains Mono"/>
+              </a:rPr>
+              <a:t>0</a:t>
+            </a:r>
+            <a:br>
+              <a:rPr kumimoji="0" lang="zh-CN" altLang="zh-CN" sz="900" b="0" i="0" u="none" strike="noStrike" cap="none" normalizeH="0" baseline="0">
+                <a:ln>
+                  <a:noFill/>
+                </a:ln>
+                <a:solidFill>
+                  <a:srgbClr val="2AACB8"/>
+                </a:solidFill>
+                <a:effectLst/>
+                <a:latin typeface="Arial Unicode MS" panose="020B0604020202020204" charset="-122"/>
+                <a:ea typeface="JetBrains Mono"/>
+              </a:rPr>
+            </a:br>
+            <a:br>
+              <a:rPr kumimoji="0" lang="zh-CN" altLang="zh-CN" sz="900" b="0" i="0" u="none" strike="noStrike" cap="none" normalizeH="0" baseline="0">
+                <a:ln>
+                  <a:noFill/>
+                </a:ln>
+                <a:solidFill>
+                  <a:srgbClr val="2AACB8"/>
+                </a:solidFill>
+                <a:effectLst/>
+                <a:latin typeface="Arial Unicode MS" panose="020B0604020202020204" charset="-122"/>
+                <a:ea typeface="JetBrains Mono"/>
+              </a:rPr>
+            </a:br>
+            <a:r>
+              <a:rPr kumimoji="0" lang="zh-CN" altLang="zh-CN" sz="900" b="0" i="0" u="none" strike="noStrike" cap="none" normalizeH="0" baseline="0">
+                <a:ln>
+                  <a:noFill/>
+                </a:ln>
+                <a:solidFill>
+                  <a:srgbClr val="2AACB8"/>
+                </a:solidFill>
+                <a:effectLst/>
+                <a:latin typeface="Arial Unicode MS" panose="020B0604020202020204" charset="-122"/>
+                <a:ea typeface="JetBrains Mono"/>
+              </a:rPr>
+              <a:t>    </a:t>
+            </a:r>
+            <a:r>
+              <a:rPr kumimoji="0" lang="zh-CN" altLang="zh-CN" sz="900" b="0" i="0" u="none" strike="noStrike" cap="none" normalizeH="0" baseline="0">
+                <a:ln>
+                  <a:noFill/>
+                </a:ln>
+                <a:solidFill>
+                  <a:srgbClr val="BCBEC4"/>
+                </a:solidFill>
+                <a:effectLst/>
+                <a:latin typeface="Arial Unicode MS" panose="020B0604020202020204" charset="-122"/>
+                <a:ea typeface="JetBrains Mono"/>
+              </a:rPr>
+              <a:t>cv2.imwrite(</a:t>
+            </a:r>
+            <a:r>
+              <a:rPr kumimoji="0" lang="zh-CN" altLang="zh-CN" sz="900" b="0" i="0" u="none" strike="noStrike" cap="none" normalizeH="0" baseline="0">
+                <a:ln>
+                  <a:noFill/>
+                </a:ln>
+                <a:solidFill>
+                  <a:srgbClr val="6AAB73"/>
+                </a:solidFill>
+                <a:effectLst/>
+                <a:latin typeface="Arial Unicode MS" panose="020B0604020202020204" charset="-122"/>
+                <a:ea typeface="JetBrains Mono"/>
+              </a:rPr>
+              <a:t>"noisy_image.png"</a:t>
+            </a:r>
+            <a:r>
+              <a:rPr kumimoji="0" lang="zh-CN" altLang="zh-CN" sz="900" b="0" i="0" u="none" strike="noStrike" cap="none" normalizeH="0" baseline="0">
+                <a:ln>
+                  <a:noFill/>
+                </a:ln>
+                <a:solidFill>
+                  <a:srgbClr val="BCBEC4"/>
+                </a:solidFill>
+                <a:effectLst/>
+                <a:latin typeface="Arial Unicode MS" panose="020B0604020202020204" charset="-122"/>
+                <a:ea typeface="JetBrains Mono"/>
+              </a:rPr>
+              <a:t>, noisy_image)</a:t>
+            </a:r>
+            <a:br>
+              <a:rPr kumimoji="0" lang="zh-CN" altLang="zh-CN" sz="900" b="0" i="0" u="none" strike="noStrike" cap="none" normalizeH="0" baseline="0">
+                <a:ln>
+                  <a:noFill/>
+                </a:ln>
+                <a:solidFill>
+                  <a:srgbClr val="BCBEC4"/>
+                </a:solidFill>
+                <a:effectLst/>
+                <a:latin typeface="Arial Unicode MS" panose="020B0604020202020204" charset="-122"/>
+                <a:ea typeface="JetBrains Mono"/>
+              </a:rPr>
+            </a:br>
+            <a:r>
+              <a:rPr kumimoji="0" lang="zh-CN" altLang="zh-CN" sz="900" b="0" i="0" u="none" strike="noStrike" cap="none" normalizeH="0" baseline="0">
+                <a:ln>
+                  <a:noFill/>
+                </a:ln>
+                <a:solidFill>
+                  <a:srgbClr val="BCBEC4"/>
+                </a:solidFill>
+                <a:effectLst/>
+                <a:latin typeface="Arial Unicode MS" panose="020B0604020202020204" charset="-122"/>
+                <a:ea typeface="JetBrains Mono"/>
+              </a:rPr>
+              <a:t>    </a:t>
+            </a:r>
+            <a:r>
+              <a:rPr kumimoji="0" lang="zh-CN" altLang="zh-CN" sz="900" b="0" i="0" u="none" strike="noStrike" cap="none" normalizeH="0" baseline="0">
+                <a:ln>
+                  <a:noFill/>
+                </a:ln>
+                <a:solidFill>
+                  <a:srgbClr val="94558D"/>
+                </a:solidFill>
+                <a:effectLst/>
+                <a:latin typeface="Arial Unicode MS" panose="020B0604020202020204" charset="-122"/>
+                <a:ea typeface="JetBrains Mono"/>
+              </a:rPr>
+              <a:t>self</a:t>
+            </a:r>
+            <a:r>
+              <a:rPr kumimoji="0" lang="zh-CN" altLang="zh-CN" sz="900" b="0" i="0" u="none" strike="noStrike" cap="none" normalizeH="0" baseline="0">
+                <a:ln>
+                  <a:noFill/>
+                </a:ln>
+                <a:solidFill>
+                  <a:srgbClr val="BCBEC4"/>
+                </a:solidFill>
+                <a:effectLst/>
+                <a:latin typeface="Arial Unicode MS" panose="020B0604020202020204" charset="-122"/>
+                <a:ea typeface="JetBrains Mono"/>
+              </a:rPr>
+              <a:t>.pix = QtGui.QPixmap(</a:t>
+            </a:r>
+            <a:r>
+              <a:rPr kumimoji="0" lang="zh-CN" altLang="zh-CN" sz="900" b="0" i="0" u="none" strike="noStrike" cap="none" normalizeH="0" baseline="0">
+                <a:ln>
+                  <a:noFill/>
+                </a:ln>
+                <a:solidFill>
+                  <a:srgbClr val="6AAB73"/>
+                </a:solidFill>
+                <a:effectLst/>
+                <a:latin typeface="Arial Unicode MS" panose="020B0604020202020204" charset="-122"/>
+                <a:ea typeface="JetBrains Mono"/>
+              </a:rPr>
+              <a:t>"noisy_image.png"</a:t>
+            </a:r>
+            <a:r>
+              <a:rPr kumimoji="0" lang="zh-CN" altLang="zh-CN" sz="900" b="0" i="0" u="none" strike="noStrike" cap="none" normalizeH="0" baseline="0">
+                <a:ln>
+                  <a:noFill/>
+                </a:ln>
+                <a:solidFill>
+                  <a:srgbClr val="BCBEC4"/>
+                </a:solidFill>
+                <a:effectLst/>
+                <a:latin typeface="Arial Unicode MS" panose="020B0604020202020204" charset="-122"/>
+                <a:ea typeface="JetBrains Mono"/>
+              </a:rPr>
+              <a:t>)</a:t>
+            </a:r>
+            <a:br>
+              <a:rPr kumimoji="0" lang="zh-CN" altLang="zh-CN" sz="900" b="0" i="0" u="none" strike="noStrike" cap="none" normalizeH="0" baseline="0">
+                <a:ln>
+                  <a:noFill/>
+                </a:ln>
+                <a:solidFill>
+                  <a:srgbClr val="BCBEC4"/>
+                </a:solidFill>
+                <a:effectLst/>
+                <a:latin typeface="Arial Unicode MS" panose="020B0604020202020204" charset="-122"/>
+                <a:ea typeface="JetBrains Mono"/>
+              </a:rPr>
+            </a:br>
+            <a:r>
+              <a:rPr kumimoji="0" lang="zh-CN" altLang="zh-CN" sz="900" b="0" i="0" u="none" strike="noStrike" cap="none" normalizeH="0" baseline="0">
+                <a:ln>
+                  <a:noFill/>
+                </a:ln>
+                <a:solidFill>
+                  <a:srgbClr val="BCBEC4"/>
+                </a:solidFill>
+                <a:effectLst/>
+                <a:latin typeface="Arial Unicode MS" panose="020B0604020202020204" charset="-122"/>
+                <a:ea typeface="JetBrains Mono"/>
+              </a:rPr>
+              <a:t>    </a:t>
+            </a:r>
+            <a:r>
+              <a:rPr kumimoji="0" lang="zh-CN" altLang="zh-CN" sz="900" b="0" i="0" u="none" strike="noStrike" cap="none" normalizeH="0" baseline="0">
+                <a:ln>
+                  <a:noFill/>
+                </a:ln>
+                <a:solidFill>
+                  <a:srgbClr val="94558D"/>
+                </a:solidFill>
+                <a:effectLst/>
+                <a:latin typeface="Arial Unicode MS" panose="020B0604020202020204" charset="-122"/>
+                <a:ea typeface="JetBrains Mono"/>
+              </a:rPr>
+              <a:t>self</a:t>
+            </a:r>
+            <a:r>
+              <a:rPr kumimoji="0" lang="zh-CN" altLang="zh-CN" sz="900" b="0" i="0" u="none" strike="noStrike" cap="none" normalizeH="0" baseline="0">
+                <a:ln>
+                  <a:noFill/>
+                </a:ln>
+                <a:solidFill>
+                  <a:srgbClr val="BCBEC4"/>
+                </a:solidFill>
+                <a:effectLst/>
+                <a:latin typeface="Arial Unicode MS" panose="020B0604020202020204" charset="-122"/>
+                <a:ea typeface="JetBrains Mono"/>
+              </a:rPr>
+              <a:t>.label_2.setPixmap(</a:t>
+            </a:r>
+            <a:r>
+              <a:rPr kumimoji="0" lang="zh-CN" altLang="zh-CN" sz="900" b="0" i="0" u="none" strike="noStrike" cap="none" normalizeH="0" baseline="0">
+                <a:ln>
+                  <a:noFill/>
+                </a:ln>
+                <a:solidFill>
+                  <a:srgbClr val="94558D"/>
+                </a:solidFill>
+                <a:effectLst/>
+                <a:latin typeface="Arial Unicode MS" panose="020B0604020202020204" charset="-122"/>
+                <a:ea typeface="JetBrains Mono"/>
+              </a:rPr>
+              <a:t>self</a:t>
+            </a:r>
+            <a:r>
+              <a:rPr kumimoji="0" lang="zh-CN" altLang="zh-CN" sz="900" b="0" i="0" u="none" strike="noStrike" cap="none" normalizeH="0" baseline="0">
+                <a:ln>
+                  <a:noFill/>
+                </a:ln>
+                <a:solidFill>
+                  <a:srgbClr val="BCBEC4"/>
+                </a:solidFill>
+                <a:effectLst/>
+                <a:latin typeface="Arial Unicode MS" panose="020B0604020202020204" charset="-122"/>
+                <a:ea typeface="JetBrains Mono"/>
+              </a:rPr>
+              <a:t>.pix)</a:t>
+            </a:r>
+            <a:br>
+              <a:rPr kumimoji="0" lang="zh-CN" altLang="zh-CN" sz="900" b="0" i="0" u="none" strike="noStrike" cap="none" normalizeH="0" baseline="0">
+                <a:ln>
+                  <a:noFill/>
+                </a:ln>
+                <a:solidFill>
+                  <a:srgbClr val="BCBEC4"/>
+                </a:solidFill>
+                <a:effectLst/>
+                <a:latin typeface="Arial Unicode MS" panose="020B0604020202020204" charset="-122"/>
+                <a:ea typeface="JetBrains Mono"/>
+              </a:rPr>
+            </a:br>
+            <a:r>
+              <a:rPr kumimoji="0" lang="zh-CN" altLang="zh-CN" sz="900" b="0" i="0" u="none" strike="noStrike" cap="none" normalizeH="0" baseline="0">
+                <a:ln>
+                  <a:noFill/>
+                </a:ln>
+                <a:solidFill>
+                  <a:srgbClr val="BCBEC4"/>
+                </a:solidFill>
+                <a:effectLst/>
+                <a:latin typeface="Arial Unicode MS" panose="020B0604020202020204" charset="-122"/>
+                <a:ea typeface="JetBrains Mono"/>
+              </a:rPr>
+              <a:t>    </a:t>
+            </a:r>
+            <a:r>
+              <a:rPr kumimoji="0" lang="zh-CN" altLang="zh-CN" sz="900" b="0" i="0" u="none" strike="noStrike" cap="none" normalizeH="0" baseline="0">
+                <a:ln>
+                  <a:noFill/>
+                </a:ln>
+                <a:solidFill>
+                  <a:srgbClr val="94558D"/>
+                </a:solidFill>
+                <a:effectLst/>
+                <a:latin typeface="Arial Unicode MS" panose="020B0604020202020204" charset="-122"/>
+                <a:ea typeface="JetBrains Mono"/>
+              </a:rPr>
+              <a:t>self</a:t>
+            </a:r>
+            <a:r>
+              <a:rPr kumimoji="0" lang="zh-CN" altLang="zh-CN" sz="900" b="0" i="0" u="none" strike="noStrike" cap="none" normalizeH="0" baseline="0">
+                <a:ln>
+                  <a:noFill/>
+                </a:ln>
+                <a:solidFill>
+                  <a:srgbClr val="BCBEC4"/>
+                </a:solidFill>
+                <a:effectLst/>
+                <a:latin typeface="Arial Unicode MS" panose="020B0604020202020204" charset="-122"/>
+                <a:ea typeface="JetBrains Mono"/>
+              </a:rPr>
+              <a:t>.label_2.setScaledContents(</a:t>
+            </a:r>
+            <a:r>
+              <a:rPr kumimoji="0" lang="zh-CN" altLang="zh-CN" sz="900" b="0" i="0" u="none" strike="noStrike" cap="none" normalizeH="0" baseline="0">
+                <a:ln>
+                  <a:noFill/>
+                </a:ln>
+                <a:solidFill>
+                  <a:srgbClr val="CF8E6D"/>
+                </a:solidFill>
+                <a:effectLst/>
+                <a:latin typeface="Arial Unicode MS" panose="020B0604020202020204" charset="-122"/>
+                <a:ea typeface="JetBrains Mono"/>
+              </a:rPr>
+              <a:t>True</a:t>
+            </a:r>
+            <a:r>
+              <a:rPr kumimoji="0" lang="zh-CN" altLang="zh-CN" sz="900" b="0" i="0" u="none" strike="noStrike" cap="none" normalizeH="0" baseline="0">
+                <a:ln>
+                  <a:noFill/>
+                </a:ln>
+                <a:solidFill>
+                  <a:srgbClr val="BCBEC4"/>
+                </a:solidFill>
+                <a:effectLst/>
+                <a:latin typeface="Arial Unicode MS" panose="020B0604020202020204" charset="-122"/>
+                <a:ea typeface="JetBrains Mono"/>
+              </a:rPr>
+              <a:t>)</a:t>
+            </a:r>
+            <a:endParaRPr kumimoji="0" lang="zh-CN" altLang="zh-CN" sz="1800" b="0" i="0" u="none" strike="noStrike" cap="none" normalizeH="0" baseline="0">
+              <a:ln>
+                <a:noFill/>
+              </a:ln>
+              <a:solidFill>
+                <a:schemeClr val="tx1"/>
+              </a:solidFill>
+              <a:effectLst/>
+              <a:latin typeface="Arial" panose="020B0604020202090204" pitchFamily="34" charset="0"/>
+            </a:endParaRPr>
+          </a:p>
+        </p:txBody>
+      </p:sp>
+      <p:sp>
+        <p:nvSpPr>
+          <p:cNvPr id="5" name="文本框 4"/>
+          <p:cNvSpPr txBox="1"/>
+          <p:nvPr/>
+        </p:nvSpPr>
+        <p:spPr>
+          <a:xfrm>
+            <a:off x="5374585" y="1305341"/>
+            <a:ext cx="6097656" cy="4799965"/>
+          </a:xfrm>
+          <a:prstGeom prst="rect">
+            <a:avLst/>
+          </a:prstGeom>
+          <a:noFill/>
+        </p:spPr>
+        <p:txBody>
+          <a:bodyPr wrap="square">
+            <a:spAutoFit/>
+          </a:bodyPr>
+          <a:lstStyle/>
+          <a:p>
+            <a:pPr rtl="0"/>
+            <a:r>
+              <a:rPr lang="zh-CN" altLang="en-US" dirty="0">
+                <a:effectLst/>
+              </a:rPr>
+              <a:t>高斯噪声（</a:t>
+            </a:r>
+            <a:r>
+              <a:rPr lang="en-US" altLang="zh-CN" dirty="0">
+                <a:effectLst/>
+              </a:rPr>
+              <a:t>Gaussian Noise</a:t>
+            </a:r>
+            <a:r>
+              <a:rPr lang="zh-CN" altLang="en-US" dirty="0">
+                <a:effectLst/>
+              </a:rPr>
+              <a:t>）：</a:t>
+            </a:r>
+            <a:endParaRPr lang="zh-CN" altLang="en-US" dirty="0"/>
+          </a:p>
+          <a:p>
+            <a:pPr rtl="0"/>
+            <a:r>
+              <a:rPr lang="zh-CN" altLang="en-US" dirty="0">
+                <a:effectLst/>
+              </a:rPr>
+              <a:t>根据高斯分布生成噪声，并添加到图像上。</a:t>
+            </a:r>
+            <a:endParaRPr lang="zh-CN" altLang="en-US" dirty="0"/>
+          </a:p>
+          <a:p>
+            <a:pPr rtl="0"/>
+            <a:r>
+              <a:rPr lang="zh-CN" altLang="en-US" dirty="0">
+                <a:effectLst/>
+              </a:rPr>
+              <a:t>使用 </a:t>
+            </a:r>
+            <a:r>
+              <a:rPr lang="en-US" altLang="zh-CN" dirty="0" err="1">
+                <a:effectLst/>
+              </a:rPr>
+              <a:t>numpy.random.normal</a:t>
+            </a:r>
+            <a:r>
+              <a:rPr lang="en-US" altLang="zh-CN" dirty="0">
+                <a:effectLst/>
+              </a:rPr>
+              <a:t> </a:t>
+            </a:r>
+            <a:r>
+              <a:rPr lang="zh-CN" altLang="en-US" dirty="0">
+                <a:effectLst/>
+              </a:rPr>
+              <a:t>来生成具有指定平均值和标准差的噪声。</a:t>
+            </a:r>
+            <a:endParaRPr lang="zh-CN" altLang="en-US" dirty="0"/>
+          </a:p>
+          <a:p>
+            <a:pPr rtl="0"/>
+            <a:r>
+              <a:rPr lang="zh-CN" altLang="en-US" dirty="0">
+                <a:effectLst/>
+              </a:rPr>
+              <a:t>使用 </a:t>
+            </a:r>
+            <a:r>
+              <a:rPr lang="en-US" altLang="zh-CN" dirty="0" err="1">
+                <a:effectLst/>
+              </a:rPr>
+              <a:t>numpy.clip</a:t>
+            </a:r>
+            <a:r>
+              <a:rPr lang="en-US" altLang="zh-CN" dirty="0">
+                <a:effectLst/>
+              </a:rPr>
+              <a:t> </a:t>
+            </a:r>
+            <a:r>
+              <a:rPr lang="zh-CN" altLang="en-US" dirty="0">
+                <a:effectLst/>
+              </a:rPr>
+              <a:t>保证添加噪声后的像素值仍在有效范围内（</a:t>
+            </a:r>
+            <a:r>
+              <a:rPr lang="en-US" altLang="zh-CN" dirty="0">
+                <a:effectLst/>
+              </a:rPr>
+              <a:t>0-255</a:t>
+            </a:r>
+            <a:r>
+              <a:rPr lang="zh-CN" altLang="en-US" dirty="0">
+                <a:effectLst/>
+              </a:rPr>
+              <a:t>）。</a:t>
+            </a:r>
+            <a:endParaRPr lang="zh-CN" altLang="en-US" dirty="0">
+              <a:effectLst/>
+            </a:endParaRPr>
+          </a:p>
+          <a:p>
+            <a:pPr rtl="0"/>
+            <a:endParaRPr lang="zh-CN" altLang="en-US" dirty="0"/>
+          </a:p>
+          <a:p>
+            <a:pPr rtl="0"/>
+            <a:r>
+              <a:rPr lang="zh-CN" altLang="en-US" dirty="0">
+                <a:effectLst/>
+              </a:rPr>
+              <a:t>泊松噪声（</a:t>
+            </a:r>
+            <a:r>
+              <a:rPr lang="en-US" altLang="zh-CN" dirty="0">
+                <a:effectLst/>
+              </a:rPr>
+              <a:t>Poisson Noise</a:t>
+            </a:r>
+            <a:r>
+              <a:rPr lang="zh-CN" altLang="en-US" dirty="0">
+                <a:effectLst/>
+              </a:rPr>
+              <a:t>）：</a:t>
+            </a:r>
+            <a:endParaRPr lang="zh-CN" altLang="en-US" dirty="0"/>
+          </a:p>
+          <a:p>
+            <a:pPr rtl="0"/>
+            <a:r>
+              <a:rPr lang="zh-CN" altLang="en-US" dirty="0">
+                <a:effectLst/>
+              </a:rPr>
+              <a:t>适用于像素值为计数数据的情况。</a:t>
+            </a:r>
+            <a:endParaRPr lang="zh-CN" altLang="en-US" dirty="0"/>
+          </a:p>
+          <a:p>
+            <a:pPr rtl="0"/>
+            <a:r>
+              <a:rPr lang="zh-CN" altLang="en-US" dirty="0">
+                <a:effectLst/>
+              </a:rPr>
+              <a:t>使用 </a:t>
+            </a:r>
+            <a:r>
+              <a:rPr lang="en-US" altLang="zh-CN" dirty="0" err="1">
+                <a:effectLst/>
+              </a:rPr>
+              <a:t>numpy.random.poisson</a:t>
+            </a:r>
+            <a:r>
+              <a:rPr lang="en-US" altLang="zh-CN" dirty="0">
+                <a:effectLst/>
+              </a:rPr>
+              <a:t> </a:t>
+            </a:r>
+            <a:r>
+              <a:rPr lang="zh-CN" altLang="en-US" dirty="0">
+                <a:effectLst/>
+              </a:rPr>
+              <a:t>生成噪声，模拟光子到达图像传感器的随机性。</a:t>
+            </a:r>
+            <a:endParaRPr lang="zh-CN" altLang="en-US" dirty="0"/>
+          </a:p>
+          <a:p>
+            <a:pPr rtl="0"/>
+            <a:r>
+              <a:rPr lang="zh-CN" altLang="en-US" dirty="0">
+                <a:effectLst/>
+              </a:rPr>
+              <a:t>由于泊松分布的标度由数据自身决定，通常需要对数据进行缩放处理。</a:t>
+            </a:r>
+            <a:endParaRPr lang="zh-CN" altLang="en-US" dirty="0">
+              <a:effectLst/>
+            </a:endParaRPr>
+          </a:p>
+          <a:p>
+            <a:pPr rtl="0"/>
+            <a:endParaRPr lang="zh-CN" altLang="en-US" dirty="0"/>
+          </a:p>
+          <a:p>
+            <a:pPr rtl="0"/>
+            <a:r>
+              <a:rPr lang="zh-CN" altLang="en-US" dirty="0">
+                <a:effectLst/>
+              </a:rPr>
+              <a:t>椒盐噪声（</a:t>
+            </a:r>
+            <a:r>
+              <a:rPr lang="en-US" altLang="zh-CN" dirty="0">
+                <a:effectLst/>
+              </a:rPr>
+              <a:t>Salt-and-Pepper Noise</a:t>
+            </a:r>
+            <a:r>
+              <a:rPr lang="zh-CN" altLang="en-US" dirty="0">
+                <a:effectLst/>
+              </a:rPr>
+              <a:t>）：</a:t>
+            </a:r>
+            <a:endParaRPr lang="zh-CN" altLang="en-US" dirty="0"/>
+          </a:p>
+          <a:p>
+            <a:pPr rtl="0"/>
+            <a:r>
+              <a:rPr lang="zh-CN" altLang="en-US" dirty="0">
+                <a:effectLst/>
+              </a:rPr>
+              <a:t>随机将一些像素点变为白点（盐）或黑点（椒）。</a:t>
+            </a:r>
+            <a:endParaRPr lang="zh-CN" altLang="en-US" dirty="0"/>
+          </a:p>
+          <a:p>
+            <a:pPr rtl="0"/>
+            <a:r>
+              <a:rPr lang="zh-CN" altLang="en-US" dirty="0">
+                <a:effectLst/>
+              </a:rPr>
+              <a:t>使用 </a:t>
+            </a:r>
+            <a:r>
+              <a:rPr lang="en-US" altLang="zh-CN" dirty="0" err="1">
+                <a:effectLst/>
+              </a:rPr>
+              <a:t>numpy.random.randint</a:t>
+            </a:r>
+            <a:r>
+              <a:rPr lang="en-US" altLang="zh-CN" dirty="0">
+                <a:effectLst/>
+              </a:rPr>
+              <a:t> </a:t>
+            </a:r>
+            <a:r>
+              <a:rPr lang="zh-CN" altLang="en-US" dirty="0">
+                <a:effectLst/>
+              </a:rPr>
+              <a:t>随机选择要改变的像素位置。</a:t>
+            </a:r>
+            <a:endParaRPr lang="zh-CN" altLang="en-US" dirty="0"/>
+          </a:p>
+        </p:txBody>
+      </p:sp>
+      <p:sp>
+        <p:nvSpPr>
+          <p:cNvPr id="6" name="文本框 5"/>
+          <p:cNvSpPr txBox="1"/>
+          <p:nvPr/>
+        </p:nvSpPr>
+        <p:spPr>
+          <a:xfrm>
+            <a:off x="290159" y="147533"/>
+            <a:ext cx="8722897" cy="460375"/>
+          </a:xfrm>
+          <a:prstGeom prst="rect">
+            <a:avLst/>
+          </a:prstGeom>
+          <a:noFill/>
+        </p:spPr>
+        <p:txBody>
+          <a:bodyPr wrap="square" rtlCol="0">
+            <a:spAutoFit/>
+          </a:bodyPr>
+          <a:lstStyle/>
+          <a:p>
+            <a:r>
+              <a:rPr lang="en-US" altLang="zh-CN" sz="2400" b="1" kern="100" dirty="0">
+                <a:solidFill>
+                  <a:schemeClr val="bg1"/>
+                </a:solidFill>
+                <a:latin typeface="微软雅黑" panose="020B0503020204020204" pitchFamily="34" charset="-122"/>
+                <a:ea typeface="微软雅黑" panose="020B0503020204020204" pitchFamily="34" charset="-122"/>
+                <a:cs typeface="Times New Roman" panose="02020503050405090304" pitchFamily="18" charset="0"/>
+              </a:rPr>
+              <a:t>3.</a:t>
+            </a:r>
+            <a:r>
+              <a:rPr lang="zh-CN" altLang="en-US" sz="2400" b="1" kern="100" dirty="0">
+                <a:solidFill>
+                  <a:schemeClr val="bg1"/>
+                </a:solidFill>
+                <a:latin typeface="微软雅黑" panose="020B0503020204020204" pitchFamily="34" charset="-122"/>
+                <a:ea typeface="微软雅黑" panose="020B0503020204020204" pitchFamily="34" charset="-122"/>
+                <a:cs typeface="Times New Roman" panose="02020503050405090304" pitchFamily="18" charset="0"/>
+              </a:rPr>
+              <a:t>添加噪声</a:t>
+            </a:r>
+            <a:endParaRPr lang="zh-CN" altLang="en-US" sz="2400" b="1" kern="100" dirty="0">
+              <a:solidFill>
+                <a:schemeClr val="bg1"/>
+              </a:solidFill>
+              <a:effectLst/>
+              <a:latin typeface="微软雅黑" panose="020B0503020204020204" pitchFamily="34" charset="-122"/>
+              <a:ea typeface="微软雅黑" panose="020B0503020204020204" pitchFamily="34" charset="-122"/>
+              <a:cs typeface="Times New Roman" panose="02020503050405090304" pitchFamily="18" charset="0"/>
+            </a:endParaRPr>
+          </a:p>
+        </p:txBody>
+      </p:sp>
+    </p:spTree>
+  </p:cSld>
+  <p:clrMapOvr>
+    <a:masterClrMapping/>
+  </p:clrMapOvr>
+</p:sld>
+</file>
+
+<file path=ppt/slides/slide12.xml><?xml version="1.0" encoding="utf-8"?>
+<p:sld xmlns:a="http://schemas.openxmlformats.org/drawingml/2006/main" xmlns:r="http://schemas.openxmlformats.org/officeDocument/2006/relationships" xmlns:p="http://schemas.openxmlformats.org/presentationml/2006/main">
+  <p:cSld>
+    <p:spTree>
+      <p:nvGrpSpPr>
+        <p:cNvPr id="1" name=""/>
+        <p:cNvGrpSpPr/>
+        <p:nvPr/>
+      </p:nvGrpSpPr>
+      <p:grpSpPr>
+        <a:xfrm>
+          <a:off x="0" y="0"/>
+          <a:ext cx="0" cy="0"/>
+          <a:chOff x="0" y="0"/>
+          <a:chExt cx="0" cy="0"/>
+        </a:xfrm>
+      </p:grpSpPr>
+      <p:sp>
+        <p:nvSpPr>
+          <p:cNvPr id="6" name="灯片编号占位符 5"/>
+          <p:cNvSpPr>
+            <a:spLocks noGrp="1"/>
+          </p:cNvSpPr>
+          <p:nvPr>
+            <p:ph type="sldNum" sz="quarter" idx="12"/>
+          </p:nvPr>
+        </p:nvSpPr>
+        <p:spPr/>
+        <p:txBody>
+          <a:bodyPr/>
+          <a:lstStyle/>
+          <a:p>
+            <a:pPr marL="0" marR="0" lvl="0" indent="0" algn="ctr" defTabSz="914400" rtl="0" eaLnBrk="1" fontAlgn="auto" latinLnBrk="0" hangingPunct="1">
+              <a:lnSpc>
+                <a:spcPct val="100000"/>
+              </a:lnSpc>
+              <a:spcBef>
+                <a:spcPts val="0"/>
+              </a:spcBef>
+              <a:spcAft>
+                <a:spcPts val="0"/>
+              </a:spcAft>
+              <a:buClrTx/>
+              <a:buSzTx/>
+              <a:buFontTx/>
+              <a:buNone/>
+              <a:defRPr/>
+            </a:pPr>
+            <a:fld id="{129838D8-0A4F-4CB2-AF8A-7682433288ED}" type="slidenum">
+              <a:rPr kumimoji="0" lang="zh-CN" altLang="en-US" sz="1800" b="0" i="0" u="none" strike="noStrike" kern="1200" cap="none" spc="0" normalizeH="0" baseline="0" noProof="0" smtClean="0">
+                <a:ln>
+                  <a:noFill/>
+                </a:ln>
+                <a:solidFill>
+                  <a:prstClr val="black"/>
+                </a:solidFill>
+                <a:effectLst/>
+                <a:uLnTx/>
+                <a:uFillTx/>
+                <a:latin typeface="等线"/>
+                <a:ea typeface="等线" panose="02010600030101010101" pitchFamily="2" charset="-122"/>
+                <a:cs typeface="+mn-cs"/>
+              </a:rPr>
+            </a:fld>
+            <a:endParaRPr kumimoji="0" lang="zh-CN" altLang="en-US" sz="1800" b="0" i="0" u="none" strike="noStrike" kern="1200" cap="none" spc="0" normalizeH="0" baseline="0" noProof="0">
+              <a:ln>
+                <a:noFill/>
+              </a:ln>
+              <a:solidFill>
+                <a:prstClr val="black"/>
+              </a:solidFill>
+              <a:effectLst/>
+              <a:uLnTx/>
+              <a:uFillTx/>
+              <a:latin typeface="等线"/>
+              <a:ea typeface="等线" panose="02010600030101010101" pitchFamily="2" charset="-122"/>
+              <a:cs typeface="+mn-cs"/>
+            </a:endParaRPr>
+          </a:p>
+        </p:txBody>
+      </p:sp>
+      <p:sp>
+        <p:nvSpPr>
+          <p:cNvPr id="7" name="文本框 6"/>
+          <p:cNvSpPr txBox="1"/>
+          <p:nvPr/>
+        </p:nvSpPr>
+        <p:spPr>
+          <a:xfrm>
+            <a:off x="290159" y="147533"/>
+            <a:ext cx="8722897" cy="460375"/>
+          </a:xfrm>
+          <a:prstGeom prst="rect">
+            <a:avLst/>
+          </a:prstGeom>
+          <a:noFill/>
+        </p:spPr>
+        <p:txBody>
+          <a:bodyPr wrap="square" rtlCol="0">
+            <a:spAutoFit/>
+          </a:bodyPr>
+          <a:lstStyle/>
+          <a:p>
+            <a:pPr marL="0" marR="0" lvl="0" indent="0" algn="l" defTabSz="914400" rtl="0" eaLnBrk="1" fontAlgn="auto" latinLnBrk="0" hangingPunct="1">
+              <a:lnSpc>
+                <a:spcPct val="100000"/>
+              </a:lnSpc>
+              <a:spcBef>
+                <a:spcPts val="0"/>
+              </a:spcBef>
+              <a:spcAft>
+                <a:spcPts val="0"/>
+              </a:spcAft>
+              <a:buClrTx/>
+              <a:buSzTx/>
+              <a:buFontTx/>
+              <a:buNone/>
+              <a:defRPr/>
+            </a:pPr>
+            <a:r>
+              <a:rPr lang="zh-CN" altLang="en-US" sz="2400" b="1" kern="100" dirty="0">
+                <a:solidFill>
+                  <a:prstClr val="white"/>
+                </a:solidFill>
+                <a:latin typeface="微软雅黑" panose="020B0503020204020204" pitchFamily="34" charset="-122"/>
+                <a:ea typeface="微软雅黑" panose="020B0503020204020204" pitchFamily="34" charset="-122"/>
+                <a:cs typeface="Times New Roman" panose="02020503050405090304" pitchFamily="18" charset="0"/>
+              </a:rPr>
+              <a:t>界面展示</a:t>
+            </a:r>
+            <a:r>
+              <a:rPr lang="en-US" altLang="zh-CN" sz="2400" b="1" kern="100" dirty="0">
+                <a:solidFill>
+                  <a:prstClr val="white"/>
+                </a:solidFill>
+                <a:latin typeface="微软雅黑" panose="020B0503020204020204" pitchFamily="34" charset="-122"/>
+                <a:ea typeface="微软雅黑" panose="020B0503020204020204" pitchFamily="34" charset="-122"/>
+                <a:cs typeface="Times New Roman" panose="02020503050405090304" pitchFamily="18" charset="0"/>
+              </a:rPr>
+              <a:t>-</a:t>
+            </a:r>
+            <a:r>
+              <a:rPr lang="zh-CN" altLang="en-US" sz="2400" b="1" kern="100" dirty="0">
+                <a:solidFill>
+                  <a:prstClr val="white"/>
+                </a:solidFill>
+                <a:latin typeface="微软雅黑" panose="020B0503020204020204" pitchFamily="34" charset="-122"/>
+                <a:ea typeface="微软雅黑" panose="020B0503020204020204" pitchFamily="34" charset="-122"/>
+                <a:cs typeface="Times New Roman" panose="02020503050405090304" pitchFamily="18" charset="0"/>
+              </a:rPr>
+              <a:t>高斯噪声</a:t>
+            </a:r>
+            <a:endParaRPr kumimoji="0" lang="zh-CN" altLang="en-US" sz="2400" b="1" i="0" u="none" strike="noStrike" kern="100" cap="none" spc="0" normalizeH="0" baseline="0" noProof="0" dirty="0">
+              <a:ln>
+                <a:noFill/>
+              </a:ln>
+              <a:solidFill>
+                <a:prstClr val="white"/>
+              </a:solidFill>
+              <a:effectLst/>
+              <a:uLnTx/>
+              <a:uFillTx/>
+              <a:latin typeface="微软雅黑" panose="020B0503020204020204" pitchFamily="34" charset="-122"/>
+              <a:ea typeface="微软雅黑" panose="020B0503020204020204" pitchFamily="34" charset="-122"/>
+              <a:cs typeface="Times New Roman" panose="02020503050405090304" pitchFamily="18" charset="0"/>
+            </a:endParaRPr>
+          </a:p>
+        </p:txBody>
+      </p:sp>
+      <p:pic>
+        <p:nvPicPr>
+          <p:cNvPr id="3" name="图片 2"/>
+          <p:cNvPicPr>
+            <a:picLocks noChangeAspect="1"/>
+          </p:cNvPicPr>
+          <p:nvPr/>
+        </p:nvPicPr>
+        <p:blipFill>
+          <a:blip r:embed="rId1"/>
+          <a:stretch>
+            <a:fillRect/>
+          </a:stretch>
+        </p:blipFill>
+        <p:spPr>
+          <a:xfrm>
+            <a:off x="1072096" y="742142"/>
+            <a:ext cx="10047807" cy="5764306"/>
+          </a:xfrm>
+          <a:prstGeom prst="rect">
+            <a:avLst/>
+          </a:prstGeom>
+        </p:spPr>
+      </p:pic>
+    </p:spTree>
+  </p:cSld>
+  <p:clrMapOvr>
+    <a:masterClrMapping/>
+  </p:clrMapOvr>
+</p:sld>
+</file>
+
+<file path=ppt/slides/slide13.xml><?xml version="1.0" encoding="utf-8"?>
+<p:sld xmlns:a="http://schemas.openxmlformats.org/drawingml/2006/main" xmlns:r="http://schemas.openxmlformats.org/officeDocument/2006/relationships" xmlns:p="http://schemas.openxmlformats.org/presentationml/2006/main">
+  <p:cSld>
+    <p:spTree>
+      <p:nvGrpSpPr>
+        <p:cNvPr id="1" name=""/>
+        <p:cNvGrpSpPr/>
+        <p:nvPr/>
+      </p:nvGrpSpPr>
+      <p:grpSpPr>
+        <a:xfrm>
+          <a:off x="0" y="0"/>
+          <a:ext cx="0" cy="0"/>
+          <a:chOff x="0" y="0"/>
+          <a:chExt cx="0" cy="0"/>
+        </a:xfrm>
+      </p:grpSpPr>
+      <p:sp>
+        <p:nvSpPr>
+          <p:cNvPr id="6" name="灯片编号占位符 5"/>
+          <p:cNvSpPr>
+            <a:spLocks noGrp="1"/>
+          </p:cNvSpPr>
+          <p:nvPr>
+            <p:ph type="sldNum" sz="quarter" idx="12"/>
+          </p:nvPr>
+        </p:nvSpPr>
+        <p:spPr/>
+        <p:txBody>
+          <a:bodyPr/>
+          <a:lstStyle/>
+          <a:p>
+            <a:pPr marL="0" marR="0" lvl="0" indent="0" algn="ctr" defTabSz="914400" rtl="0" eaLnBrk="1" fontAlgn="auto" latinLnBrk="0" hangingPunct="1">
+              <a:lnSpc>
+                <a:spcPct val="100000"/>
+              </a:lnSpc>
+              <a:spcBef>
+                <a:spcPts val="0"/>
+              </a:spcBef>
+              <a:spcAft>
+                <a:spcPts val="0"/>
+              </a:spcAft>
+              <a:buClrTx/>
+              <a:buSzTx/>
+              <a:buFontTx/>
+              <a:buNone/>
+              <a:defRPr/>
+            </a:pPr>
+            <a:fld id="{129838D8-0A4F-4CB2-AF8A-7682433288ED}" type="slidenum">
+              <a:rPr kumimoji="0" lang="zh-CN" altLang="en-US" sz="1800" b="0" i="0" u="none" strike="noStrike" kern="1200" cap="none" spc="0" normalizeH="0" baseline="0" noProof="0" smtClean="0">
+                <a:ln>
+                  <a:noFill/>
+                </a:ln>
+                <a:solidFill>
+                  <a:prstClr val="black"/>
+                </a:solidFill>
+                <a:effectLst/>
+                <a:uLnTx/>
+                <a:uFillTx/>
+                <a:latin typeface="等线"/>
+                <a:ea typeface="等线" panose="02010600030101010101" pitchFamily="2" charset="-122"/>
+                <a:cs typeface="+mn-cs"/>
+              </a:rPr>
+            </a:fld>
+            <a:endParaRPr kumimoji="0" lang="zh-CN" altLang="en-US" sz="1800" b="0" i="0" u="none" strike="noStrike" kern="1200" cap="none" spc="0" normalizeH="0" baseline="0" noProof="0">
+              <a:ln>
+                <a:noFill/>
+              </a:ln>
+              <a:solidFill>
+                <a:prstClr val="black"/>
+              </a:solidFill>
+              <a:effectLst/>
+              <a:uLnTx/>
+              <a:uFillTx/>
+              <a:latin typeface="等线"/>
+              <a:ea typeface="等线" panose="02010600030101010101" pitchFamily="2" charset="-122"/>
+              <a:cs typeface="+mn-cs"/>
+            </a:endParaRPr>
+          </a:p>
+        </p:txBody>
+      </p:sp>
+      <p:sp>
+        <p:nvSpPr>
+          <p:cNvPr id="7" name="文本框 6"/>
+          <p:cNvSpPr txBox="1"/>
+          <p:nvPr/>
+        </p:nvSpPr>
+        <p:spPr>
+          <a:xfrm>
+            <a:off x="290159" y="147533"/>
+            <a:ext cx="8722897" cy="460375"/>
+          </a:xfrm>
+          <a:prstGeom prst="rect">
+            <a:avLst/>
+          </a:prstGeom>
+          <a:noFill/>
+        </p:spPr>
+        <p:txBody>
+          <a:bodyPr wrap="square" rtlCol="0">
+            <a:spAutoFit/>
+          </a:bodyPr>
+          <a:lstStyle/>
+          <a:p>
+            <a:pPr marL="0" marR="0" lvl="0" indent="0" algn="l" defTabSz="914400" rtl="0" eaLnBrk="1" fontAlgn="auto" latinLnBrk="0" hangingPunct="1">
+              <a:lnSpc>
+                <a:spcPct val="100000"/>
+              </a:lnSpc>
+              <a:spcBef>
+                <a:spcPts val="0"/>
+              </a:spcBef>
+              <a:spcAft>
+                <a:spcPts val="0"/>
+              </a:spcAft>
+              <a:buClrTx/>
+              <a:buSzTx/>
+              <a:buFontTx/>
+              <a:buNone/>
+              <a:defRPr/>
+            </a:pPr>
+            <a:r>
+              <a:rPr lang="zh-CN" altLang="en-US" sz="2400" b="1" kern="100" dirty="0">
+                <a:solidFill>
+                  <a:prstClr val="white"/>
+                </a:solidFill>
+                <a:latin typeface="微软雅黑" panose="020B0503020204020204" pitchFamily="34" charset="-122"/>
+                <a:ea typeface="微软雅黑" panose="020B0503020204020204" pitchFamily="34" charset="-122"/>
+                <a:cs typeface="Times New Roman" panose="02020503050405090304" pitchFamily="18" charset="0"/>
+              </a:rPr>
+              <a:t>界面展示</a:t>
+            </a:r>
+            <a:r>
+              <a:rPr lang="en-US" altLang="zh-CN" sz="2400" b="1" kern="100" dirty="0">
+                <a:solidFill>
+                  <a:prstClr val="white"/>
+                </a:solidFill>
+                <a:latin typeface="微软雅黑" panose="020B0503020204020204" pitchFamily="34" charset="-122"/>
+                <a:ea typeface="微软雅黑" panose="020B0503020204020204" pitchFamily="34" charset="-122"/>
+                <a:cs typeface="Times New Roman" panose="02020503050405090304" pitchFamily="18" charset="0"/>
+              </a:rPr>
+              <a:t>-</a:t>
+            </a:r>
+            <a:r>
+              <a:rPr lang="zh-CN" altLang="en-US" sz="2400" b="1" kern="100" dirty="0">
+                <a:solidFill>
+                  <a:prstClr val="white"/>
+                </a:solidFill>
+                <a:latin typeface="微软雅黑" panose="020B0503020204020204" pitchFamily="34" charset="-122"/>
+                <a:ea typeface="微软雅黑" panose="020B0503020204020204" pitchFamily="34" charset="-122"/>
+                <a:cs typeface="Times New Roman" panose="02020503050405090304" pitchFamily="18" charset="0"/>
+              </a:rPr>
               <a:t>椒盐噪声</a:t>
             </a:r>
             <a:endParaRPr kumimoji="0" lang="zh-CN" altLang="en-US" sz="2400" b="1" i="0" u="none" strike="noStrike" kern="100" cap="none" spc="0" normalizeH="0" baseline="0" noProof="0" dirty="0">
@@ -4923,7 +7980,7 @@
 </p:sld>
 </file>
 
-<file path=ppt/slides/slide11.xml><?xml version="1.0" encoding="utf-8"?>
+<file path=ppt/slides/slide14.xml><?xml version="1.0" encoding="utf-8"?>
 <p:sld xmlns:a="http://schemas.openxmlformats.org/drawingml/2006/main" xmlns:r="http://schemas.openxmlformats.org/officeDocument/2006/relationships" xmlns:p="http://schemas.openxmlformats.org/presentationml/2006/main">
   <p:cSld>
     <p:spTree>
@@ -5235,7 +8292,7 @@
         <p:spPr bwMode="auto">
           <a:xfrm>
             <a:off x="407670" y="808355"/>
-            <a:ext cx="4145280" cy="4976495"/>
+            <a:ext cx="4262120" cy="5093335"/>
           </a:xfrm>
           <a:prstGeom prst="rect">
             <a:avLst/>
@@ -7754,6 +10811,343 @@
               <a:defRPr/>
             </a:pPr>
             <a:r>
+              <a:rPr lang="en-US" sz="2400" b="1" kern="100" dirty="0">
+                <a:solidFill>
+                  <a:prstClr val="white"/>
+                </a:solidFill>
+                <a:latin typeface="微软雅黑" panose="020B0503020204020204" pitchFamily="34" charset="-122"/>
+                <a:ea typeface="微软雅黑" panose="020B0503020204020204" pitchFamily="34" charset="-122"/>
+                <a:cs typeface="Times New Roman" panose="02020503050405090304" pitchFamily="18" charset="0"/>
+              </a:rPr>
+              <a:t>equalizeHist()</a:t>
+            </a:r>
+            <a:endParaRPr kumimoji="0" lang="en-US" sz="2400" b="1" i="0" u="none" strike="noStrike" kern="100" cap="none" spc="0" normalizeH="0" baseline="0" noProof="0" dirty="0">
+              <a:ln>
+                <a:noFill/>
+              </a:ln>
+              <a:solidFill>
+                <a:prstClr val="white"/>
+              </a:solidFill>
+              <a:effectLst/>
+              <a:uLnTx/>
+              <a:uFillTx/>
+              <a:latin typeface="微软雅黑" panose="020B0503020204020204" pitchFamily="34" charset="-122"/>
+              <a:ea typeface="微软雅黑" panose="020B0503020204020204" pitchFamily="34" charset="-122"/>
+              <a:cs typeface="Times New Roman" panose="02020503050405090304" pitchFamily="18" charset="0"/>
+            </a:endParaRPr>
+          </a:p>
+        </p:txBody>
+      </p:sp>
+      <p:pic>
+        <p:nvPicPr>
+          <p:cNvPr id="2" name="图片 1" descr="截屏2024-05-10 11.09.55"/>
+          <p:cNvPicPr>
+            <a:picLocks noChangeAspect="1"/>
+          </p:cNvPicPr>
+          <p:nvPr>
+            <p:custDataLst>
+              <p:tags r:id="rId1"/>
+            </p:custDataLst>
+          </p:nvPr>
+        </p:nvPicPr>
+        <p:blipFill>
+          <a:blip r:embed="rId2"/>
+          <a:stretch>
+            <a:fillRect/>
+          </a:stretch>
+        </p:blipFill>
+        <p:spPr>
+          <a:xfrm>
+            <a:off x="366395" y="774065"/>
+            <a:ext cx="8723630" cy="5310505"/>
+          </a:xfrm>
+          <a:prstGeom prst="rect">
+            <a:avLst/>
+          </a:prstGeom>
+        </p:spPr>
+      </p:pic>
+      <p:sp>
+        <p:nvSpPr>
+          <p:cNvPr id="5" name="文本框 4"/>
+          <p:cNvSpPr txBox="1"/>
+          <p:nvPr/>
+        </p:nvSpPr>
+        <p:spPr>
+          <a:xfrm>
+            <a:off x="9224645" y="1357630"/>
+            <a:ext cx="2633345" cy="1476375"/>
+          </a:xfrm>
+          <a:prstGeom prst="rect">
+            <a:avLst/>
+          </a:prstGeom>
+          <a:noFill/>
+        </p:spPr>
+        <p:txBody>
+          <a:bodyPr wrap="square" rtlCol="0">
+            <a:spAutoFit/>
+          </a:bodyPr>
+          <a:p>
+            <a:pPr marL="342900" indent="-342900">
+              <a:buFont typeface="+mj-lt"/>
+              <a:buAutoNum type="arabicPeriod"/>
+            </a:pPr>
+            <a:r>
+              <a:rPr lang="zh-CN" altLang="en-US">
+                <a:latin typeface="仿宋" charset="0"/>
+                <a:ea typeface="仿宋" charset="0"/>
+                <a:cs typeface="仿宋" charset="0"/>
+              </a:rPr>
+              <a:t>计算原</a:t>
+            </a:r>
+            <a:r>
+              <a:rPr lang="en-US" altLang="zh-CN">
+                <a:latin typeface="仿宋" charset="0"/>
+                <a:ea typeface="仿宋" charset="0"/>
+                <a:cs typeface="仿宋" charset="0"/>
+              </a:rPr>
+              <a:t>src</a:t>
+            </a:r>
+            <a:r>
+              <a:rPr lang="zh-CN" altLang="en-US">
+                <a:latin typeface="仿宋" charset="0"/>
+                <a:ea typeface="仿宋" charset="0"/>
+                <a:cs typeface="仿宋" charset="0"/>
+              </a:rPr>
+              <a:t>的</a:t>
+            </a:r>
+            <a:r>
+              <a:rPr lang="zh-CN" altLang="en-US">
+                <a:latin typeface="仿宋" charset="0"/>
+                <a:ea typeface="仿宋" charset="0"/>
+                <a:cs typeface="仿宋" charset="0"/>
+              </a:rPr>
+              <a:t>直方图</a:t>
+            </a:r>
+            <a:endParaRPr lang="zh-CN" altLang="en-US">
+              <a:latin typeface="仿宋" charset="0"/>
+              <a:ea typeface="仿宋" charset="0"/>
+              <a:cs typeface="仿宋" charset="0"/>
+            </a:endParaRPr>
+          </a:p>
+          <a:p>
+            <a:pPr marL="342900" indent="-342900">
+              <a:buFont typeface="+mj-lt"/>
+              <a:buAutoNum type="arabicPeriod"/>
+            </a:pPr>
+            <a:r>
+              <a:rPr lang="zh-CN" altLang="en-US">
+                <a:latin typeface="仿宋" charset="0"/>
+                <a:ea typeface="仿宋" charset="0"/>
+                <a:cs typeface="仿宋" charset="0"/>
+              </a:rPr>
+              <a:t>归一化使得直方图的</a:t>
+            </a:r>
+            <a:r>
+              <a:rPr lang="en-US" altLang="zh-CN">
+                <a:latin typeface="仿宋" charset="0"/>
+                <a:ea typeface="仿宋" charset="0"/>
+                <a:cs typeface="仿宋" charset="0"/>
+              </a:rPr>
+              <a:t> bin</a:t>
+            </a:r>
+            <a:r>
+              <a:rPr lang="zh-CN" altLang="en-US">
+                <a:latin typeface="仿宋" charset="0"/>
+                <a:ea typeface="仿宋" charset="0"/>
+                <a:cs typeface="仿宋" charset="0"/>
+              </a:rPr>
+              <a:t>数为</a:t>
+            </a:r>
+            <a:r>
+              <a:rPr lang="en-US" altLang="zh-CN">
+                <a:latin typeface="仿宋" charset="0"/>
+                <a:ea typeface="仿宋" charset="0"/>
+                <a:cs typeface="仿宋" charset="0"/>
+              </a:rPr>
+              <a:t>255</a:t>
+            </a:r>
+            <a:endParaRPr lang="en-US" altLang="zh-CN">
+              <a:latin typeface="仿宋" charset="0"/>
+              <a:ea typeface="仿宋" charset="0"/>
+              <a:cs typeface="仿宋" charset="0"/>
+            </a:endParaRPr>
+          </a:p>
+          <a:p>
+            <a:pPr marL="342900" indent="-342900">
+              <a:buFont typeface="+mj-lt"/>
+              <a:buAutoNum type="arabicPeriod"/>
+            </a:pPr>
+            <a:r>
+              <a:rPr lang="zh-CN" altLang="en-US">
+                <a:latin typeface="仿宋" charset="0"/>
+                <a:ea typeface="仿宋" charset="0"/>
+                <a:cs typeface="仿宋" charset="0"/>
+              </a:rPr>
+              <a:t>计算</a:t>
+            </a:r>
+            <a:r>
+              <a:rPr lang="en-US" altLang="zh-CN">
+                <a:latin typeface="仿宋" charset="0"/>
+                <a:ea typeface="仿宋" charset="0"/>
+                <a:cs typeface="仿宋" charset="0"/>
+              </a:rPr>
+              <a:t> cdf</a:t>
+            </a:r>
+            <a:endParaRPr lang="en-US" altLang="zh-CN">
+              <a:latin typeface="仿宋" charset="0"/>
+              <a:ea typeface="仿宋" charset="0"/>
+              <a:cs typeface="仿宋" charset="0"/>
+            </a:endParaRPr>
+          </a:p>
+          <a:p>
+            <a:pPr marL="342900" indent="-342900">
+              <a:buFont typeface="+mj-lt"/>
+              <a:buAutoNum type="arabicPeriod"/>
+            </a:pPr>
+            <a:r>
+              <a:rPr lang="zh-CN" altLang="en-US">
+                <a:latin typeface="仿宋" charset="0"/>
+                <a:ea typeface="仿宋" charset="0"/>
+                <a:cs typeface="仿宋" charset="0"/>
+              </a:rPr>
+              <a:t>映射</a:t>
+            </a:r>
+            <a:endParaRPr lang="zh-CN" altLang="en-US">
+              <a:latin typeface="仿宋" charset="0"/>
+              <a:ea typeface="仿宋" charset="0"/>
+              <a:cs typeface="仿宋" charset="0"/>
+            </a:endParaRPr>
+          </a:p>
+        </p:txBody>
+      </p:sp>
+    </p:spTree>
+  </p:cSld>
+  <p:clrMapOvr>
+    <a:masterClrMapping/>
+  </p:clrMapOvr>
+</p:sld>
+</file>
+
+<file path=ppt/slides/slide5.xml><?xml version="1.0" encoding="utf-8"?>
+<p:sld xmlns:a="http://schemas.openxmlformats.org/drawingml/2006/main" xmlns:r="http://schemas.openxmlformats.org/officeDocument/2006/relationships" xmlns:p="http://schemas.openxmlformats.org/presentationml/2006/main">
+  <p:cSld>
+    <p:spTree>
+      <p:nvGrpSpPr>
+        <p:cNvPr id="1" name=""/>
+        <p:cNvGrpSpPr/>
+        <p:nvPr/>
+      </p:nvGrpSpPr>
+      <p:grpSpPr>
+        <a:xfrm>
+          <a:off x="0" y="0"/>
+          <a:ext cx="0" cy="0"/>
+          <a:chOff x="0" y="0"/>
+          <a:chExt cx="0" cy="0"/>
+        </a:xfrm>
+      </p:grpSpPr>
+      <p:sp>
+        <p:nvSpPr>
+          <p:cNvPr id="6" name="灯片编号占位符 5"/>
+          <p:cNvSpPr>
+            <a:spLocks noGrp="1"/>
+          </p:cNvSpPr>
+          <p:nvPr>
+            <p:ph type="sldNum" sz="quarter" idx="12"/>
+          </p:nvPr>
+        </p:nvSpPr>
+        <p:spPr/>
+        <p:txBody>
+          <a:bodyPr/>
+          <a:lstStyle/>
+          <a:p>
+            <a:pPr marL="0" marR="0" lvl="0" indent="0" algn="ctr" defTabSz="914400" rtl="0" eaLnBrk="1" fontAlgn="auto" latinLnBrk="0" hangingPunct="1">
+              <a:lnSpc>
+                <a:spcPct val="100000"/>
+              </a:lnSpc>
+              <a:spcBef>
+                <a:spcPts val="0"/>
+              </a:spcBef>
+              <a:spcAft>
+                <a:spcPts val="0"/>
+              </a:spcAft>
+              <a:buClrTx/>
+              <a:buSzTx/>
+              <a:buFontTx/>
+              <a:buNone/>
+              <a:defRPr/>
+            </a:pPr>
+            <a:fld id="{129838D8-0A4F-4CB2-AF8A-7682433288ED}" type="slidenum">
+              <a:rPr kumimoji="0" lang="zh-CN" altLang="en-US" sz="1800" b="0" i="0" u="none" strike="noStrike" kern="1200" cap="none" spc="0" normalizeH="0" baseline="0" noProof="0" smtClean="0">
+                <a:ln>
+                  <a:noFill/>
+                </a:ln>
+                <a:solidFill>
+                  <a:prstClr val="black"/>
+                </a:solidFill>
+                <a:effectLst/>
+                <a:uLnTx/>
+                <a:uFillTx/>
+                <a:latin typeface="等线"/>
+                <a:ea typeface="等线" panose="02010600030101010101" pitchFamily="2" charset="-122"/>
+                <a:cs typeface="+mn-cs"/>
+              </a:rPr>
+            </a:fld>
+            <a:endParaRPr kumimoji="0" lang="zh-CN" altLang="en-US" sz="1800" b="0" i="0" u="none" strike="noStrike" kern="1200" cap="none" spc="0" normalizeH="0" baseline="0" noProof="0">
+              <a:ln>
+                <a:noFill/>
+              </a:ln>
+              <a:solidFill>
+                <a:prstClr val="black"/>
+              </a:solidFill>
+              <a:effectLst/>
+              <a:uLnTx/>
+              <a:uFillTx/>
+              <a:latin typeface="等线"/>
+              <a:ea typeface="等线" panose="02010600030101010101" pitchFamily="2" charset="-122"/>
+              <a:cs typeface="+mn-cs"/>
+            </a:endParaRPr>
+          </a:p>
+        </p:txBody>
+      </p:sp>
+      <p:sp>
+        <p:nvSpPr>
+          <p:cNvPr id="7" name="文本框 6"/>
+          <p:cNvSpPr txBox="1"/>
+          <p:nvPr/>
+        </p:nvSpPr>
+        <p:spPr>
+          <a:xfrm>
+            <a:off x="290159" y="147533"/>
+            <a:ext cx="8722897" cy="460375"/>
+          </a:xfrm>
+          <a:prstGeom prst="rect">
+            <a:avLst/>
+          </a:prstGeom>
+          <a:noFill/>
+        </p:spPr>
+        <p:txBody>
+          <a:bodyPr wrap="square" rtlCol="0">
+            <a:spAutoFit/>
+          </a:bodyPr>
+          <a:lstStyle/>
+          <a:p>
+            <a:pPr marL="0" marR="0" lvl="0" indent="0" algn="l" defTabSz="914400" rtl="0" eaLnBrk="1" fontAlgn="auto" latinLnBrk="0" hangingPunct="1">
+              <a:lnSpc>
+                <a:spcPct val="100000"/>
+              </a:lnSpc>
+              <a:spcBef>
+                <a:spcPts val="0"/>
+              </a:spcBef>
+              <a:spcAft>
+                <a:spcPts val="0"/>
+              </a:spcAft>
+              <a:buClrTx/>
+              <a:buSzTx/>
+              <a:buFontTx/>
+              <a:buNone/>
+              <a:defRPr/>
+            </a:pPr>
+            <a:r>
               <a:rPr lang="zh-CN" altLang="en-US" sz="2400" b="1" kern="100" dirty="0">
                 <a:solidFill>
                   <a:prstClr val="white"/>
@@ -7797,8 +11191,36 @@
         </p:blipFill>
         <p:spPr>
           <a:xfrm>
-            <a:off x="1187822" y="750603"/>
-            <a:ext cx="9672919" cy="5496608"/>
+            <a:off x="345440" y="1241425"/>
+            <a:ext cx="7698105" cy="4374515"/>
+          </a:xfrm>
+          <a:prstGeom prst="rect">
+            <a:avLst/>
+          </a:prstGeom>
+        </p:spPr>
+      </p:pic>
+      <p:pic>
+        <p:nvPicPr>
+          <p:cNvPr id="8" name="图片 7" descr="截屏2024-05-10 11.35.01"/>
+          <p:cNvPicPr>
+            <a:picLocks noChangeAspect="1"/>
+          </p:cNvPicPr>
+          <p:nvPr>
+            <p:custDataLst>
+              <p:tags r:id="rId2"/>
+            </p:custDataLst>
+          </p:nvPr>
+        </p:nvPicPr>
+        <p:blipFill>
+          <a:blip r:embed="rId3"/>
+          <a:stretch>
+            <a:fillRect/>
+          </a:stretch>
+        </p:blipFill>
+        <p:spPr>
+          <a:xfrm>
+            <a:off x="8210550" y="1241425"/>
+            <a:ext cx="3795395" cy="2909570"/>
           </a:xfrm>
           <a:prstGeom prst="rect">
             <a:avLst/>
@@ -7813,7 +11235,7 @@
 </p:sld>
 </file>
 
-<file path=ppt/slides/slide5.xml><?xml version="1.0" encoding="utf-8"?>
+<file path=ppt/slides/slide6.xml><?xml version="1.0" encoding="utf-8"?>
 <p:sld xmlns:a="http://schemas.openxmlformats.org/drawingml/2006/main" xmlns:r="http://schemas.openxmlformats.org/officeDocument/2006/relationships" xmlns:p="http://schemas.openxmlformats.org/presentationml/2006/main">
   <p:cSld>
     <p:spTree>
@@ -11459,7 +14881,7 @@
 </p:sld>
 </file>
 
-<file path=ppt/slides/slide6.xml><?xml version="1.0" encoding="utf-8"?>
+<file path=ppt/slides/slide7.xml><?xml version="1.0" encoding="utf-8"?>
 <p:sld xmlns:a="http://schemas.openxmlformats.org/drawingml/2006/main" xmlns:r="http://schemas.openxmlformats.org/officeDocument/2006/relationships" xmlns:p="http://schemas.openxmlformats.org/presentationml/2006/main">
   <p:cSld>
     <p:spTree>
@@ -11579,7 +15001,7 @@
               <a:defRPr/>
             </a:pPr>
             <a:r>
-              <a:rPr lang="zh-CN" altLang="en-US" sz="2400" b="1" kern="100" dirty="0">
+              <a:rPr lang="en-US" sz="2400" b="1" kern="100" dirty="0">
                 <a:solidFill>
                   <a:prstClr val="white"/>
                 </a:solidFill>
@@ -11587,31 +15009,9 @@
                 <a:ea typeface="微软雅黑" panose="020B0503020204020204" pitchFamily="34" charset="-122"/>
                 <a:cs typeface="Times New Roman" panose="02020503050405090304" pitchFamily="18" charset="0"/>
               </a:rPr>
-              <a:t>界面展示</a:t>
-            </a:r>
-            <a:r>
-              <a:rPr lang="en-US" altLang="zh-CN" sz="2400" b="1" kern="100" dirty="0">
-                <a:solidFill>
-                  <a:prstClr val="white"/>
-                </a:solidFill>
-                <a:latin typeface="微软雅黑" panose="020B0503020204020204" pitchFamily="34" charset="-122"/>
-                <a:ea typeface="微软雅黑" panose="020B0503020204020204" pitchFamily="34" charset="-122"/>
-                <a:cs typeface="Times New Roman" panose="02020503050405090304" pitchFamily="18" charset="0"/>
-              </a:rPr>
-              <a:t>-</a:t>
-            </a:r>
-            <a:r>
-              <a:rPr lang="zh-CN" altLang="en-US" sz="2400" b="1" kern="100" dirty="0">
-                <a:solidFill>
-                  <a:prstClr val="white"/>
-                </a:solidFill>
-                <a:latin typeface="微软雅黑" panose="020B0503020204020204" pitchFamily="34" charset="-122"/>
-                <a:ea typeface="微软雅黑" panose="020B0503020204020204" pitchFamily="34" charset="-122"/>
-                <a:cs typeface="Times New Roman" panose="02020503050405090304" pitchFamily="18" charset="0"/>
-              </a:rPr>
-              <a:t>正规化增强</a:t>
-            </a:r>
-            <a:endParaRPr kumimoji="0" lang="zh-CN" altLang="en-US" sz="2400" b="1" i="0" u="none" strike="noStrike" kern="100" cap="none" spc="0" normalizeH="0" baseline="0" noProof="0" dirty="0">
+              <a:t>normalize()</a:t>
+            </a:r>
+            <a:endParaRPr kumimoji="0" lang="en-US" sz="2400" b="1" i="0" u="none" strike="noStrike" kern="100" cap="none" spc="0" normalizeH="0" baseline="0" noProof="0" dirty="0">
               <a:ln>
                 <a:noFill/>
               </a:ln>
@@ -11628,9 +15028,203 @@
           </a:p>
         </p:txBody>
       </p:sp>
+      <p:sp>
+        <p:nvSpPr>
+          <p:cNvPr id="5" name="文本框 4"/>
+          <p:cNvSpPr txBox="1"/>
+          <p:nvPr/>
+        </p:nvSpPr>
+        <p:spPr>
+          <a:xfrm>
+            <a:off x="9224645" y="1357630"/>
+            <a:ext cx="2633345" cy="2584450"/>
+          </a:xfrm>
+          <a:prstGeom prst="rect">
+            <a:avLst/>
+          </a:prstGeom>
+          <a:noFill/>
+        </p:spPr>
+        <p:txBody>
+          <a:bodyPr wrap="square" rtlCol="0">
+            <a:spAutoFit/>
+          </a:bodyPr>
+          <a:p>
+            <a:pPr marL="342900" indent="-342900">
+              <a:buFont typeface="+mj-lt"/>
+              <a:buAutoNum type="arabicPeriod"/>
+            </a:pPr>
+            <a:r>
+              <a:rPr lang="en-US">
+                <a:latin typeface="仿宋" charset="0"/>
+                <a:ea typeface="仿宋" charset="0"/>
+                <a:cs typeface="仿宋" charset="0"/>
+              </a:rPr>
+              <a:t>alpha </a:t>
+            </a:r>
+            <a:r>
+              <a:rPr lang="zh-CN" altLang="en-US">
+                <a:latin typeface="仿宋" charset="0"/>
+                <a:ea typeface="仿宋" charset="0"/>
+                <a:cs typeface="仿宋" charset="0"/>
+              </a:rPr>
+              <a:t>与</a:t>
+            </a:r>
+            <a:r>
+              <a:rPr lang="en-US" altLang="zh-CN">
+                <a:latin typeface="仿宋" charset="0"/>
+                <a:ea typeface="仿宋" charset="0"/>
+                <a:cs typeface="仿宋" charset="0"/>
+              </a:rPr>
+              <a:t> beta </a:t>
+            </a:r>
+            <a:r>
+              <a:rPr lang="zh-CN" altLang="en-US">
+                <a:latin typeface="仿宋" charset="0"/>
+                <a:ea typeface="仿宋" charset="0"/>
+                <a:cs typeface="仿宋" charset="0"/>
+              </a:rPr>
+              <a:t>为</a:t>
+            </a:r>
+            <a:r>
+              <a:rPr lang="zh-CN" altLang="en-US">
+                <a:latin typeface="仿宋" charset="0"/>
+                <a:ea typeface="仿宋" charset="0"/>
+                <a:cs typeface="仿宋" charset="0"/>
+              </a:rPr>
+              <a:t>上下限</a:t>
+            </a:r>
+            <a:endParaRPr lang="zh-CN" altLang="en-US">
+              <a:latin typeface="仿宋" charset="0"/>
+              <a:ea typeface="仿宋" charset="0"/>
+              <a:cs typeface="仿宋" charset="0"/>
+            </a:endParaRPr>
+          </a:p>
+          <a:p>
+            <a:pPr marL="342900" indent="-342900">
+              <a:buFont typeface="+mj-lt"/>
+              <a:buAutoNum type="arabicPeriod"/>
+            </a:pPr>
+            <a:r>
+              <a:rPr lang="en-US" altLang="zh-CN">
+                <a:latin typeface="仿宋" charset="0"/>
+                <a:ea typeface="仿宋" charset="0"/>
+                <a:cs typeface="仿宋" charset="0"/>
+              </a:rPr>
+              <a:t>norm_type </a:t>
+            </a:r>
+            <a:r>
+              <a:rPr lang="zh-CN" altLang="en-US">
+                <a:latin typeface="仿宋" charset="0"/>
+                <a:ea typeface="仿宋" charset="0"/>
+                <a:cs typeface="仿宋" charset="0"/>
+              </a:rPr>
+              <a:t>为归一化的类型，</a:t>
+            </a:r>
+            <a:r>
+              <a:rPr lang="en-US" altLang="zh-CN">
+                <a:latin typeface="仿宋" charset="0"/>
+                <a:ea typeface="仿宋" charset="0"/>
+                <a:cs typeface="仿宋" charset="0"/>
+              </a:rPr>
+              <a:t> </a:t>
+            </a:r>
+            <a:r>
+              <a:rPr lang="zh-CN" altLang="en-US">
+                <a:latin typeface="仿宋" charset="0"/>
+                <a:ea typeface="仿宋" charset="0"/>
+                <a:cs typeface="仿宋" charset="0"/>
+              </a:rPr>
+              <a:t>代码</a:t>
+            </a:r>
+            <a:r>
+              <a:rPr lang="zh-CN" altLang="en-US">
+                <a:latin typeface="仿宋" charset="0"/>
+                <a:ea typeface="仿宋" charset="0"/>
+                <a:cs typeface="仿宋" charset="0"/>
+              </a:rPr>
+              <a:t>中选择的是</a:t>
+            </a:r>
+            <a:r>
+              <a:rPr lang="en-US" altLang="zh-CN">
+                <a:latin typeface="仿宋" charset="0"/>
+                <a:ea typeface="仿宋" charset="0"/>
+                <a:cs typeface="仿宋" charset="0"/>
+              </a:rPr>
+              <a:t>norm_minmax</a:t>
+            </a:r>
+            <a:endParaRPr lang="en-US" altLang="zh-CN">
+              <a:latin typeface="仿宋" charset="0"/>
+              <a:ea typeface="仿宋" charset="0"/>
+              <a:cs typeface="仿宋" charset="0"/>
+            </a:endParaRPr>
+          </a:p>
+          <a:p>
+            <a:pPr marL="342900" indent="-342900">
+              <a:buFont typeface="+mj-lt"/>
+              <a:buAutoNum type="arabicPeriod"/>
+            </a:pPr>
+            <a:r>
+              <a:rPr lang="en-US" altLang="zh-CN">
+                <a:latin typeface="仿宋" charset="0"/>
+                <a:ea typeface="仿宋" charset="0"/>
+                <a:cs typeface="仿宋" charset="0"/>
+              </a:rPr>
+              <a:t>max_val </a:t>
+            </a:r>
+            <a:r>
+              <a:rPr lang="zh-CN" altLang="en-US">
+                <a:latin typeface="仿宋" charset="0"/>
+                <a:ea typeface="仿宋" charset="0"/>
+                <a:cs typeface="仿宋" charset="0"/>
+              </a:rPr>
+              <a:t>与</a:t>
+            </a:r>
+            <a:r>
+              <a:rPr lang="en-US" altLang="zh-CN">
+                <a:latin typeface="仿宋" charset="0"/>
+                <a:ea typeface="仿宋" charset="0"/>
+                <a:cs typeface="仿宋" charset="0"/>
+              </a:rPr>
+              <a:t> min_val </a:t>
+            </a:r>
+            <a:r>
+              <a:rPr lang="zh-CN" altLang="en-US">
+                <a:latin typeface="仿宋" charset="0"/>
+                <a:ea typeface="仿宋" charset="0"/>
+                <a:cs typeface="仿宋" charset="0"/>
+              </a:rPr>
+              <a:t>为数组中的最大最小</a:t>
+            </a:r>
+            <a:r>
+              <a:rPr lang="zh-CN" altLang="en-US">
+                <a:latin typeface="仿宋" charset="0"/>
+                <a:ea typeface="仿宋" charset="0"/>
+                <a:cs typeface="仿宋" charset="0"/>
+              </a:rPr>
+              <a:t>值</a:t>
+            </a:r>
+            <a:endParaRPr lang="zh-CN" altLang="en-US">
+              <a:latin typeface="仿宋" charset="0"/>
+              <a:ea typeface="仿宋" charset="0"/>
+              <a:cs typeface="仿宋" charset="0"/>
+            </a:endParaRPr>
+          </a:p>
+          <a:p>
+            <a:pPr marL="342900" indent="-342900">
+              <a:buFont typeface="+mj-lt"/>
+              <a:buAutoNum type="arabicPeriod"/>
+            </a:pPr>
+            <a:endParaRPr lang="zh-CN" altLang="en-US">
+              <a:latin typeface="仿宋" charset="0"/>
+              <a:ea typeface="仿宋" charset="0"/>
+              <a:cs typeface="仿宋" charset="0"/>
+            </a:endParaRPr>
+          </a:p>
+        </p:txBody>
+      </p:sp>
       <p:pic>
         <p:nvPicPr>
-          <p:cNvPr id="3" name="图片 2"/>
+          <p:cNvPr id="3" name="图片 2" descr="截屏2024-05-10 11.26.19"/>
           <p:cNvPicPr>
             <a:picLocks noChangeAspect="1"/>
           </p:cNvPicPr>
@@ -11644,8 +15238,32 @@
         </p:blipFill>
         <p:spPr>
           <a:xfrm>
-            <a:off x="1344705" y="709952"/>
-            <a:ext cx="9908051" cy="5679954"/>
+            <a:off x="687705" y="868680"/>
+            <a:ext cx="6406515" cy="4137660"/>
+          </a:xfrm>
+          <a:prstGeom prst="rect">
+            <a:avLst/>
+          </a:prstGeom>
+        </p:spPr>
+      </p:pic>
+      <p:pic>
+        <p:nvPicPr>
+          <p:cNvPr id="4" name="图片 3" descr="截屏2024-05-10 11.29.40"/>
+          <p:cNvPicPr>
+            <a:picLocks noChangeAspect="1"/>
+          </p:cNvPicPr>
+          <p:nvPr/>
+        </p:nvPicPr>
+        <p:blipFill>
+          <a:blip r:embed="rId2"/>
+          <a:stretch>
+            <a:fillRect/>
+          </a:stretch>
+        </p:blipFill>
+        <p:spPr>
+          <a:xfrm>
+            <a:off x="687705" y="5267325"/>
+            <a:ext cx="5994400" cy="1155700"/>
           </a:xfrm>
           <a:prstGeom prst="rect">
             <a:avLst/>
@@ -11660,7 +15278,7 @@
 </p:sld>
 </file>
 
-<file path=ppt/slides/slide7.xml><?xml version="1.0" encoding="utf-8"?>
+<file path=ppt/slides/slide8.xml><?xml version="1.0" encoding="utf-8"?>
 <p:sld xmlns:a="http://schemas.openxmlformats.org/drawingml/2006/main" xmlns:r="http://schemas.openxmlformats.org/officeDocument/2006/relationships" xmlns:p="http://schemas.openxmlformats.org/presentationml/2006/main">
   <p:cSld>
     <p:spTree>
@@ -11780,7 +15398,7 @@
               <a:defRPr/>
             </a:pPr>
             <a:r>
-              <a:rPr lang="zh-CN" altLang="en-US" sz="2400" b="1" kern="100" dirty="0">
+              <a:rPr lang="en-US" sz="2400" b="1" kern="100" dirty="0">
                 <a:solidFill>
                   <a:prstClr val="white"/>
                 </a:solidFill>
@@ -11788,31 +15406,9 @@
                 <a:ea typeface="微软雅黑" panose="020B0503020204020204" pitchFamily="34" charset="-122"/>
                 <a:cs typeface="Times New Roman" panose="02020503050405090304" pitchFamily="18" charset="0"/>
               </a:rPr>
-              <a:t>界面展示</a:t>
-            </a:r>
-            <a:r>
-              <a:rPr lang="en-US" altLang="zh-CN" sz="2400" b="1" kern="100" dirty="0">
-                <a:solidFill>
-                  <a:prstClr val="white"/>
-                </a:solidFill>
-                <a:latin typeface="微软雅黑" panose="020B0503020204020204" pitchFamily="34" charset="-122"/>
-                <a:ea typeface="微软雅黑" panose="020B0503020204020204" pitchFamily="34" charset="-122"/>
-                <a:cs typeface="Times New Roman" panose="02020503050405090304" pitchFamily="18" charset="0"/>
-              </a:rPr>
-              <a:t>-</a:t>
-            </a:r>
-            <a:r>
-              <a:rPr lang="zh-CN" altLang="en-US" sz="2400" b="1" kern="100" dirty="0">
-                <a:solidFill>
-                  <a:prstClr val="white"/>
-                </a:solidFill>
-                <a:latin typeface="微软雅黑" panose="020B0503020204020204" pitchFamily="34" charset="-122"/>
-                <a:ea typeface="微软雅黑" panose="020B0503020204020204" pitchFamily="34" charset="-122"/>
-                <a:cs typeface="Times New Roman" panose="02020503050405090304" pitchFamily="18" charset="0"/>
-              </a:rPr>
-              <a:t>变换</a:t>
-            </a:r>
-            <a:endParaRPr kumimoji="0" lang="zh-CN" altLang="en-US" sz="2400" b="1" i="0" u="none" strike="noStrike" kern="100" cap="none" spc="0" normalizeH="0" baseline="0" noProof="0" dirty="0">
+              <a:t>warpPerspective()</a:t>
+            </a:r>
+            <a:endParaRPr kumimoji="0" lang="en-US" sz="2400" b="1" i="0" u="none" strike="noStrike" kern="100" cap="none" spc="0" normalizeH="0" baseline="0" noProof="0" dirty="0">
               <a:ln>
                 <a:noFill/>
               </a:ln>
@@ -11829,9 +15425,90 @@
           </a:p>
         </p:txBody>
       </p:sp>
+      <p:sp>
+        <p:nvSpPr>
+          <p:cNvPr id="5" name="文本框 4"/>
+          <p:cNvSpPr txBox="1"/>
+          <p:nvPr/>
+        </p:nvSpPr>
+        <p:spPr>
+          <a:xfrm>
+            <a:off x="8816340" y="1141095"/>
+            <a:ext cx="2633345" cy="1198880"/>
+          </a:xfrm>
+          <a:prstGeom prst="rect">
+            <a:avLst/>
+          </a:prstGeom>
+          <a:noFill/>
+        </p:spPr>
+        <p:txBody>
+          <a:bodyPr wrap="square" rtlCol="0">
+            <a:spAutoFit/>
+          </a:bodyPr>
+          <a:p>
+            <a:pPr indent="0">
+              <a:buFont typeface="+mj-lt"/>
+              <a:buNone/>
+            </a:pPr>
+            <a:r>
+              <a:rPr lang="zh-CN" altLang="en-US">
+                <a:latin typeface="仿宋" charset="0"/>
+                <a:ea typeface="仿宋" charset="0"/>
+                <a:cs typeface="仿宋" charset="0"/>
+              </a:rPr>
+              <a:t>通过透视变换矩阵</a:t>
+            </a:r>
+            <a:r>
+              <a:rPr lang="en-US" altLang="zh-CN">
+                <a:latin typeface="仿宋" charset="0"/>
+                <a:ea typeface="仿宋" charset="0"/>
+                <a:cs typeface="仿宋" charset="0"/>
+              </a:rPr>
+              <a:t> M </a:t>
+            </a:r>
+            <a:r>
+              <a:rPr lang="zh-CN" altLang="en-US">
+                <a:latin typeface="仿宋" charset="0"/>
+                <a:ea typeface="仿宋" charset="0"/>
+                <a:cs typeface="仿宋" charset="0"/>
+              </a:rPr>
+              <a:t>得到想要的结果，</a:t>
+            </a:r>
+            <a:r>
+              <a:rPr lang="en-US" altLang="zh-CN">
+                <a:latin typeface="仿宋" charset="0"/>
+                <a:ea typeface="仿宋" charset="0"/>
+                <a:cs typeface="仿宋" charset="0"/>
+              </a:rPr>
+              <a:t>M </a:t>
+            </a:r>
+            <a:r>
+              <a:rPr lang="zh-CN" altLang="en-US">
+                <a:latin typeface="仿宋" charset="0"/>
+                <a:ea typeface="仿宋" charset="0"/>
+                <a:cs typeface="仿宋" charset="0"/>
+              </a:rPr>
+              <a:t>则从原图像与变换后图像的四个角的坐标</a:t>
+            </a:r>
+            <a:r>
+              <a:rPr lang="zh-CN" altLang="en-US">
+                <a:latin typeface="仿宋" charset="0"/>
+                <a:ea typeface="仿宋" charset="0"/>
+                <a:cs typeface="仿宋" charset="0"/>
+              </a:rPr>
+              <a:t>得来</a:t>
+            </a:r>
+            <a:endParaRPr lang="zh-CN" altLang="en-US">
+              <a:latin typeface="仿宋" charset="0"/>
+              <a:ea typeface="仿宋" charset="0"/>
+              <a:cs typeface="仿宋" charset="0"/>
+            </a:endParaRPr>
+          </a:p>
+        </p:txBody>
+      </p:sp>
       <p:pic>
         <p:nvPicPr>
-          <p:cNvPr id="4" name="图片 3"/>
+          <p:cNvPr id="8" name="图片 7" descr="截屏2024-05-10 11.41.52"/>
           <p:cNvPicPr>
             <a:picLocks noChangeAspect="1"/>
           </p:cNvPicPr>
@@ -11845,2625 +15522,14 @@
         </p:blipFill>
         <p:spPr>
           <a:xfrm>
-            <a:off x="1398494" y="790454"/>
-            <a:ext cx="9770762" cy="5599452"/>
+            <a:off x="392430" y="696595"/>
+            <a:ext cx="7708265" cy="5603875"/>
           </a:xfrm>
           <a:prstGeom prst="rect">
             <a:avLst/>
           </a:prstGeom>
         </p:spPr>
       </p:pic>
-    </p:spTree>
-  </p:cSld>
-  <p:clrMapOvr>
-    <a:masterClrMapping/>
-  </p:clrMapOvr>
-</p:sld>
-</file>
-
-<file path=ppt/slides/slide8.xml><?xml version="1.0" encoding="utf-8"?>
-<p:sld xmlns:a="http://schemas.openxmlformats.org/drawingml/2006/main" xmlns:r="http://schemas.openxmlformats.org/officeDocument/2006/relationships" xmlns:p="http://schemas.openxmlformats.org/presentationml/2006/main">
-  <p:cSld>
-    <p:spTree>
-      <p:nvGrpSpPr>
-        <p:cNvPr id="1" name=""/>
-        <p:cNvGrpSpPr/>
-        <p:nvPr/>
-      </p:nvGrpSpPr>
-      <p:grpSpPr>
-        <a:xfrm>
-          <a:off x="0" y="0"/>
-          <a:ext cx="0" cy="0"/>
-          <a:chOff x="0" y="0"/>
-          <a:chExt cx="0" cy="0"/>
-        </a:xfrm>
-      </p:grpSpPr>
-      <p:sp>
-        <p:nvSpPr>
-          <p:cNvPr id="2" name="灯片编号占位符 1"/>
-          <p:cNvSpPr>
-            <a:spLocks noGrp="1"/>
-          </p:cNvSpPr>
-          <p:nvPr>
-            <p:ph type="sldNum" sz="quarter" idx="12"/>
-          </p:nvPr>
-        </p:nvSpPr>
-        <p:spPr/>
-        <p:txBody>
-          <a:bodyPr/>
-          <a:lstStyle/>
-          <a:p>
-            <a:fld id="{5DF9AD87-1B8C-4BED-A6E0-E3640FAE4457}" type="slidenum">
-              <a:rPr lang="zh-CN" altLang="en-US" smtClean="0"/>
-            </a:fld>
-            <a:endParaRPr lang="zh-CN" altLang="en-US" dirty="0"/>
-          </a:p>
-        </p:txBody>
-      </p:sp>
-      <p:sp>
-        <p:nvSpPr>
-          <p:cNvPr id="3" name="Rectangle 1"/>
-          <p:cNvSpPr>
-            <a:spLocks noChangeArrowheads="1"/>
-          </p:cNvSpPr>
-          <p:nvPr/>
-        </p:nvSpPr>
-        <p:spPr bwMode="auto">
-          <a:xfrm>
-            <a:off x="99695" y="780415"/>
-            <a:ext cx="4625340" cy="5178425"/>
-          </a:xfrm>
-          <a:prstGeom prst="rect">
-            <a:avLst/>
-          </a:prstGeom>
-          <a:solidFill>
-            <a:srgbClr val="1E1F22"/>
-          </a:solidFill>
-          <a:ln>
-            <a:noFill/>
-          </a:ln>
-          <a:effectLst/>
-          <a:extLst>
-            <a:ext uri="{91240B29-F687-4F45-9708-019B960494DF}">
-              <a14:hiddenLine xmlns:a14="http://schemas.microsoft.com/office/drawing/2010/main" w="9525">
-                <a:solidFill>
-                  <a:schemeClr val="tx1"/>
-                </a:solidFill>
-                <a:miter lim="800000"/>
-                <a:headEnd/>
-                <a:tailEnd/>
-              </a14:hiddenLine>
-            </a:ext>
-            <a:ext uri="{AF507438-7753-43E0-B8FC-AC1667EBCBE1}">
-              <a14:hiddenEffects xmlns:a14="http://schemas.microsoft.com/office/drawing/2010/main">
-                <a:effectLst>
-                  <a:outerShdw dist="35921" dir="2700000" algn="ctr" rotWithShape="0">
-                    <a:schemeClr val="bg2"/>
-                  </a:outerShdw>
-                </a:effectLst>
-              </a14:hiddenEffects>
-            </a:ext>
-          </a:extLst>
-        </p:spPr>
-        <p:txBody>
-          <a:bodyPr vert="horz" wrap="square" lIns="91440" tIns="45720" rIns="91440" bIns="45720" numCol="1" anchor="ctr" anchorCtr="0" compatLnSpc="1">
-            <a:noAutofit/>
-          </a:bodyPr>
-          <a:lstStyle/>
-          <a:p>
-            <a:pPr marL="0" marR="0" lvl="0" indent="0" algn="l" defTabSz="914400" rtl="0" eaLnBrk="0" fontAlgn="base" latinLnBrk="0" hangingPunct="0">
-              <a:lnSpc>
-                <a:spcPct val="100000"/>
-              </a:lnSpc>
-              <a:spcBef>
-                <a:spcPct val="0"/>
-              </a:spcBef>
-              <a:spcAft>
-                <a:spcPct val="0"/>
-              </a:spcAft>
-              <a:buClrTx/>
-              <a:buSzTx/>
-              <a:buFontTx/>
-              <a:buNone/>
-            </a:pPr>
-            <a:r>
-              <a:rPr kumimoji="0" lang="zh-CN" altLang="zh-CN" sz="900" b="0" i="0" u="none" strike="noStrike" cap="none" normalizeH="0" baseline="0">
-                <a:ln>
-                  <a:noFill/>
-                </a:ln>
-                <a:solidFill>
-                  <a:srgbClr val="B3AE60"/>
-                </a:solidFill>
-                <a:effectLst/>
-                <a:latin typeface="Arial Unicode MS" panose="020B0604020202020204" charset="-122"/>
-                <a:ea typeface="JetBrains Mono"/>
-              </a:rPr>
-              <a:t>@Slot</a:t>
-            </a:r>
-            <a:r>
-              <a:rPr kumimoji="0" lang="zh-CN" altLang="zh-CN" sz="900" b="0" i="0" u="none" strike="noStrike" cap="none" normalizeH="0" baseline="0">
-                <a:ln>
-                  <a:noFill/>
-                </a:ln>
-                <a:solidFill>
-                  <a:srgbClr val="BCBEC4"/>
-                </a:solidFill>
-                <a:effectLst/>
-                <a:latin typeface="Arial Unicode MS" panose="020B0604020202020204" charset="-122"/>
-                <a:ea typeface="JetBrains Mono"/>
-              </a:rPr>
-              <a:t>()</a:t>
-            </a:r>
-            <a:br>
-              <a:rPr kumimoji="0" lang="zh-CN" altLang="zh-CN" sz="900" b="0" i="0" u="none" strike="noStrike" cap="none" normalizeH="0" baseline="0">
-                <a:ln>
-                  <a:noFill/>
-                </a:ln>
-                <a:solidFill>
-                  <a:srgbClr val="BCBEC4"/>
-                </a:solidFill>
-                <a:effectLst/>
-                <a:latin typeface="Arial Unicode MS" panose="020B0604020202020204" charset="-122"/>
-                <a:ea typeface="JetBrains Mono"/>
-              </a:rPr>
-            </a:br>
-            <a:r>
-              <a:rPr kumimoji="0" lang="zh-CN" altLang="zh-CN" sz="900" b="0" i="0" u="none" strike="noStrike" cap="none" normalizeH="0" baseline="0">
-                <a:ln>
-                  <a:noFill/>
-                </a:ln>
-                <a:solidFill>
-                  <a:srgbClr val="CF8E6D"/>
-                </a:solidFill>
-                <a:effectLst/>
-                <a:latin typeface="Arial Unicode MS" panose="020B0604020202020204" charset="-122"/>
-                <a:ea typeface="JetBrains Mono"/>
-              </a:rPr>
-              <a:t>def </a:t>
-            </a:r>
-            <a:r>
-              <a:rPr kumimoji="0" lang="zh-CN" altLang="zh-CN" sz="900" b="0" i="0" u="none" strike="noStrike" cap="none" normalizeH="0" baseline="0">
-                <a:ln>
-                  <a:noFill/>
-                </a:ln>
-                <a:solidFill>
-                  <a:srgbClr val="56A8F5"/>
-                </a:solidFill>
-                <a:effectLst/>
-                <a:latin typeface="Arial Unicode MS" panose="020B0604020202020204" charset="-122"/>
-                <a:ea typeface="JetBrains Mono"/>
-              </a:rPr>
-              <a:t>bt5_click</a:t>
-            </a:r>
-            <a:r>
-              <a:rPr kumimoji="0" lang="zh-CN" altLang="zh-CN" sz="900" b="0" i="0" u="none" strike="noStrike" cap="none" normalizeH="0" baseline="0">
-                <a:ln>
-                  <a:noFill/>
-                </a:ln>
-                <a:solidFill>
-                  <a:srgbClr val="BCBEC4"/>
-                </a:solidFill>
-                <a:effectLst/>
-                <a:latin typeface="Arial Unicode MS" panose="020B0604020202020204" charset="-122"/>
-                <a:ea typeface="JetBrains Mono"/>
-              </a:rPr>
-              <a:t>(</a:t>
-            </a:r>
-            <a:r>
-              <a:rPr kumimoji="0" lang="zh-CN" altLang="zh-CN" sz="900" b="0" i="0" u="none" strike="noStrike" cap="none" normalizeH="0" baseline="0">
-                <a:ln>
-                  <a:noFill/>
-                </a:ln>
-                <a:solidFill>
-                  <a:srgbClr val="94558D"/>
-                </a:solidFill>
-                <a:effectLst/>
-                <a:latin typeface="Arial Unicode MS" panose="020B0604020202020204" charset="-122"/>
-                <a:ea typeface="JetBrains Mono"/>
-              </a:rPr>
-              <a:t>self</a:t>
-            </a:r>
-            <a:r>
-              <a:rPr kumimoji="0" lang="zh-CN" altLang="zh-CN" sz="900" b="0" i="0" u="none" strike="noStrike" cap="none" normalizeH="0" baseline="0">
-                <a:ln>
-                  <a:noFill/>
-                </a:ln>
-                <a:solidFill>
-                  <a:srgbClr val="BCBEC4"/>
-                </a:solidFill>
-                <a:effectLst/>
-                <a:latin typeface="Arial Unicode MS" panose="020B0604020202020204" charset="-122"/>
-                <a:ea typeface="JetBrains Mono"/>
-              </a:rPr>
-              <a:t>):</a:t>
-            </a:r>
-            <a:br>
-              <a:rPr kumimoji="0" lang="zh-CN" altLang="zh-CN" sz="900" b="0" i="0" u="none" strike="noStrike" cap="none" normalizeH="0" baseline="0">
-                <a:ln>
-                  <a:noFill/>
-                </a:ln>
-                <a:solidFill>
-                  <a:srgbClr val="BCBEC4"/>
-                </a:solidFill>
-                <a:effectLst/>
-                <a:latin typeface="Arial Unicode MS" panose="020B0604020202020204" charset="-122"/>
-                <a:ea typeface="JetBrains Mono"/>
-              </a:rPr>
-            </a:br>
-            <a:br>
-              <a:rPr kumimoji="0" lang="zh-CN" altLang="zh-CN" sz="900" b="0" i="0" u="none" strike="noStrike" cap="none" normalizeH="0" baseline="0">
-                <a:ln>
-                  <a:noFill/>
-                </a:ln>
-                <a:solidFill>
-                  <a:srgbClr val="BCBEC4"/>
-                </a:solidFill>
-                <a:effectLst/>
-                <a:latin typeface="Arial Unicode MS" panose="020B0604020202020204" charset="-122"/>
-                <a:ea typeface="JetBrains Mono"/>
-              </a:rPr>
-            </a:br>
-            <a:r>
-              <a:rPr kumimoji="0" lang="zh-CN" altLang="zh-CN" sz="900" b="0" i="0" u="none" strike="noStrike" cap="none" normalizeH="0" baseline="0">
-                <a:ln>
-                  <a:noFill/>
-                </a:ln>
-                <a:solidFill>
-                  <a:srgbClr val="BCBEC4"/>
-                </a:solidFill>
-                <a:effectLst/>
-                <a:latin typeface="Arial Unicode MS" panose="020B0604020202020204" charset="-122"/>
-                <a:ea typeface="JetBrains Mono"/>
-              </a:rPr>
-              <a:t>    factor = </a:t>
-            </a:r>
-            <a:r>
-              <a:rPr kumimoji="0" lang="zh-CN" altLang="zh-CN" sz="900" b="0" i="0" u="none" strike="noStrike" cap="none" normalizeH="0" baseline="0">
-                <a:ln>
-                  <a:noFill/>
-                </a:ln>
-                <a:solidFill>
-                  <a:srgbClr val="94558D"/>
-                </a:solidFill>
-                <a:effectLst/>
-                <a:latin typeface="Arial Unicode MS" panose="020B0604020202020204" charset="-122"/>
-                <a:ea typeface="JetBrains Mono"/>
-              </a:rPr>
-              <a:t>self</a:t>
-            </a:r>
-            <a:r>
-              <a:rPr kumimoji="0" lang="zh-CN" altLang="zh-CN" sz="900" b="0" i="0" u="none" strike="noStrike" cap="none" normalizeH="0" baseline="0">
-                <a:ln>
-                  <a:noFill/>
-                </a:ln>
-                <a:solidFill>
-                  <a:srgbClr val="BCBEC4"/>
-                </a:solidFill>
-                <a:effectLst/>
-                <a:latin typeface="Arial Unicode MS" panose="020B0604020202020204" charset="-122"/>
-                <a:ea typeface="JetBrains Mono"/>
-              </a:rPr>
-              <a:t>.combobox.currentIndex()</a:t>
-            </a:r>
-            <a:br>
-              <a:rPr kumimoji="0" lang="zh-CN" altLang="zh-CN" sz="900" b="0" i="0" u="none" strike="noStrike" cap="none" normalizeH="0" baseline="0">
-                <a:ln>
-                  <a:noFill/>
-                </a:ln>
-                <a:solidFill>
-                  <a:srgbClr val="BCBEC4"/>
-                </a:solidFill>
-                <a:effectLst/>
-                <a:latin typeface="Arial Unicode MS" panose="020B0604020202020204" charset="-122"/>
-                <a:ea typeface="JetBrains Mono"/>
-              </a:rPr>
-            </a:br>
-            <a:r>
-              <a:rPr kumimoji="0" lang="zh-CN" altLang="zh-CN" sz="900" b="0" i="0" u="none" strike="noStrike" cap="none" normalizeH="0" baseline="0">
-                <a:ln>
-                  <a:noFill/>
-                </a:ln>
-                <a:solidFill>
-                  <a:srgbClr val="BCBEC4"/>
-                </a:solidFill>
-                <a:effectLst/>
-                <a:latin typeface="Arial Unicode MS" panose="020B0604020202020204" charset="-122"/>
-                <a:ea typeface="JetBrains Mono"/>
-              </a:rPr>
-              <a:t>    input = cv2.imread(</a:t>
-            </a:r>
-            <a:r>
-              <a:rPr kumimoji="0" lang="zh-CN" altLang="zh-CN" sz="900" b="0" i="0" u="none" strike="noStrike" cap="none" normalizeH="0" baseline="0">
-                <a:ln>
-                  <a:noFill/>
-                </a:ln>
-                <a:solidFill>
-                  <a:srgbClr val="94558D"/>
-                </a:solidFill>
-                <a:effectLst/>
-                <a:latin typeface="Arial Unicode MS" panose="020B0604020202020204" charset="-122"/>
-                <a:ea typeface="JetBrains Mono"/>
-              </a:rPr>
-              <a:t>self</a:t>
-            </a:r>
-            <a:r>
-              <a:rPr kumimoji="0" lang="zh-CN" altLang="zh-CN" sz="900" b="0" i="0" u="none" strike="noStrike" cap="none" normalizeH="0" baseline="0">
-                <a:ln>
-                  <a:noFill/>
-                </a:ln>
-                <a:solidFill>
-                  <a:srgbClr val="BCBEC4"/>
-                </a:solidFill>
-                <a:effectLst/>
-                <a:latin typeface="Arial Unicode MS" panose="020B0604020202020204" charset="-122"/>
-                <a:ea typeface="JetBrains Mono"/>
-              </a:rPr>
-              <a:t>.file_path, </a:t>
-            </a:r>
-            <a:r>
-              <a:rPr kumimoji="0" lang="zh-CN" altLang="zh-CN" sz="900" b="0" i="0" u="none" strike="noStrike" cap="none" normalizeH="0" baseline="0">
-                <a:ln>
-                  <a:noFill/>
-                </a:ln>
-                <a:solidFill>
-                  <a:srgbClr val="2AACB8"/>
-                </a:solidFill>
-                <a:effectLst/>
-                <a:latin typeface="Arial Unicode MS" panose="020B0604020202020204" charset="-122"/>
-                <a:ea typeface="JetBrains Mono"/>
-              </a:rPr>
-              <a:t>0</a:t>
-            </a:r>
-            <a:r>
-              <a:rPr kumimoji="0" lang="zh-CN" altLang="zh-CN" sz="900" b="0" i="0" u="none" strike="noStrike" cap="none" normalizeH="0" baseline="0">
-                <a:ln>
-                  <a:noFill/>
-                </a:ln>
-                <a:solidFill>
-                  <a:srgbClr val="BCBEC4"/>
-                </a:solidFill>
-                <a:effectLst/>
-                <a:latin typeface="Arial Unicode MS" panose="020B0604020202020204" charset="-122"/>
-                <a:ea typeface="JetBrains Mono"/>
-              </a:rPr>
-              <a:t>)</a:t>
-            </a:r>
-            <a:br>
-              <a:rPr kumimoji="0" lang="zh-CN" altLang="zh-CN" sz="900" b="0" i="0" u="none" strike="noStrike" cap="none" normalizeH="0" baseline="0">
-                <a:ln>
-                  <a:noFill/>
-                </a:ln>
-                <a:solidFill>
-                  <a:srgbClr val="BCBEC4"/>
-                </a:solidFill>
-                <a:effectLst/>
-                <a:latin typeface="Arial Unicode MS" panose="020B0604020202020204" charset="-122"/>
-                <a:ea typeface="JetBrains Mono"/>
-              </a:rPr>
-            </a:br>
-            <a:br>
-              <a:rPr kumimoji="0" lang="zh-CN" altLang="zh-CN" sz="900" b="0" i="0" u="none" strike="noStrike" cap="none" normalizeH="0" baseline="0">
-                <a:ln>
-                  <a:noFill/>
-                </a:ln>
-                <a:solidFill>
-                  <a:srgbClr val="BCBEC4"/>
-                </a:solidFill>
-                <a:effectLst/>
-                <a:latin typeface="Arial Unicode MS" panose="020B0604020202020204" charset="-122"/>
-                <a:ea typeface="JetBrains Mono"/>
-              </a:rPr>
-            </a:br>
-            <a:r>
-              <a:rPr kumimoji="0" lang="zh-CN" altLang="zh-CN" sz="900" b="0" i="0" u="none" strike="noStrike" cap="none" normalizeH="0" baseline="0">
-                <a:ln>
-                  <a:noFill/>
-                </a:ln>
-                <a:solidFill>
-                  <a:srgbClr val="BCBEC4"/>
-                </a:solidFill>
-                <a:effectLst/>
-                <a:latin typeface="Arial Unicode MS" panose="020B0604020202020204" charset="-122"/>
-                <a:ea typeface="JetBrains Mono"/>
-              </a:rPr>
-              <a:t>    </a:t>
-            </a:r>
-            <a:r>
-              <a:rPr kumimoji="0" lang="zh-CN" altLang="zh-CN" sz="900" b="0" i="0" u="none" strike="noStrike" cap="none" normalizeH="0" baseline="0">
-                <a:ln>
-                  <a:noFill/>
-                </a:ln>
-                <a:solidFill>
-                  <a:srgbClr val="CF8E6D"/>
-                </a:solidFill>
-                <a:effectLst/>
-                <a:latin typeface="Arial Unicode MS" panose="020B0604020202020204" charset="-122"/>
-                <a:ea typeface="JetBrains Mono"/>
-              </a:rPr>
-              <a:t>if </a:t>
-            </a:r>
-            <a:r>
-              <a:rPr kumimoji="0" lang="zh-CN" altLang="zh-CN" sz="900" b="0" i="0" u="none" strike="noStrike" cap="none" normalizeH="0" baseline="0">
-                <a:ln>
-                  <a:noFill/>
-                </a:ln>
-                <a:solidFill>
-                  <a:srgbClr val="BCBEC4"/>
-                </a:solidFill>
-                <a:effectLst/>
-                <a:latin typeface="Arial Unicode MS" panose="020B0604020202020204" charset="-122"/>
-                <a:ea typeface="JetBrains Mono"/>
-              </a:rPr>
-              <a:t>factor == </a:t>
-            </a:r>
-            <a:r>
-              <a:rPr kumimoji="0" lang="zh-CN" altLang="zh-CN" sz="900" b="0" i="0" u="none" strike="noStrike" cap="none" normalizeH="0" baseline="0">
-                <a:ln>
-                  <a:noFill/>
-                </a:ln>
-                <a:solidFill>
-                  <a:srgbClr val="2AACB8"/>
-                </a:solidFill>
-                <a:effectLst/>
-                <a:latin typeface="Arial Unicode MS" panose="020B0604020202020204" charset="-122"/>
-                <a:ea typeface="JetBrains Mono"/>
-              </a:rPr>
-              <a:t>0</a:t>
-            </a:r>
-            <a:r>
-              <a:rPr kumimoji="0" lang="zh-CN" altLang="zh-CN" sz="900" b="0" i="0" u="none" strike="noStrike" cap="none" normalizeH="0" baseline="0">
-                <a:ln>
-                  <a:noFill/>
-                </a:ln>
-                <a:solidFill>
-                  <a:srgbClr val="BCBEC4"/>
-                </a:solidFill>
-                <a:effectLst/>
-                <a:latin typeface="Arial Unicode MS" panose="020B0604020202020204" charset="-122"/>
-                <a:ea typeface="JetBrains Mono"/>
-              </a:rPr>
-              <a:t>:</a:t>
-            </a:r>
-            <a:br>
-              <a:rPr kumimoji="0" lang="zh-CN" altLang="zh-CN" sz="900" b="0" i="0" u="none" strike="noStrike" cap="none" normalizeH="0" baseline="0">
-                <a:ln>
-                  <a:noFill/>
-                </a:ln>
-                <a:solidFill>
-                  <a:srgbClr val="BCBEC4"/>
-                </a:solidFill>
-                <a:effectLst/>
-                <a:latin typeface="Arial Unicode MS" panose="020B0604020202020204" charset="-122"/>
-                <a:ea typeface="JetBrains Mono"/>
-              </a:rPr>
-            </a:br>
-            <a:r>
-              <a:rPr kumimoji="0" lang="zh-CN" altLang="zh-CN" sz="900" b="0" i="0" u="none" strike="noStrike" cap="none" normalizeH="0" baseline="0">
-                <a:ln>
-                  <a:noFill/>
-                </a:ln>
-                <a:solidFill>
-                  <a:srgbClr val="BCBEC4"/>
-                </a:solidFill>
-                <a:effectLst/>
-                <a:latin typeface="Arial Unicode MS" panose="020B0604020202020204" charset="-122"/>
-                <a:ea typeface="JetBrains Mono"/>
-              </a:rPr>
-              <a:t>        mean = </a:t>
-            </a:r>
-            <a:r>
-              <a:rPr kumimoji="0" lang="zh-CN" altLang="zh-CN" sz="900" b="0" i="0" u="none" strike="noStrike" cap="none" normalizeH="0" baseline="0">
-                <a:ln>
-                  <a:noFill/>
-                </a:ln>
-                <a:solidFill>
-                  <a:srgbClr val="2AACB8"/>
-                </a:solidFill>
-                <a:effectLst/>
-                <a:latin typeface="Arial Unicode MS" panose="020B0604020202020204" charset="-122"/>
-                <a:ea typeface="JetBrains Mono"/>
-              </a:rPr>
-              <a:t>0</a:t>
-            </a:r>
-            <a:br>
-              <a:rPr kumimoji="0" lang="zh-CN" altLang="zh-CN" sz="900" b="0" i="0" u="none" strike="noStrike" cap="none" normalizeH="0" baseline="0">
-                <a:ln>
-                  <a:noFill/>
-                </a:ln>
-                <a:solidFill>
-                  <a:srgbClr val="2AACB8"/>
-                </a:solidFill>
-                <a:effectLst/>
-                <a:latin typeface="Arial Unicode MS" panose="020B0604020202020204" charset="-122"/>
-                <a:ea typeface="JetBrains Mono"/>
-              </a:rPr>
-            </a:br>
-            <a:r>
-              <a:rPr kumimoji="0" lang="zh-CN" altLang="zh-CN" sz="900" b="0" i="0" u="none" strike="noStrike" cap="none" normalizeH="0" baseline="0">
-                <a:ln>
-                  <a:noFill/>
-                </a:ln>
-                <a:solidFill>
-                  <a:srgbClr val="2AACB8"/>
-                </a:solidFill>
-                <a:effectLst/>
-                <a:latin typeface="Arial Unicode MS" panose="020B0604020202020204" charset="-122"/>
-                <a:ea typeface="JetBrains Mono"/>
-              </a:rPr>
-              <a:t>        </a:t>
-            </a:r>
-            <a:r>
-              <a:rPr kumimoji="0" lang="zh-CN" altLang="zh-CN" sz="900" b="0" i="0" u="none" strike="noStrike" cap="none" normalizeH="0" baseline="0">
-                <a:ln>
-                  <a:noFill/>
-                </a:ln>
-                <a:solidFill>
-                  <a:srgbClr val="BCBEC4"/>
-                </a:solidFill>
-                <a:effectLst/>
-                <a:latin typeface="Arial Unicode MS" panose="020B0604020202020204" charset="-122"/>
-                <a:ea typeface="JetBrains Mono"/>
-              </a:rPr>
-              <a:t>sigma = </a:t>
-            </a:r>
-            <a:r>
-              <a:rPr kumimoji="0" lang="zh-CN" altLang="zh-CN" sz="900" b="0" i="0" u="none" strike="noStrike" cap="none" normalizeH="0" baseline="0">
-                <a:ln>
-                  <a:noFill/>
-                </a:ln>
-                <a:solidFill>
-                  <a:srgbClr val="2AACB8"/>
-                </a:solidFill>
-                <a:effectLst/>
-                <a:latin typeface="Arial Unicode MS" panose="020B0604020202020204" charset="-122"/>
-                <a:ea typeface="JetBrains Mono"/>
-              </a:rPr>
-              <a:t>25</a:t>
-            </a:r>
-            <a:br>
-              <a:rPr kumimoji="0" lang="zh-CN" altLang="zh-CN" sz="900" b="0" i="0" u="none" strike="noStrike" cap="none" normalizeH="0" baseline="0">
-                <a:ln>
-                  <a:noFill/>
-                </a:ln>
-                <a:solidFill>
-                  <a:srgbClr val="2AACB8"/>
-                </a:solidFill>
-                <a:effectLst/>
-                <a:latin typeface="Arial Unicode MS" panose="020B0604020202020204" charset="-122"/>
-                <a:ea typeface="JetBrains Mono"/>
-              </a:rPr>
-            </a:br>
-            <a:r>
-              <a:rPr kumimoji="0" lang="zh-CN" altLang="zh-CN" sz="900" b="0" i="0" u="none" strike="noStrike" cap="none" normalizeH="0" baseline="0">
-                <a:ln>
-                  <a:noFill/>
-                </a:ln>
-                <a:solidFill>
-                  <a:srgbClr val="2AACB8"/>
-                </a:solidFill>
-                <a:effectLst/>
-                <a:latin typeface="Arial Unicode MS" panose="020B0604020202020204" charset="-122"/>
-                <a:ea typeface="JetBrains Mono"/>
-              </a:rPr>
-              <a:t>        </a:t>
-            </a:r>
-            <a:r>
-              <a:rPr kumimoji="0" lang="zh-CN" altLang="zh-CN" sz="900" b="0" i="0" u="none" strike="noStrike" cap="none" normalizeH="0" baseline="0">
-                <a:ln>
-                  <a:noFill/>
-                </a:ln>
-                <a:solidFill>
-                  <a:srgbClr val="BCBEC4"/>
-                </a:solidFill>
-                <a:effectLst/>
-                <a:latin typeface="Arial Unicode MS" panose="020B0604020202020204" charset="-122"/>
-                <a:ea typeface="JetBrains Mono"/>
-              </a:rPr>
-              <a:t>gauss = np.random.normal(mean, sigma, (input.shape[</a:t>
-            </a:r>
-            <a:r>
-              <a:rPr kumimoji="0" lang="zh-CN" altLang="zh-CN" sz="900" b="0" i="0" u="none" strike="noStrike" cap="none" normalizeH="0" baseline="0">
-                <a:ln>
-                  <a:noFill/>
-                </a:ln>
-                <a:solidFill>
-                  <a:srgbClr val="2AACB8"/>
-                </a:solidFill>
-                <a:effectLst/>
-                <a:latin typeface="Arial Unicode MS" panose="020B0604020202020204" charset="-122"/>
-                <a:ea typeface="JetBrains Mono"/>
-              </a:rPr>
-              <a:t>0</a:t>
-            </a:r>
-            <a:r>
-              <a:rPr kumimoji="0" lang="zh-CN" altLang="zh-CN" sz="900" b="0" i="0" u="none" strike="noStrike" cap="none" normalizeH="0" baseline="0">
-                <a:ln>
-                  <a:noFill/>
-                </a:ln>
-                <a:solidFill>
-                  <a:srgbClr val="BCBEC4"/>
-                </a:solidFill>
-                <a:effectLst/>
-                <a:latin typeface="Arial Unicode MS" panose="020B0604020202020204" charset="-122"/>
-                <a:ea typeface="JetBrains Mono"/>
-              </a:rPr>
-              <a:t>], input.shape[</a:t>
-            </a:r>
-            <a:r>
-              <a:rPr kumimoji="0" lang="zh-CN" altLang="zh-CN" sz="900" b="0" i="0" u="none" strike="noStrike" cap="none" normalizeH="0" baseline="0">
-                <a:ln>
-                  <a:noFill/>
-                </a:ln>
-                <a:solidFill>
-                  <a:srgbClr val="2AACB8"/>
-                </a:solidFill>
-                <a:effectLst/>
-                <a:latin typeface="Arial Unicode MS" panose="020B0604020202020204" charset="-122"/>
-                <a:ea typeface="JetBrains Mono"/>
-              </a:rPr>
-              <a:t>1</a:t>
-            </a:r>
-            <a:r>
-              <a:rPr kumimoji="0" lang="zh-CN" altLang="zh-CN" sz="900" b="0" i="0" u="none" strike="noStrike" cap="none" normalizeH="0" baseline="0">
-                <a:ln>
-                  <a:noFill/>
-                </a:ln>
-                <a:solidFill>
-                  <a:srgbClr val="BCBEC4"/>
-                </a:solidFill>
-                <a:effectLst/>
-                <a:latin typeface="Arial Unicode MS" panose="020B0604020202020204" charset="-122"/>
-                <a:ea typeface="JetBrains Mono"/>
-              </a:rPr>
-              <a:t>]))</a:t>
-            </a:r>
-            <a:br>
-              <a:rPr kumimoji="0" lang="zh-CN" altLang="zh-CN" sz="900" b="0" i="0" u="none" strike="noStrike" cap="none" normalizeH="0" baseline="0">
-                <a:ln>
-                  <a:noFill/>
-                </a:ln>
-                <a:solidFill>
-                  <a:srgbClr val="BCBEC4"/>
-                </a:solidFill>
-                <a:effectLst/>
-                <a:latin typeface="Arial Unicode MS" panose="020B0604020202020204" charset="-122"/>
-                <a:ea typeface="JetBrains Mono"/>
-              </a:rPr>
-            </a:br>
-            <a:br>
-              <a:rPr kumimoji="0" lang="zh-CN" altLang="zh-CN" sz="900" b="0" i="0" u="none" strike="noStrike" cap="none" normalizeH="0" baseline="0">
-                <a:ln>
-                  <a:noFill/>
-                </a:ln>
-                <a:solidFill>
-                  <a:srgbClr val="BCBEC4"/>
-                </a:solidFill>
-                <a:effectLst/>
-                <a:latin typeface="Arial Unicode MS" panose="020B0604020202020204" charset="-122"/>
-                <a:ea typeface="JetBrains Mono"/>
-              </a:rPr>
-            </a:br>
-            <a:r>
-              <a:rPr kumimoji="0" lang="zh-CN" altLang="zh-CN" sz="900" b="0" i="0" u="none" strike="noStrike" cap="none" normalizeH="0" baseline="0">
-                <a:ln>
-                  <a:noFill/>
-                </a:ln>
-                <a:solidFill>
-                  <a:srgbClr val="BCBEC4"/>
-                </a:solidFill>
-                <a:effectLst/>
-                <a:latin typeface="Arial Unicode MS" panose="020B0604020202020204" charset="-122"/>
-                <a:ea typeface="JetBrains Mono"/>
-              </a:rPr>
-              <a:t>        noisy_image = input + gauss</a:t>
-            </a:r>
-            <a:br>
-              <a:rPr kumimoji="0" lang="zh-CN" altLang="zh-CN" sz="900" b="0" i="0" u="none" strike="noStrike" cap="none" normalizeH="0" baseline="0">
-                <a:ln>
-                  <a:noFill/>
-                </a:ln>
-                <a:solidFill>
-                  <a:srgbClr val="BCBEC4"/>
-                </a:solidFill>
-                <a:effectLst/>
-                <a:latin typeface="Arial Unicode MS" panose="020B0604020202020204" charset="-122"/>
-                <a:ea typeface="JetBrains Mono"/>
-              </a:rPr>
-            </a:br>
-            <a:r>
-              <a:rPr kumimoji="0" lang="zh-CN" altLang="zh-CN" sz="900" b="0" i="0" u="none" strike="noStrike" cap="none" normalizeH="0" baseline="0">
-                <a:ln>
-                  <a:noFill/>
-                </a:ln>
-                <a:solidFill>
-                  <a:srgbClr val="BCBEC4"/>
-                </a:solidFill>
-                <a:effectLst/>
-                <a:latin typeface="Arial Unicode MS" panose="020B0604020202020204" charset="-122"/>
-                <a:ea typeface="JetBrains Mono"/>
-              </a:rPr>
-              <a:t>        noisy_image = np.clip(noisy_image, </a:t>
-            </a:r>
-            <a:r>
-              <a:rPr kumimoji="0" lang="zh-CN" altLang="zh-CN" sz="900" b="0" i="0" u="none" strike="noStrike" cap="none" normalizeH="0" baseline="0">
-                <a:ln>
-                  <a:noFill/>
-                </a:ln>
-                <a:solidFill>
-                  <a:srgbClr val="AA4926"/>
-                </a:solidFill>
-                <a:effectLst/>
-                <a:latin typeface="Arial Unicode MS" panose="020B0604020202020204" charset="-122"/>
-                <a:ea typeface="JetBrains Mono"/>
-              </a:rPr>
-              <a:t>a_min</a:t>
-            </a:r>
-            <a:r>
-              <a:rPr kumimoji="0" lang="zh-CN" altLang="zh-CN" sz="900" b="0" i="0" u="none" strike="noStrike" cap="none" normalizeH="0" baseline="0">
-                <a:ln>
-                  <a:noFill/>
-                </a:ln>
-                <a:solidFill>
-                  <a:srgbClr val="BCBEC4"/>
-                </a:solidFill>
-                <a:effectLst/>
-                <a:latin typeface="Arial Unicode MS" panose="020B0604020202020204" charset="-122"/>
-                <a:ea typeface="JetBrains Mono"/>
-              </a:rPr>
-              <a:t>=</a:t>
-            </a:r>
-            <a:r>
-              <a:rPr kumimoji="0" lang="zh-CN" altLang="zh-CN" sz="900" b="0" i="0" u="none" strike="noStrike" cap="none" normalizeH="0" baseline="0">
-                <a:ln>
-                  <a:noFill/>
-                </a:ln>
-                <a:solidFill>
-                  <a:srgbClr val="2AACB8"/>
-                </a:solidFill>
-                <a:effectLst/>
-                <a:latin typeface="Arial Unicode MS" panose="020B0604020202020204" charset="-122"/>
-                <a:ea typeface="JetBrains Mono"/>
-              </a:rPr>
-              <a:t>0</a:t>
-            </a:r>
-            <a:r>
-              <a:rPr kumimoji="0" lang="zh-CN" altLang="zh-CN" sz="900" b="0" i="0" u="none" strike="noStrike" cap="none" normalizeH="0" baseline="0">
-                <a:ln>
-                  <a:noFill/>
-                </a:ln>
-                <a:solidFill>
-                  <a:srgbClr val="BCBEC4"/>
-                </a:solidFill>
-                <a:effectLst/>
-                <a:latin typeface="Arial Unicode MS" panose="020B0604020202020204" charset="-122"/>
-                <a:ea typeface="JetBrains Mono"/>
-              </a:rPr>
-              <a:t>, </a:t>
-            </a:r>
-            <a:r>
-              <a:rPr kumimoji="0" lang="zh-CN" altLang="zh-CN" sz="900" b="0" i="0" u="none" strike="noStrike" cap="none" normalizeH="0" baseline="0">
-                <a:ln>
-                  <a:noFill/>
-                </a:ln>
-                <a:solidFill>
-                  <a:srgbClr val="AA4926"/>
-                </a:solidFill>
-                <a:effectLst/>
-                <a:latin typeface="Arial Unicode MS" panose="020B0604020202020204" charset="-122"/>
-                <a:ea typeface="JetBrains Mono"/>
-              </a:rPr>
-              <a:t>a_max</a:t>
-            </a:r>
-            <a:r>
-              <a:rPr kumimoji="0" lang="zh-CN" altLang="zh-CN" sz="900" b="0" i="0" u="none" strike="noStrike" cap="none" normalizeH="0" baseline="0">
-                <a:ln>
-                  <a:noFill/>
-                </a:ln>
-                <a:solidFill>
-                  <a:srgbClr val="BCBEC4"/>
-                </a:solidFill>
-                <a:effectLst/>
-                <a:latin typeface="Arial Unicode MS" panose="020B0604020202020204" charset="-122"/>
-                <a:ea typeface="JetBrains Mono"/>
-              </a:rPr>
-              <a:t>=</a:t>
-            </a:r>
-            <a:r>
-              <a:rPr kumimoji="0" lang="zh-CN" altLang="zh-CN" sz="900" b="0" i="0" u="none" strike="noStrike" cap="none" normalizeH="0" baseline="0">
-                <a:ln>
-                  <a:noFill/>
-                </a:ln>
-                <a:solidFill>
-                  <a:srgbClr val="2AACB8"/>
-                </a:solidFill>
-                <a:effectLst/>
-                <a:latin typeface="Arial Unicode MS" panose="020B0604020202020204" charset="-122"/>
-                <a:ea typeface="JetBrains Mono"/>
-              </a:rPr>
-              <a:t>255</a:t>
-            </a:r>
-            <a:r>
-              <a:rPr kumimoji="0" lang="zh-CN" altLang="zh-CN" sz="900" b="0" i="0" u="none" strike="noStrike" cap="none" normalizeH="0" baseline="0">
-                <a:ln>
-                  <a:noFill/>
-                </a:ln>
-                <a:solidFill>
-                  <a:srgbClr val="BCBEC4"/>
-                </a:solidFill>
-                <a:effectLst/>
-                <a:latin typeface="Arial Unicode MS" panose="020B0604020202020204" charset="-122"/>
-                <a:ea typeface="JetBrains Mono"/>
-              </a:rPr>
-              <a:t>)</a:t>
-            </a:r>
-            <a:br>
-              <a:rPr kumimoji="0" lang="zh-CN" altLang="zh-CN" sz="900" b="0" i="0" u="none" strike="noStrike" cap="none" normalizeH="0" baseline="0">
-                <a:ln>
-                  <a:noFill/>
-                </a:ln>
-                <a:solidFill>
-                  <a:srgbClr val="BCBEC4"/>
-                </a:solidFill>
-                <a:effectLst/>
-                <a:latin typeface="Arial Unicode MS" panose="020B0604020202020204" charset="-122"/>
-                <a:ea typeface="JetBrains Mono"/>
-              </a:rPr>
-            </a:br>
-            <a:r>
-              <a:rPr kumimoji="0" lang="zh-CN" altLang="zh-CN" sz="900" b="0" i="0" u="none" strike="noStrike" cap="none" normalizeH="0" baseline="0">
-                <a:ln>
-                  <a:noFill/>
-                </a:ln>
-                <a:solidFill>
-                  <a:srgbClr val="BCBEC4"/>
-                </a:solidFill>
-                <a:effectLst/>
-                <a:latin typeface="Arial Unicode MS" panose="020B0604020202020204" charset="-122"/>
-                <a:ea typeface="JetBrains Mono"/>
-              </a:rPr>
-              <a:t>    </a:t>
-            </a:r>
-            <a:r>
-              <a:rPr kumimoji="0" lang="zh-CN" altLang="zh-CN" sz="900" b="0" i="0" u="none" strike="noStrike" cap="none" normalizeH="0" baseline="0">
-                <a:ln>
-                  <a:noFill/>
-                </a:ln>
-                <a:solidFill>
-                  <a:srgbClr val="CF8E6D"/>
-                </a:solidFill>
-                <a:effectLst/>
-                <a:latin typeface="Arial Unicode MS" panose="020B0604020202020204" charset="-122"/>
-                <a:ea typeface="JetBrains Mono"/>
-              </a:rPr>
-              <a:t>elif </a:t>
-            </a:r>
-            <a:r>
-              <a:rPr kumimoji="0" lang="zh-CN" altLang="zh-CN" sz="900" b="0" i="0" u="none" strike="noStrike" cap="none" normalizeH="0" baseline="0">
-                <a:ln>
-                  <a:noFill/>
-                </a:ln>
-                <a:solidFill>
-                  <a:srgbClr val="BCBEC4"/>
-                </a:solidFill>
-                <a:effectLst/>
-                <a:latin typeface="Arial Unicode MS" panose="020B0604020202020204" charset="-122"/>
-                <a:ea typeface="JetBrains Mono"/>
-              </a:rPr>
-              <a:t>factor == </a:t>
-            </a:r>
-            <a:r>
-              <a:rPr kumimoji="0" lang="zh-CN" altLang="zh-CN" sz="900" b="0" i="0" u="none" strike="noStrike" cap="none" normalizeH="0" baseline="0">
-                <a:ln>
-                  <a:noFill/>
-                </a:ln>
-                <a:solidFill>
-                  <a:srgbClr val="2AACB8"/>
-                </a:solidFill>
-                <a:effectLst/>
-                <a:latin typeface="Arial Unicode MS" panose="020B0604020202020204" charset="-122"/>
-                <a:ea typeface="JetBrains Mono"/>
-              </a:rPr>
-              <a:t>1</a:t>
-            </a:r>
-            <a:r>
-              <a:rPr kumimoji="0" lang="zh-CN" altLang="zh-CN" sz="900" b="0" i="0" u="none" strike="noStrike" cap="none" normalizeH="0" baseline="0">
-                <a:ln>
-                  <a:noFill/>
-                </a:ln>
-                <a:solidFill>
-                  <a:srgbClr val="BCBEC4"/>
-                </a:solidFill>
-                <a:effectLst/>
-                <a:latin typeface="Arial Unicode MS" panose="020B0604020202020204" charset="-122"/>
-                <a:ea typeface="JetBrains Mono"/>
-              </a:rPr>
-              <a:t>:</a:t>
-            </a:r>
-            <a:br>
-              <a:rPr kumimoji="0" lang="zh-CN" altLang="zh-CN" sz="900" b="0" i="0" u="none" strike="noStrike" cap="none" normalizeH="0" baseline="0">
-                <a:ln>
-                  <a:noFill/>
-                </a:ln>
-                <a:solidFill>
-                  <a:srgbClr val="BCBEC4"/>
-                </a:solidFill>
-                <a:effectLst/>
-                <a:latin typeface="Arial Unicode MS" panose="020B0604020202020204" charset="-122"/>
-                <a:ea typeface="JetBrains Mono"/>
-              </a:rPr>
-            </a:br>
-            <a:r>
-              <a:rPr kumimoji="0" lang="zh-CN" altLang="zh-CN" sz="900" b="0" i="0" u="none" strike="noStrike" cap="none" normalizeH="0" baseline="0">
-                <a:ln>
-                  <a:noFill/>
-                </a:ln>
-                <a:solidFill>
-                  <a:srgbClr val="BCBEC4"/>
-                </a:solidFill>
-                <a:effectLst/>
-                <a:latin typeface="Arial Unicode MS" panose="020B0604020202020204" charset="-122"/>
-                <a:ea typeface="JetBrains Mono"/>
-              </a:rPr>
-              <a:t>        vals = </a:t>
-            </a:r>
-            <a:r>
-              <a:rPr kumimoji="0" lang="zh-CN" altLang="zh-CN" sz="900" b="0" i="0" u="none" strike="noStrike" cap="none" normalizeH="0" baseline="0">
-                <a:ln>
-                  <a:noFill/>
-                </a:ln>
-                <a:solidFill>
-                  <a:srgbClr val="8888C6"/>
-                </a:solidFill>
-                <a:effectLst/>
-                <a:latin typeface="Arial Unicode MS" panose="020B0604020202020204" charset="-122"/>
-                <a:ea typeface="JetBrains Mono"/>
-              </a:rPr>
-              <a:t>len</a:t>
-            </a:r>
-            <a:r>
-              <a:rPr kumimoji="0" lang="zh-CN" altLang="zh-CN" sz="900" b="0" i="0" u="none" strike="noStrike" cap="none" normalizeH="0" baseline="0">
-                <a:ln>
-                  <a:noFill/>
-                </a:ln>
-                <a:solidFill>
-                  <a:srgbClr val="BCBEC4"/>
-                </a:solidFill>
-                <a:effectLst/>
-                <a:latin typeface="Arial Unicode MS" panose="020B0604020202020204" charset="-122"/>
-                <a:ea typeface="JetBrains Mono"/>
-              </a:rPr>
-              <a:t>(np.unique(input))</a:t>
-            </a:r>
-            <a:br>
-              <a:rPr kumimoji="0" lang="zh-CN" altLang="zh-CN" sz="900" b="0" i="0" u="none" strike="noStrike" cap="none" normalizeH="0" baseline="0">
-                <a:ln>
-                  <a:noFill/>
-                </a:ln>
-                <a:solidFill>
-                  <a:srgbClr val="BCBEC4"/>
-                </a:solidFill>
-                <a:effectLst/>
-                <a:latin typeface="Arial Unicode MS" panose="020B0604020202020204" charset="-122"/>
-                <a:ea typeface="JetBrains Mono"/>
-              </a:rPr>
-            </a:br>
-            <a:r>
-              <a:rPr kumimoji="0" lang="zh-CN" altLang="zh-CN" sz="900" b="0" i="0" u="none" strike="noStrike" cap="none" normalizeH="0" baseline="0">
-                <a:ln>
-                  <a:noFill/>
-                </a:ln>
-                <a:solidFill>
-                  <a:srgbClr val="BCBEC4"/>
-                </a:solidFill>
-                <a:effectLst/>
-                <a:latin typeface="Arial Unicode MS" panose="020B0604020202020204" charset="-122"/>
-                <a:ea typeface="JetBrains Mono"/>
-              </a:rPr>
-              <a:t>        vals = </a:t>
-            </a:r>
-            <a:r>
-              <a:rPr kumimoji="0" lang="zh-CN" altLang="zh-CN" sz="900" b="0" i="0" u="none" strike="noStrike" cap="none" normalizeH="0" baseline="0">
-                <a:ln>
-                  <a:noFill/>
-                </a:ln>
-                <a:solidFill>
-                  <a:srgbClr val="2AACB8"/>
-                </a:solidFill>
-                <a:effectLst/>
-                <a:latin typeface="Arial Unicode MS" panose="020B0604020202020204" charset="-122"/>
-                <a:ea typeface="JetBrains Mono"/>
-              </a:rPr>
-              <a:t>2 </a:t>
-            </a:r>
-            <a:r>
-              <a:rPr kumimoji="0" lang="zh-CN" altLang="zh-CN" sz="900" b="0" i="0" u="none" strike="noStrike" cap="none" normalizeH="0" baseline="0">
-                <a:ln>
-                  <a:noFill/>
-                </a:ln>
-                <a:solidFill>
-                  <a:srgbClr val="BCBEC4"/>
-                </a:solidFill>
-                <a:effectLst/>
-                <a:latin typeface="Arial Unicode MS" panose="020B0604020202020204" charset="-122"/>
-                <a:ea typeface="JetBrains Mono"/>
-              </a:rPr>
-              <a:t>** np.ceil(np.log2(vals))</a:t>
-            </a:r>
-            <a:br>
-              <a:rPr kumimoji="0" lang="zh-CN" altLang="zh-CN" sz="900" b="0" i="0" u="none" strike="noStrike" cap="none" normalizeH="0" baseline="0">
-                <a:ln>
-                  <a:noFill/>
-                </a:ln>
-                <a:solidFill>
-                  <a:srgbClr val="BCBEC4"/>
-                </a:solidFill>
-                <a:effectLst/>
-                <a:latin typeface="Arial Unicode MS" panose="020B0604020202020204" charset="-122"/>
-                <a:ea typeface="JetBrains Mono"/>
-              </a:rPr>
-            </a:br>
-            <a:br>
-              <a:rPr kumimoji="0" lang="zh-CN" altLang="zh-CN" sz="900" b="0" i="0" u="none" strike="noStrike" cap="none" normalizeH="0" baseline="0">
-                <a:ln>
-                  <a:noFill/>
-                </a:ln>
-                <a:solidFill>
-                  <a:srgbClr val="BCBEC4"/>
-                </a:solidFill>
-                <a:effectLst/>
-                <a:latin typeface="Arial Unicode MS" panose="020B0604020202020204" charset="-122"/>
-                <a:ea typeface="JetBrains Mono"/>
-              </a:rPr>
-            </a:br>
-            <a:r>
-              <a:rPr kumimoji="0" lang="zh-CN" altLang="zh-CN" sz="900" b="0" i="0" u="none" strike="noStrike" cap="none" normalizeH="0" baseline="0">
-                <a:ln>
-                  <a:noFill/>
-                </a:ln>
-                <a:solidFill>
-                  <a:srgbClr val="BCBEC4"/>
-                </a:solidFill>
-                <a:effectLst/>
-                <a:latin typeface="Arial Unicode MS" panose="020B0604020202020204" charset="-122"/>
-                <a:ea typeface="JetBrains Mono"/>
-              </a:rPr>
-              <a:t>        noisy_image = np.random.poisson(input * vals) / </a:t>
-            </a:r>
-            <a:r>
-              <a:rPr kumimoji="0" lang="zh-CN" altLang="zh-CN" sz="900" b="0" i="0" u="none" strike="noStrike" cap="none" normalizeH="0" baseline="0">
-                <a:ln>
-                  <a:noFill/>
-                </a:ln>
-                <a:solidFill>
-                  <a:srgbClr val="8888C6"/>
-                </a:solidFill>
-                <a:effectLst/>
-                <a:latin typeface="Arial Unicode MS" panose="020B0604020202020204" charset="-122"/>
-                <a:ea typeface="JetBrains Mono"/>
-              </a:rPr>
-              <a:t>float</a:t>
-            </a:r>
-            <a:r>
-              <a:rPr kumimoji="0" lang="zh-CN" altLang="zh-CN" sz="900" b="0" i="0" u="none" strike="noStrike" cap="none" normalizeH="0" baseline="0">
-                <a:ln>
-                  <a:noFill/>
-                </a:ln>
-                <a:solidFill>
-                  <a:srgbClr val="BCBEC4"/>
-                </a:solidFill>
-                <a:effectLst/>
-                <a:latin typeface="Arial Unicode MS" panose="020B0604020202020204" charset="-122"/>
-                <a:ea typeface="JetBrains Mono"/>
-              </a:rPr>
-              <a:t>(vals)</a:t>
-            </a:r>
-            <a:br>
-              <a:rPr kumimoji="0" lang="zh-CN" altLang="zh-CN" sz="900" b="0" i="0" u="none" strike="noStrike" cap="none" normalizeH="0" baseline="0">
-                <a:ln>
-                  <a:noFill/>
-                </a:ln>
-                <a:solidFill>
-                  <a:srgbClr val="BCBEC4"/>
-                </a:solidFill>
-                <a:effectLst/>
-                <a:latin typeface="Arial Unicode MS" panose="020B0604020202020204" charset="-122"/>
-                <a:ea typeface="JetBrains Mono"/>
-              </a:rPr>
-            </a:br>
-            <a:r>
-              <a:rPr kumimoji="0" lang="zh-CN" altLang="zh-CN" sz="900" b="0" i="0" u="none" strike="noStrike" cap="none" normalizeH="0" baseline="0">
-                <a:ln>
-                  <a:noFill/>
-                </a:ln>
-                <a:solidFill>
-                  <a:srgbClr val="BCBEC4"/>
-                </a:solidFill>
-                <a:effectLst/>
-                <a:latin typeface="Arial Unicode MS" panose="020B0604020202020204" charset="-122"/>
-                <a:ea typeface="JetBrains Mono"/>
-              </a:rPr>
-              <a:t>    </a:t>
-            </a:r>
-            <a:r>
-              <a:rPr kumimoji="0" lang="zh-CN" altLang="zh-CN" sz="900" b="0" i="0" u="none" strike="noStrike" cap="none" normalizeH="0" baseline="0">
-                <a:ln>
-                  <a:noFill/>
-                </a:ln>
-                <a:solidFill>
-                  <a:srgbClr val="CF8E6D"/>
-                </a:solidFill>
-                <a:effectLst/>
-                <a:latin typeface="Arial Unicode MS" panose="020B0604020202020204" charset="-122"/>
-                <a:ea typeface="JetBrains Mono"/>
-              </a:rPr>
-              <a:t>elif </a:t>
-            </a:r>
-            <a:r>
-              <a:rPr kumimoji="0" lang="zh-CN" altLang="zh-CN" sz="900" b="0" i="0" u="none" strike="noStrike" cap="none" normalizeH="0" baseline="0">
-                <a:ln>
-                  <a:noFill/>
-                </a:ln>
-                <a:solidFill>
-                  <a:srgbClr val="BCBEC4"/>
-                </a:solidFill>
-                <a:effectLst/>
-                <a:latin typeface="Arial Unicode MS" panose="020B0604020202020204" charset="-122"/>
-                <a:ea typeface="JetBrains Mono"/>
-              </a:rPr>
-              <a:t>factor == </a:t>
-            </a:r>
-            <a:r>
-              <a:rPr kumimoji="0" lang="zh-CN" altLang="zh-CN" sz="900" b="0" i="0" u="none" strike="noStrike" cap="none" normalizeH="0" baseline="0">
-                <a:ln>
-                  <a:noFill/>
-                </a:ln>
-                <a:solidFill>
-                  <a:srgbClr val="2AACB8"/>
-                </a:solidFill>
-                <a:effectLst/>
-                <a:latin typeface="Arial Unicode MS" panose="020B0604020202020204" charset="-122"/>
-                <a:ea typeface="JetBrains Mono"/>
-              </a:rPr>
-              <a:t>2</a:t>
-            </a:r>
-            <a:r>
-              <a:rPr kumimoji="0" lang="zh-CN" altLang="zh-CN" sz="900" b="0" i="0" u="none" strike="noStrike" cap="none" normalizeH="0" baseline="0">
-                <a:ln>
-                  <a:noFill/>
-                </a:ln>
-                <a:solidFill>
-                  <a:srgbClr val="BCBEC4"/>
-                </a:solidFill>
-                <a:effectLst/>
-                <a:latin typeface="Arial Unicode MS" panose="020B0604020202020204" charset="-122"/>
-                <a:ea typeface="JetBrains Mono"/>
-              </a:rPr>
-              <a:t>:</a:t>
-            </a:r>
-            <a:br>
-              <a:rPr kumimoji="0" lang="zh-CN" altLang="zh-CN" sz="900" b="0" i="0" u="none" strike="noStrike" cap="none" normalizeH="0" baseline="0">
-                <a:ln>
-                  <a:noFill/>
-                </a:ln>
-                <a:solidFill>
-                  <a:srgbClr val="BCBEC4"/>
-                </a:solidFill>
-                <a:effectLst/>
-                <a:latin typeface="Arial Unicode MS" panose="020B0604020202020204" charset="-122"/>
-                <a:ea typeface="JetBrains Mono"/>
-              </a:rPr>
-            </a:br>
-            <a:r>
-              <a:rPr kumimoji="0" lang="zh-CN" altLang="zh-CN" sz="900" b="0" i="0" u="none" strike="noStrike" cap="none" normalizeH="0" baseline="0">
-                <a:ln>
-                  <a:noFill/>
-                </a:ln>
-                <a:solidFill>
-                  <a:srgbClr val="BCBEC4"/>
-                </a:solidFill>
-                <a:effectLst/>
-                <a:latin typeface="Arial Unicode MS" panose="020B0604020202020204" charset="-122"/>
-                <a:ea typeface="JetBrains Mono"/>
-              </a:rPr>
-              <a:t>        probability = </a:t>
-            </a:r>
-            <a:r>
-              <a:rPr kumimoji="0" lang="zh-CN" altLang="zh-CN" sz="900" b="0" i="0" u="none" strike="noStrike" cap="none" normalizeH="0" baseline="0">
-                <a:ln>
-                  <a:noFill/>
-                </a:ln>
-                <a:solidFill>
-                  <a:srgbClr val="2AACB8"/>
-                </a:solidFill>
-                <a:effectLst/>
-                <a:latin typeface="Arial Unicode MS" panose="020B0604020202020204" charset="-122"/>
-                <a:ea typeface="JetBrains Mono"/>
-              </a:rPr>
-              <a:t>0.4</a:t>
-            </a:r>
-            <a:br>
-              <a:rPr kumimoji="0" lang="zh-CN" altLang="zh-CN" sz="900" b="0" i="0" u="none" strike="noStrike" cap="none" normalizeH="0" baseline="0">
-                <a:ln>
-                  <a:noFill/>
-                </a:ln>
-                <a:solidFill>
-                  <a:srgbClr val="2AACB8"/>
-                </a:solidFill>
-                <a:effectLst/>
-                <a:latin typeface="Arial Unicode MS" panose="020B0604020202020204" charset="-122"/>
-                <a:ea typeface="JetBrains Mono"/>
-              </a:rPr>
-            </a:br>
-            <a:r>
-              <a:rPr kumimoji="0" lang="zh-CN" altLang="zh-CN" sz="900" b="0" i="0" u="none" strike="noStrike" cap="none" normalizeH="0" baseline="0">
-                <a:ln>
-                  <a:noFill/>
-                </a:ln>
-                <a:solidFill>
-                  <a:srgbClr val="2AACB8"/>
-                </a:solidFill>
-                <a:effectLst/>
-                <a:latin typeface="Arial Unicode MS" panose="020B0604020202020204" charset="-122"/>
-                <a:ea typeface="JetBrains Mono"/>
-              </a:rPr>
-              <a:t>        </a:t>
-            </a:r>
-            <a:r>
-              <a:rPr kumimoji="0" lang="zh-CN" altLang="zh-CN" sz="900" b="0" i="0" u="none" strike="noStrike" cap="none" normalizeH="0" baseline="0">
-                <a:ln>
-                  <a:noFill/>
-                </a:ln>
-                <a:solidFill>
-                  <a:srgbClr val="BCBEC4"/>
-                </a:solidFill>
-                <a:effectLst/>
-                <a:latin typeface="Arial Unicode MS" panose="020B0604020202020204" charset="-122"/>
-                <a:ea typeface="JetBrains Mono"/>
-              </a:rPr>
-              <a:t>amount = </a:t>
-            </a:r>
-            <a:r>
-              <a:rPr kumimoji="0" lang="zh-CN" altLang="zh-CN" sz="900" b="0" i="0" u="none" strike="noStrike" cap="none" normalizeH="0" baseline="0">
-                <a:ln>
-                  <a:noFill/>
-                </a:ln>
-                <a:solidFill>
-                  <a:srgbClr val="2AACB8"/>
-                </a:solidFill>
-                <a:effectLst/>
-                <a:latin typeface="Arial Unicode MS" panose="020B0604020202020204" charset="-122"/>
-                <a:ea typeface="JetBrains Mono"/>
-              </a:rPr>
-              <a:t>0.04</a:t>
-            </a:r>
-            <a:br>
-              <a:rPr kumimoji="0" lang="zh-CN" altLang="zh-CN" sz="900" b="0" i="0" u="none" strike="noStrike" cap="none" normalizeH="0" baseline="0">
-                <a:ln>
-                  <a:noFill/>
-                </a:ln>
-                <a:solidFill>
-                  <a:srgbClr val="2AACB8"/>
-                </a:solidFill>
-                <a:effectLst/>
-                <a:latin typeface="Arial Unicode MS" panose="020B0604020202020204" charset="-122"/>
-                <a:ea typeface="JetBrains Mono"/>
-              </a:rPr>
-            </a:br>
-            <a:br>
-              <a:rPr kumimoji="0" lang="zh-CN" altLang="zh-CN" sz="900" b="0" i="0" u="none" strike="noStrike" cap="none" normalizeH="0" baseline="0">
-                <a:ln>
-                  <a:noFill/>
-                </a:ln>
-                <a:solidFill>
-                  <a:srgbClr val="2AACB8"/>
-                </a:solidFill>
-                <a:effectLst/>
-                <a:latin typeface="Arial Unicode MS" panose="020B0604020202020204" charset="-122"/>
-                <a:ea typeface="JetBrains Mono"/>
-              </a:rPr>
-            </a:br>
-            <a:r>
-              <a:rPr kumimoji="0" lang="zh-CN" altLang="zh-CN" sz="900" b="0" i="0" u="none" strike="noStrike" cap="none" normalizeH="0" baseline="0">
-                <a:ln>
-                  <a:noFill/>
-                </a:ln>
-                <a:solidFill>
-                  <a:srgbClr val="2AACB8"/>
-                </a:solidFill>
-                <a:effectLst/>
-                <a:latin typeface="Arial Unicode MS" panose="020B0604020202020204" charset="-122"/>
-                <a:ea typeface="JetBrains Mono"/>
-              </a:rPr>
-              <a:t>        </a:t>
-            </a:r>
-            <a:r>
-              <a:rPr kumimoji="0" lang="zh-CN" altLang="zh-CN" sz="900" b="0" i="0" u="none" strike="noStrike" cap="none" normalizeH="0" baseline="0">
-                <a:ln>
-                  <a:noFill/>
-                </a:ln>
-                <a:solidFill>
-                  <a:srgbClr val="BCBEC4"/>
-                </a:solidFill>
-                <a:effectLst/>
-                <a:latin typeface="Arial Unicode MS" panose="020B0604020202020204" charset="-122"/>
-                <a:ea typeface="JetBrains Mono"/>
-              </a:rPr>
-              <a:t>noisy_image = np.copy(input)</a:t>
-            </a:r>
-            <a:br>
-              <a:rPr kumimoji="0" lang="zh-CN" altLang="zh-CN" sz="900" b="0" i="0" u="none" strike="noStrike" cap="none" normalizeH="0" baseline="0">
-                <a:ln>
-                  <a:noFill/>
-                </a:ln>
-                <a:solidFill>
-                  <a:srgbClr val="BCBEC4"/>
-                </a:solidFill>
-                <a:effectLst/>
-                <a:latin typeface="Arial Unicode MS" panose="020B0604020202020204" charset="-122"/>
-                <a:ea typeface="JetBrains Mono"/>
-              </a:rPr>
-            </a:br>
-            <a:r>
-              <a:rPr kumimoji="0" lang="zh-CN" altLang="zh-CN" sz="900" b="0" i="0" u="none" strike="noStrike" cap="none" normalizeH="0" baseline="0">
-                <a:ln>
-                  <a:noFill/>
-                </a:ln>
-                <a:solidFill>
-                  <a:srgbClr val="BCBEC4"/>
-                </a:solidFill>
-                <a:effectLst/>
-                <a:latin typeface="Arial Unicode MS" panose="020B0604020202020204" charset="-122"/>
-                <a:ea typeface="JetBrains Mono"/>
-              </a:rPr>
-              <a:t>        num = np.ceil(amount * input.size * probability)</a:t>
-            </a:r>
-            <a:br>
-              <a:rPr kumimoji="0" lang="zh-CN" altLang="zh-CN" sz="900" b="0" i="0" u="none" strike="noStrike" cap="none" normalizeH="0" baseline="0">
-                <a:ln>
-                  <a:noFill/>
-                </a:ln>
-                <a:solidFill>
-                  <a:srgbClr val="BCBEC4"/>
-                </a:solidFill>
-                <a:effectLst/>
-                <a:latin typeface="Arial Unicode MS" panose="020B0604020202020204" charset="-122"/>
-                <a:ea typeface="JetBrains Mono"/>
-              </a:rPr>
-            </a:br>
-            <a:r>
-              <a:rPr kumimoji="0" lang="zh-CN" altLang="zh-CN" sz="900" b="0" i="0" u="none" strike="noStrike" cap="none" normalizeH="0" baseline="0">
-                <a:ln>
-                  <a:noFill/>
-                </a:ln>
-                <a:solidFill>
-                  <a:srgbClr val="BCBEC4"/>
-                </a:solidFill>
-                <a:effectLst/>
-                <a:latin typeface="Arial Unicode MS" panose="020B0604020202020204" charset="-122"/>
-                <a:ea typeface="JetBrains Mono"/>
-              </a:rPr>
-              <a:t>        coordinate = [np.random.randint(</a:t>
-            </a:r>
-            <a:r>
-              <a:rPr kumimoji="0" lang="zh-CN" altLang="zh-CN" sz="900" b="0" i="0" u="none" strike="noStrike" cap="none" normalizeH="0" baseline="0">
-                <a:ln>
-                  <a:noFill/>
-                </a:ln>
-                <a:solidFill>
-                  <a:srgbClr val="2AACB8"/>
-                </a:solidFill>
-                <a:effectLst/>
-                <a:latin typeface="Arial Unicode MS" panose="020B0604020202020204" charset="-122"/>
-                <a:ea typeface="JetBrains Mono"/>
-              </a:rPr>
-              <a:t>0</a:t>
-            </a:r>
-            <a:r>
-              <a:rPr kumimoji="0" lang="zh-CN" altLang="zh-CN" sz="900" b="0" i="0" u="none" strike="noStrike" cap="none" normalizeH="0" baseline="0">
-                <a:ln>
-                  <a:noFill/>
-                </a:ln>
-                <a:solidFill>
-                  <a:srgbClr val="BCBEC4"/>
-                </a:solidFill>
-                <a:effectLst/>
-                <a:latin typeface="Arial Unicode MS" panose="020B0604020202020204" charset="-122"/>
-                <a:ea typeface="JetBrains Mono"/>
-              </a:rPr>
-              <a:t>, i - </a:t>
-            </a:r>
-            <a:r>
-              <a:rPr kumimoji="0" lang="zh-CN" altLang="zh-CN" sz="900" b="0" i="0" u="none" strike="noStrike" cap="none" normalizeH="0" baseline="0">
-                <a:ln>
-                  <a:noFill/>
-                </a:ln>
-                <a:solidFill>
-                  <a:srgbClr val="2AACB8"/>
-                </a:solidFill>
-                <a:effectLst/>
-                <a:latin typeface="Arial Unicode MS" panose="020B0604020202020204" charset="-122"/>
-                <a:ea typeface="JetBrains Mono"/>
-              </a:rPr>
-              <a:t>1</a:t>
-            </a:r>
-            <a:r>
-              <a:rPr kumimoji="0" lang="zh-CN" altLang="zh-CN" sz="900" b="0" i="0" u="none" strike="noStrike" cap="none" normalizeH="0" baseline="0">
-                <a:ln>
-                  <a:noFill/>
-                </a:ln>
-                <a:solidFill>
-                  <a:srgbClr val="BCBEC4"/>
-                </a:solidFill>
-                <a:effectLst/>
-                <a:latin typeface="Arial Unicode MS" panose="020B0604020202020204" charset="-122"/>
-                <a:ea typeface="JetBrains Mono"/>
-              </a:rPr>
-              <a:t>, </a:t>
-            </a:r>
-            <a:r>
-              <a:rPr kumimoji="0" lang="zh-CN" altLang="zh-CN" sz="900" b="0" i="0" u="none" strike="noStrike" cap="none" normalizeH="0" baseline="0">
-                <a:ln>
-                  <a:noFill/>
-                </a:ln>
-                <a:solidFill>
-                  <a:srgbClr val="8888C6"/>
-                </a:solidFill>
-                <a:effectLst/>
-                <a:latin typeface="Arial Unicode MS" panose="020B0604020202020204" charset="-122"/>
-                <a:ea typeface="JetBrains Mono"/>
-              </a:rPr>
-              <a:t>int</a:t>
-            </a:r>
-            <a:r>
-              <a:rPr kumimoji="0" lang="zh-CN" altLang="zh-CN" sz="900" b="0" i="0" u="none" strike="noStrike" cap="none" normalizeH="0" baseline="0">
-                <a:ln>
-                  <a:noFill/>
-                </a:ln>
-                <a:solidFill>
-                  <a:srgbClr val="BCBEC4"/>
-                </a:solidFill>
-                <a:effectLst/>
-                <a:latin typeface="Arial Unicode MS" panose="020B0604020202020204" charset="-122"/>
-                <a:ea typeface="JetBrains Mono"/>
-              </a:rPr>
-              <a:t>(num)) </a:t>
-            </a:r>
-            <a:r>
-              <a:rPr kumimoji="0" lang="zh-CN" altLang="zh-CN" sz="900" b="0" i="0" u="none" strike="noStrike" cap="none" normalizeH="0" baseline="0">
-                <a:ln>
-                  <a:noFill/>
-                </a:ln>
-                <a:solidFill>
-                  <a:srgbClr val="CF8E6D"/>
-                </a:solidFill>
-                <a:effectLst/>
-                <a:latin typeface="Arial Unicode MS" panose="020B0604020202020204" charset="-122"/>
-                <a:ea typeface="JetBrains Mono"/>
-              </a:rPr>
-              <a:t>for </a:t>
-            </a:r>
-            <a:r>
-              <a:rPr kumimoji="0" lang="zh-CN" altLang="zh-CN" sz="900" b="0" i="0" u="none" strike="noStrike" cap="none" normalizeH="0" baseline="0">
-                <a:ln>
-                  <a:noFill/>
-                </a:ln>
-                <a:solidFill>
-                  <a:srgbClr val="BCBEC4"/>
-                </a:solidFill>
-                <a:effectLst/>
-                <a:latin typeface="Arial Unicode MS" panose="020B0604020202020204" charset="-122"/>
-                <a:ea typeface="JetBrains Mono"/>
-              </a:rPr>
-              <a:t>i </a:t>
-            </a:r>
-            <a:r>
-              <a:rPr kumimoji="0" lang="zh-CN" altLang="zh-CN" sz="900" b="0" i="0" u="none" strike="noStrike" cap="none" normalizeH="0" baseline="0">
-                <a:ln>
-                  <a:noFill/>
-                </a:ln>
-                <a:solidFill>
-                  <a:srgbClr val="CF8E6D"/>
-                </a:solidFill>
-                <a:effectLst/>
-                <a:latin typeface="Arial Unicode MS" panose="020B0604020202020204" charset="-122"/>
-                <a:ea typeface="JetBrains Mono"/>
-              </a:rPr>
-              <a:t>in </a:t>
-            </a:r>
-            <a:r>
-              <a:rPr kumimoji="0" lang="zh-CN" altLang="zh-CN" sz="900" b="0" i="0" u="none" strike="noStrike" cap="none" normalizeH="0" baseline="0">
-                <a:ln>
-                  <a:noFill/>
-                </a:ln>
-                <a:solidFill>
-                  <a:srgbClr val="BCBEC4"/>
-                </a:solidFill>
-                <a:effectLst/>
-                <a:latin typeface="Arial Unicode MS" panose="020B0604020202020204" charset="-122"/>
-                <a:ea typeface="JetBrains Mono"/>
-              </a:rPr>
-              <a:t>input.shape]</a:t>
-            </a:r>
-            <a:br>
-              <a:rPr kumimoji="0" lang="zh-CN" altLang="zh-CN" sz="900" b="0" i="0" u="none" strike="noStrike" cap="none" normalizeH="0" baseline="0">
-                <a:ln>
-                  <a:noFill/>
-                </a:ln>
-                <a:solidFill>
-                  <a:srgbClr val="BCBEC4"/>
-                </a:solidFill>
-                <a:effectLst/>
-                <a:latin typeface="Arial Unicode MS" panose="020B0604020202020204" charset="-122"/>
-                <a:ea typeface="JetBrains Mono"/>
-              </a:rPr>
-            </a:br>
-            <a:r>
-              <a:rPr kumimoji="0" lang="zh-CN" altLang="zh-CN" sz="900" b="0" i="0" u="none" strike="noStrike" cap="none" normalizeH="0" baseline="0">
-                <a:ln>
-                  <a:noFill/>
-                </a:ln>
-                <a:solidFill>
-                  <a:srgbClr val="BCBEC4"/>
-                </a:solidFill>
-                <a:effectLst/>
-                <a:latin typeface="Arial Unicode MS" panose="020B0604020202020204" charset="-122"/>
-                <a:ea typeface="JetBrains Mono"/>
-              </a:rPr>
-              <a:t>        noisy_image[coordinate[</a:t>
-            </a:r>
-            <a:r>
-              <a:rPr kumimoji="0" lang="zh-CN" altLang="zh-CN" sz="900" b="0" i="0" u="none" strike="noStrike" cap="none" normalizeH="0" baseline="0">
-                <a:ln>
-                  <a:noFill/>
-                </a:ln>
-                <a:solidFill>
-                  <a:srgbClr val="2AACB8"/>
-                </a:solidFill>
-                <a:effectLst/>
-                <a:latin typeface="Arial Unicode MS" panose="020B0604020202020204" charset="-122"/>
-                <a:ea typeface="JetBrains Mono"/>
-              </a:rPr>
-              <a:t>0</a:t>
-            </a:r>
-            <a:r>
-              <a:rPr kumimoji="0" lang="zh-CN" altLang="zh-CN" sz="900" b="0" i="0" u="none" strike="noStrike" cap="none" normalizeH="0" baseline="0">
-                <a:ln>
-                  <a:noFill/>
-                </a:ln>
-                <a:solidFill>
-                  <a:srgbClr val="BCBEC4"/>
-                </a:solidFill>
-                <a:effectLst/>
-                <a:latin typeface="Arial Unicode MS" panose="020B0604020202020204" charset="-122"/>
-                <a:ea typeface="JetBrains Mono"/>
-              </a:rPr>
-              <a:t>], coordinate[</a:t>
-            </a:r>
-            <a:r>
-              <a:rPr kumimoji="0" lang="zh-CN" altLang="zh-CN" sz="900" b="0" i="0" u="none" strike="noStrike" cap="none" normalizeH="0" baseline="0">
-                <a:ln>
-                  <a:noFill/>
-                </a:ln>
-                <a:solidFill>
-                  <a:srgbClr val="2AACB8"/>
-                </a:solidFill>
-                <a:effectLst/>
-                <a:latin typeface="Arial Unicode MS" panose="020B0604020202020204" charset="-122"/>
-                <a:ea typeface="JetBrains Mono"/>
-              </a:rPr>
-              <a:t>1</a:t>
-            </a:r>
-            <a:r>
-              <a:rPr kumimoji="0" lang="zh-CN" altLang="zh-CN" sz="900" b="0" i="0" u="none" strike="noStrike" cap="none" normalizeH="0" baseline="0">
-                <a:ln>
-                  <a:noFill/>
-                </a:ln>
-                <a:solidFill>
-                  <a:srgbClr val="BCBEC4"/>
-                </a:solidFill>
-                <a:effectLst/>
-                <a:latin typeface="Arial Unicode MS" panose="020B0604020202020204" charset="-122"/>
-                <a:ea typeface="JetBrains Mono"/>
-              </a:rPr>
-              <a:t>]] = </a:t>
-            </a:r>
-            <a:r>
-              <a:rPr kumimoji="0" lang="zh-CN" altLang="zh-CN" sz="900" b="0" i="0" u="none" strike="noStrike" cap="none" normalizeH="0" baseline="0">
-                <a:ln>
-                  <a:noFill/>
-                </a:ln>
-                <a:solidFill>
-                  <a:srgbClr val="2AACB8"/>
-                </a:solidFill>
-                <a:effectLst/>
-                <a:latin typeface="Arial Unicode MS" panose="020B0604020202020204" charset="-122"/>
-                <a:ea typeface="JetBrains Mono"/>
-              </a:rPr>
-              <a:t>255</a:t>
-            </a:r>
-            <a:br>
-              <a:rPr kumimoji="0" lang="zh-CN" altLang="zh-CN" sz="900" b="0" i="0" u="none" strike="noStrike" cap="none" normalizeH="0" baseline="0">
-                <a:ln>
-                  <a:noFill/>
-                </a:ln>
-                <a:solidFill>
-                  <a:srgbClr val="2AACB8"/>
-                </a:solidFill>
-                <a:effectLst/>
-                <a:latin typeface="Arial Unicode MS" panose="020B0604020202020204" charset="-122"/>
-                <a:ea typeface="JetBrains Mono"/>
-              </a:rPr>
-            </a:br>
-            <a:br>
-              <a:rPr kumimoji="0" lang="zh-CN" altLang="zh-CN" sz="900" b="0" i="0" u="none" strike="noStrike" cap="none" normalizeH="0" baseline="0">
-                <a:ln>
-                  <a:noFill/>
-                </a:ln>
-                <a:solidFill>
-                  <a:srgbClr val="2AACB8"/>
-                </a:solidFill>
-                <a:effectLst/>
-                <a:latin typeface="Arial Unicode MS" panose="020B0604020202020204" charset="-122"/>
-                <a:ea typeface="JetBrains Mono"/>
-              </a:rPr>
-            </a:br>
-            <a:r>
-              <a:rPr kumimoji="0" lang="zh-CN" altLang="zh-CN" sz="900" b="0" i="0" u="none" strike="noStrike" cap="none" normalizeH="0" baseline="0">
-                <a:ln>
-                  <a:noFill/>
-                </a:ln>
-                <a:solidFill>
-                  <a:srgbClr val="2AACB8"/>
-                </a:solidFill>
-                <a:effectLst/>
-                <a:latin typeface="Arial Unicode MS" panose="020B0604020202020204" charset="-122"/>
-                <a:ea typeface="JetBrains Mono"/>
-              </a:rPr>
-              <a:t>        </a:t>
-            </a:r>
-            <a:r>
-              <a:rPr kumimoji="0" lang="zh-CN" altLang="zh-CN" sz="900" b="0" i="0" u="none" strike="noStrike" cap="none" normalizeH="0" baseline="0">
-                <a:ln>
-                  <a:noFill/>
-                </a:ln>
-                <a:solidFill>
-                  <a:srgbClr val="BCBEC4"/>
-                </a:solidFill>
-                <a:effectLst/>
-                <a:latin typeface="Arial Unicode MS" panose="020B0604020202020204" charset="-122"/>
-                <a:ea typeface="JetBrains Mono"/>
-              </a:rPr>
-              <a:t>num_pepper = np.ceil(amount * input.size * probability)</a:t>
-            </a:r>
-            <a:br>
-              <a:rPr kumimoji="0" lang="zh-CN" altLang="zh-CN" sz="900" b="0" i="0" u="none" strike="noStrike" cap="none" normalizeH="0" baseline="0">
-                <a:ln>
-                  <a:noFill/>
-                </a:ln>
-                <a:solidFill>
-                  <a:srgbClr val="BCBEC4"/>
-                </a:solidFill>
-                <a:effectLst/>
-                <a:latin typeface="Arial Unicode MS" panose="020B0604020202020204" charset="-122"/>
-                <a:ea typeface="JetBrains Mono"/>
-              </a:rPr>
-            </a:br>
-            <a:r>
-              <a:rPr kumimoji="0" lang="zh-CN" altLang="zh-CN" sz="900" b="0" i="0" u="none" strike="noStrike" cap="none" normalizeH="0" baseline="0">
-                <a:ln>
-                  <a:noFill/>
-                </a:ln>
-                <a:solidFill>
-                  <a:srgbClr val="BCBEC4"/>
-                </a:solidFill>
-                <a:effectLst/>
-                <a:latin typeface="Arial Unicode MS" panose="020B0604020202020204" charset="-122"/>
-                <a:ea typeface="JetBrains Mono"/>
-              </a:rPr>
-              <a:t>        coordinate = [np.random.randint(</a:t>
-            </a:r>
-            <a:r>
-              <a:rPr kumimoji="0" lang="zh-CN" altLang="zh-CN" sz="900" b="0" i="0" u="none" strike="noStrike" cap="none" normalizeH="0" baseline="0">
-                <a:ln>
-                  <a:noFill/>
-                </a:ln>
-                <a:solidFill>
-                  <a:srgbClr val="2AACB8"/>
-                </a:solidFill>
-                <a:effectLst/>
-                <a:latin typeface="Arial Unicode MS" panose="020B0604020202020204" charset="-122"/>
-                <a:ea typeface="JetBrains Mono"/>
-              </a:rPr>
-              <a:t>0</a:t>
-            </a:r>
-            <a:r>
-              <a:rPr kumimoji="0" lang="zh-CN" altLang="zh-CN" sz="900" b="0" i="0" u="none" strike="noStrike" cap="none" normalizeH="0" baseline="0">
-                <a:ln>
-                  <a:noFill/>
-                </a:ln>
-                <a:solidFill>
-                  <a:srgbClr val="BCBEC4"/>
-                </a:solidFill>
-                <a:effectLst/>
-                <a:latin typeface="Arial Unicode MS" panose="020B0604020202020204" charset="-122"/>
-                <a:ea typeface="JetBrains Mono"/>
-              </a:rPr>
-              <a:t>, i - </a:t>
-            </a:r>
-            <a:r>
-              <a:rPr kumimoji="0" lang="zh-CN" altLang="zh-CN" sz="900" b="0" i="0" u="none" strike="noStrike" cap="none" normalizeH="0" baseline="0">
-                <a:ln>
-                  <a:noFill/>
-                </a:ln>
-                <a:solidFill>
-                  <a:srgbClr val="2AACB8"/>
-                </a:solidFill>
-                <a:effectLst/>
-                <a:latin typeface="Arial Unicode MS" panose="020B0604020202020204" charset="-122"/>
-                <a:ea typeface="JetBrains Mono"/>
-              </a:rPr>
-              <a:t>1</a:t>
-            </a:r>
-            <a:r>
-              <a:rPr kumimoji="0" lang="zh-CN" altLang="zh-CN" sz="900" b="0" i="0" u="none" strike="noStrike" cap="none" normalizeH="0" baseline="0">
-                <a:ln>
-                  <a:noFill/>
-                </a:ln>
-                <a:solidFill>
-                  <a:srgbClr val="BCBEC4"/>
-                </a:solidFill>
-                <a:effectLst/>
-                <a:latin typeface="Arial Unicode MS" panose="020B0604020202020204" charset="-122"/>
-                <a:ea typeface="JetBrains Mono"/>
-              </a:rPr>
-              <a:t>, </a:t>
-            </a:r>
-            <a:r>
-              <a:rPr kumimoji="0" lang="zh-CN" altLang="zh-CN" sz="900" b="0" i="0" u="none" strike="noStrike" cap="none" normalizeH="0" baseline="0">
-                <a:ln>
-                  <a:noFill/>
-                </a:ln>
-                <a:solidFill>
-                  <a:srgbClr val="8888C6"/>
-                </a:solidFill>
-                <a:effectLst/>
-                <a:latin typeface="Arial Unicode MS" panose="020B0604020202020204" charset="-122"/>
-                <a:ea typeface="JetBrains Mono"/>
-              </a:rPr>
-              <a:t>int</a:t>
-            </a:r>
-            <a:r>
-              <a:rPr kumimoji="0" lang="zh-CN" altLang="zh-CN" sz="900" b="0" i="0" u="none" strike="noStrike" cap="none" normalizeH="0" baseline="0">
-                <a:ln>
-                  <a:noFill/>
-                </a:ln>
-                <a:solidFill>
-                  <a:srgbClr val="BCBEC4"/>
-                </a:solidFill>
-                <a:effectLst/>
-                <a:latin typeface="Arial Unicode MS" panose="020B0604020202020204" charset="-122"/>
-                <a:ea typeface="JetBrains Mono"/>
-              </a:rPr>
-              <a:t>(num_pepper)) </a:t>
-            </a:r>
-            <a:r>
-              <a:rPr kumimoji="0" lang="zh-CN" altLang="zh-CN" sz="900" b="0" i="0" u="none" strike="noStrike" cap="none" normalizeH="0" baseline="0">
-                <a:ln>
-                  <a:noFill/>
-                </a:ln>
-                <a:solidFill>
-                  <a:srgbClr val="CF8E6D"/>
-                </a:solidFill>
-                <a:effectLst/>
-                <a:latin typeface="Arial Unicode MS" panose="020B0604020202020204" charset="-122"/>
-                <a:ea typeface="JetBrains Mono"/>
-              </a:rPr>
-              <a:t>for </a:t>
-            </a:r>
-            <a:r>
-              <a:rPr kumimoji="0" lang="zh-CN" altLang="zh-CN" sz="900" b="0" i="0" u="none" strike="noStrike" cap="none" normalizeH="0" baseline="0">
-                <a:ln>
-                  <a:noFill/>
-                </a:ln>
-                <a:solidFill>
-                  <a:srgbClr val="BCBEC4"/>
-                </a:solidFill>
-                <a:effectLst/>
-                <a:latin typeface="Arial Unicode MS" panose="020B0604020202020204" charset="-122"/>
-                <a:ea typeface="JetBrains Mono"/>
-              </a:rPr>
-              <a:t>i </a:t>
-            </a:r>
-            <a:r>
-              <a:rPr kumimoji="0" lang="zh-CN" altLang="zh-CN" sz="900" b="0" i="0" u="none" strike="noStrike" cap="none" normalizeH="0" baseline="0">
-                <a:ln>
-                  <a:noFill/>
-                </a:ln>
-                <a:solidFill>
-                  <a:srgbClr val="CF8E6D"/>
-                </a:solidFill>
-                <a:effectLst/>
-                <a:latin typeface="Arial Unicode MS" panose="020B0604020202020204" charset="-122"/>
-                <a:ea typeface="JetBrains Mono"/>
-              </a:rPr>
-              <a:t>in </a:t>
-            </a:r>
-            <a:r>
-              <a:rPr kumimoji="0" lang="zh-CN" altLang="zh-CN" sz="900" b="0" i="0" u="none" strike="noStrike" cap="none" normalizeH="0" baseline="0">
-                <a:ln>
-                  <a:noFill/>
-                </a:ln>
-                <a:solidFill>
-                  <a:srgbClr val="BCBEC4"/>
-                </a:solidFill>
-                <a:effectLst/>
-                <a:latin typeface="Arial Unicode MS" panose="020B0604020202020204" charset="-122"/>
-                <a:ea typeface="JetBrains Mono"/>
-              </a:rPr>
-              <a:t>input.shape]</a:t>
-            </a:r>
-            <a:br>
-              <a:rPr kumimoji="0" lang="zh-CN" altLang="zh-CN" sz="900" b="0" i="0" u="none" strike="noStrike" cap="none" normalizeH="0" baseline="0">
-                <a:ln>
-                  <a:noFill/>
-                </a:ln>
-                <a:solidFill>
-                  <a:srgbClr val="BCBEC4"/>
-                </a:solidFill>
-                <a:effectLst/>
-                <a:latin typeface="Arial Unicode MS" panose="020B0604020202020204" charset="-122"/>
-                <a:ea typeface="JetBrains Mono"/>
-              </a:rPr>
-            </a:br>
-            <a:r>
-              <a:rPr kumimoji="0" lang="zh-CN" altLang="zh-CN" sz="900" b="0" i="0" u="none" strike="noStrike" cap="none" normalizeH="0" baseline="0">
-                <a:ln>
-                  <a:noFill/>
-                </a:ln>
-                <a:solidFill>
-                  <a:srgbClr val="BCBEC4"/>
-                </a:solidFill>
-                <a:effectLst/>
-                <a:latin typeface="Arial Unicode MS" panose="020B0604020202020204" charset="-122"/>
-                <a:ea typeface="JetBrains Mono"/>
-              </a:rPr>
-              <a:t>        noisy_image[coordinate[</a:t>
-            </a:r>
-            <a:r>
-              <a:rPr kumimoji="0" lang="zh-CN" altLang="zh-CN" sz="900" b="0" i="0" u="none" strike="noStrike" cap="none" normalizeH="0" baseline="0">
-                <a:ln>
-                  <a:noFill/>
-                </a:ln>
-                <a:solidFill>
-                  <a:srgbClr val="2AACB8"/>
-                </a:solidFill>
-                <a:effectLst/>
-                <a:latin typeface="Arial Unicode MS" panose="020B0604020202020204" charset="-122"/>
-                <a:ea typeface="JetBrains Mono"/>
-              </a:rPr>
-              <a:t>0</a:t>
-            </a:r>
-            <a:r>
-              <a:rPr kumimoji="0" lang="zh-CN" altLang="zh-CN" sz="900" b="0" i="0" u="none" strike="noStrike" cap="none" normalizeH="0" baseline="0">
-                <a:ln>
-                  <a:noFill/>
-                </a:ln>
-                <a:solidFill>
-                  <a:srgbClr val="BCBEC4"/>
-                </a:solidFill>
-                <a:effectLst/>
-                <a:latin typeface="Arial Unicode MS" panose="020B0604020202020204" charset="-122"/>
-                <a:ea typeface="JetBrains Mono"/>
-              </a:rPr>
-              <a:t>], coordinate[</a:t>
-            </a:r>
-            <a:r>
-              <a:rPr kumimoji="0" lang="zh-CN" altLang="zh-CN" sz="900" b="0" i="0" u="none" strike="noStrike" cap="none" normalizeH="0" baseline="0">
-                <a:ln>
-                  <a:noFill/>
-                </a:ln>
-                <a:solidFill>
-                  <a:srgbClr val="2AACB8"/>
-                </a:solidFill>
-                <a:effectLst/>
-                <a:latin typeface="Arial Unicode MS" panose="020B0604020202020204" charset="-122"/>
-                <a:ea typeface="JetBrains Mono"/>
-              </a:rPr>
-              <a:t>1</a:t>
-            </a:r>
-            <a:r>
-              <a:rPr kumimoji="0" lang="zh-CN" altLang="zh-CN" sz="900" b="0" i="0" u="none" strike="noStrike" cap="none" normalizeH="0" baseline="0">
-                <a:ln>
-                  <a:noFill/>
-                </a:ln>
-                <a:solidFill>
-                  <a:srgbClr val="BCBEC4"/>
-                </a:solidFill>
-                <a:effectLst/>
-                <a:latin typeface="Arial Unicode MS" panose="020B0604020202020204" charset="-122"/>
-                <a:ea typeface="JetBrains Mono"/>
-              </a:rPr>
-              <a:t>]] = </a:t>
-            </a:r>
-            <a:r>
-              <a:rPr kumimoji="0" lang="zh-CN" altLang="zh-CN" sz="900" b="0" i="0" u="none" strike="noStrike" cap="none" normalizeH="0" baseline="0">
-                <a:ln>
-                  <a:noFill/>
-                </a:ln>
-                <a:solidFill>
-                  <a:srgbClr val="2AACB8"/>
-                </a:solidFill>
-                <a:effectLst/>
-                <a:latin typeface="Arial Unicode MS" panose="020B0604020202020204" charset="-122"/>
-                <a:ea typeface="JetBrains Mono"/>
-              </a:rPr>
-              <a:t>0</a:t>
-            </a:r>
-            <a:br>
-              <a:rPr kumimoji="0" lang="zh-CN" altLang="zh-CN" sz="900" b="0" i="0" u="none" strike="noStrike" cap="none" normalizeH="0" baseline="0">
-                <a:ln>
-                  <a:noFill/>
-                </a:ln>
-                <a:solidFill>
-                  <a:srgbClr val="2AACB8"/>
-                </a:solidFill>
-                <a:effectLst/>
-                <a:latin typeface="Arial Unicode MS" panose="020B0604020202020204" charset="-122"/>
-                <a:ea typeface="JetBrains Mono"/>
-              </a:rPr>
-            </a:br>
-            <a:br>
-              <a:rPr kumimoji="0" lang="zh-CN" altLang="zh-CN" sz="900" b="0" i="0" u="none" strike="noStrike" cap="none" normalizeH="0" baseline="0">
-                <a:ln>
-                  <a:noFill/>
-                </a:ln>
-                <a:solidFill>
-                  <a:srgbClr val="2AACB8"/>
-                </a:solidFill>
-                <a:effectLst/>
-                <a:latin typeface="Arial Unicode MS" panose="020B0604020202020204" charset="-122"/>
-                <a:ea typeface="JetBrains Mono"/>
-              </a:rPr>
-            </a:br>
-            <a:r>
-              <a:rPr kumimoji="0" lang="zh-CN" altLang="zh-CN" sz="900" b="0" i="0" u="none" strike="noStrike" cap="none" normalizeH="0" baseline="0">
-                <a:ln>
-                  <a:noFill/>
-                </a:ln>
-                <a:solidFill>
-                  <a:srgbClr val="2AACB8"/>
-                </a:solidFill>
-                <a:effectLst/>
-                <a:latin typeface="Arial Unicode MS" panose="020B0604020202020204" charset="-122"/>
-                <a:ea typeface="JetBrains Mono"/>
-              </a:rPr>
-              <a:t>    </a:t>
-            </a:r>
-            <a:r>
-              <a:rPr kumimoji="0" lang="zh-CN" altLang="zh-CN" sz="900" b="0" i="0" u="none" strike="noStrike" cap="none" normalizeH="0" baseline="0">
-                <a:ln>
-                  <a:noFill/>
-                </a:ln>
-                <a:solidFill>
-                  <a:srgbClr val="BCBEC4"/>
-                </a:solidFill>
-                <a:effectLst/>
-                <a:latin typeface="Arial Unicode MS" panose="020B0604020202020204" charset="-122"/>
-                <a:ea typeface="JetBrains Mono"/>
-              </a:rPr>
-              <a:t>cv2.imwrite(</a:t>
-            </a:r>
-            <a:r>
-              <a:rPr kumimoji="0" lang="zh-CN" altLang="zh-CN" sz="900" b="0" i="0" u="none" strike="noStrike" cap="none" normalizeH="0" baseline="0">
-                <a:ln>
-                  <a:noFill/>
-                </a:ln>
-                <a:solidFill>
-                  <a:srgbClr val="6AAB73"/>
-                </a:solidFill>
-                <a:effectLst/>
-                <a:latin typeface="Arial Unicode MS" panose="020B0604020202020204" charset="-122"/>
-                <a:ea typeface="JetBrains Mono"/>
-              </a:rPr>
-              <a:t>"noisy_image.png"</a:t>
-            </a:r>
-            <a:r>
-              <a:rPr kumimoji="0" lang="zh-CN" altLang="zh-CN" sz="900" b="0" i="0" u="none" strike="noStrike" cap="none" normalizeH="0" baseline="0">
-                <a:ln>
-                  <a:noFill/>
-                </a:ln>
-                <a:solidFill>
-                  <a:srgbClr val="BCBEC4"/>
-                </a:solidFill>
-                <a:effectLst/>
-                <a:latin typeface="Arial Unicode MS" panose="020B0604020202020204" charset="-122"/>
-                <a:ea typeface="JetBrains Mono"/>
-              </a:rPr>
-              <a:t>, noisy_image)</a:t>
-            </a:r>
-            <a:br>
-              <a:rPr kumimoji="0" lang="zh-CN" altLang="zh-CN" sz="900" b="0" i="0" u="none" strike="noStrike" cap="none" normalizeH="0" baseline="0">
-                <a:ln>
-                  <a:noFill/>
-                </a:ln>
-                <a:solidFill>
-                  <a:srgbClr val="BCBEC4"/>
-                </a:solidFill>
-                <a:effectLst/>
-                <a:latin typeface="Arial Unicode MS" panose="020B0604020202020204" charset="-122"/>
-                <a:ea typeface="JetBrains Mono"/>
-              </a:rPr>
-            </a:br>
-            <a:r>
-              <a:rPr kumimoji="0" lang="zh-CN" altLang="zh-CN" sz="900" b="0" i="0" u="none" strike="noStrike" cap="none" normalizeH="0" baseline="0">
-                <a:ln>
-                  <a:noFill/>
-                </a:ln>
-                <a:solidFill>
-                  <a:srgbClr val="BCBEC4"/>
-                </a:solidFill>
-                <a:effectLst/>
-                <a:latin typeface="Arial Unicode MS" panose="020B0604020202020204" charset="-122"/>
-                <a:ea typeface="JetBrains Mono"/>
-              </a:rPr>
-              <a:t>    </a:t>
-            </a:r>
-            <a:r>
-              <a:rPr kumimoji="0" lang="zh-CN" altLang="zh-CN" sz="900" b="0" i="0" u="none" strike="noStrike" cap="none" normalizeH="0" baseline="0">
-                <a:ln>
-                  <a:noFill/>
-                </a:ln>
-                <a:solidFill>
-                  <a:srgbClr val="94558D"/>
-                </a:solidFill>
-                <a:effectLst/>
-                <a:latin typeface="Arial Unicode MS" panose="020B0604020202020204" charset="-122"/>
-                <a:ea typeface="JetBrains Mono"/>
-              </a:rPr>
-              <a:t>self</a:t>
-            </a:r>
-            <a:r>
-              <a:rPr kumimoji="0" lang="zh-CN" altLang="zh-CN" sz="900" b="0" i="0" u="none" strike="noStrike" cap="none" normalizeH="0" baseline="0">
-                <a:ln>
-                  <a:noFill/>
-                </a:ln>
-                <a:solidFill>
-                  <a:srgbClr val="BCBEC4"/>
-                </a:solidFill>
-                <a:effectLst/>
-                <a:latin typeface="Arial Unicode MS" panose="020B0604020202020204" charset="-122"/>
-                <a:ea typeface="JetBrains Mono"/>
-              </a:rPr>
-              <a:t>.pix = QtGui.QPixmap(</a:t>
-            </a:r>
-            <a:r>
-              <a:rPr kumimoji="0" lang="zh-CN" altLang="zh-CN" sz="900" b="0" i="0" u="none" strike="noStrike" cap="none" normalizeH="0" baseline="0">
-                <a:ln>
-                  <a:noFill/>
-                </a:ln>
-                <a:solidFill>
-                  <a:srgbClr val="6AAB73"/>
-                </a:solidFill>
-                <a:effectLst/>
-                <a:latin typeface="Arial Unicode MS" panose="020B0604020202020204" charset="-122"/>
-                <a:ea typeface="JetBrains Mono"/>
-              </a:rPr>
-              <a:t>"noisy_image.png"</a:t>
-            </a:r>
-            <a:r>
-              <a:rPr kumimoji="0" lang="zh-CN" altLang="zh-CN" sz="900" b="0" i="0" u="none" strike="noStrike" cap="none" normalizeH="0" baseline="0">
-                <a:ln>
-                  <a:noFill/>
-                </a:ln>
-                <a:solidFill>
-                  <a:srgbClr val="BCBEC4"/>
-                </a:solidFill>
-                <a:effectLst/>
-                <a:latin typeface="Arial Unicode MS" panose="020B0604020202020204" charset="-122"/>
-                <a:ea typeface="JetBrains Mono"/>
-              </a:rPr>
-              <a:t>)</a:t>
-            </a:r>
-            <a:br>
-              <a:rPr kumimoji="0" lang="zh-CN" altLang="zh-CN" sz="900" b="0" i="0" u="none" strike="noStrike" cap="none" normalizeH="0" baseline="0">
-                <a:ln>
-                  <a:noFill/>
-                </a:ln>
-                <a:solidFill>
-                  <a:srgbClr val="BCBEC4"/>
-                </a:solidFill>
-                <a:effectLst/>
-                <a:latin typeface="Arial Unicode MS" panose="020B0604020202020204" charset="-122"/>
-                <a:ea typeface="JetBrains Mono"/>
-              </a:rPr>
-            </a:br>
-            <a:r>
-              <a:rPr kumimoji="0" lang="zh-CN" altLang="zh-CN" sz="900" b="0" i="0" u="none" strike="noStrike" cap="none" normalizeH="0" baseline="0">
-                <a:ln>
-                  <a:noFill/>
-                </a:ln>
-                <a:solidFill>
-                  <a:srgbClr val="BCBEC4"/>
-                </a:solidFill>
-                <a:effectLst/>
-                <a:latin typeface="Arial Unicode MS" panose="020B0604020202020204" charset="-122"/>
-                <a:ea typeface="JetBrains Mono"/>
-              </a:rPr>
-              <a:t>    </a:t>
-            </a:r>
-            <a:r>
-              <a:rPr kumimoji="0" lang="zh-CN" altLang="zh-CN" sz="900" b="0" i="0" u="none" strike="noStrike" cap="none" normalizeH="0" baseline="0">
-                <a:ln>
-                  <a:noFill/>
-                </a:ln>
-                <a:solidFill>
-                  <a:srgbClr val="94558D"/>
-                </a:solidFill>
-                <a:effectLst/>
-                <a:latin typeface="Arial Unicode MS" panose="020B0604020202020204" charset="-122"/>
-                <a:ea typeface="JetBrains Mono"/>
-              </a:rPr>
-              <a:t>self</a:t>
-            </a:r>
-            <a:r>
-              <a:rPr kumimoji="0" lang="zh-CN" altLang="zh-CN" sz="900" b="0" i="0" u="none" strike="noStrike" cap="none" normalizeH="0" baseline="0">
-                <a:ln>
-                  <a:noFill/>
-                </a:ln>
-                <a:solidFill>
-                  <a:srgbClr val="BCBEC4"/>
-                </a:solidFill>
-                <a:effectLst/>
-                <a:latin typeface="Arial Unicode MS" panose="020B0604020202020204" charset="-122"/>
-                <a:ea typeface="JetBrains Mono"/>
-              </a:rPr>
-              <a:t>.label_2.setPixmap(</a:t>
-            </a:r>
-            <a:r>
-              <a:rPr kumimoji="0" lang="zh-CN" altLang="zh-CN" sz="900" b="0" i="0" u="none" strike="noStrike" cap="none" normalizeH="0" baseline="0">
-                <a:ln>
-                  <a:noFill/>
-                </a:ln>
-                <a:solidFill>
-                  <a:srgbClr val="94558D"/>
-                </a:solidFill>
-                <a:effectLst/>
-                <a:latin typeface="Arial Unicode MS" panose="020B0604020202020204" charset="-122"/>
-                <a:ea typeface="JetBrains Mono"/>
-              </a:rPr>
-              <a:t>self</a:t>
-            </a:r>
-            <a:r>
-              <a:rPr kumimoji="0" lang="zh-CN" altLang="zh-CN" sz="900" b="0" i="0" u="none" strike="noStrike" cap="none" normalizeH="0" baseline="0">
-                <a:ln>
-                  <a:noFill/>
-                </a:ln>
-                <a:solidFill>
-                  <a:srgbClr val="BCBEC4"/>
-                </a:solidFill>
-                <a:effectLst/>
-                <a:latin typeface="Arial Unicode MS" panose="020B0604020202020204" charset="-122"/>
-                <a:ea typeface="JetBrains Mono"/>
-              </a:rPr>
-              <a:t>.pix)</a:t>
-            </a:r>
-            <a:br>
-              <a:rPr kumimoji="0" lang="zh-CN" altLang="zh-CN" sz="900" b="0" i="0" u="none" strike="noStrike" cap="none" normalizeH="0" baseline="0">
-                <a:ln>
-                  <a:noFill/>
-                </a:ln>
-                <a:solidFill>
-                  <a:srgbClr val="BCBEC4"/>
-                </a:solidFill>
-                <a:effectLst/>
-                <a:latin typeface="Arial Unicode MS" panose="020B0604020202020204" charset="-122"/>
-                <a:ea typeface="JetBrains Mono"/>
-              </a:rPr>
-            </a:br>
-            <a:r>
-              <a:rPr kumimoji="0" lang="zh-CN" altLang="zh-CN" sz="900" b="0" i="0" u="none" strike="noStrike" cap="none" normalizeH="0" baseline="0">
-                <a:ln>
-                  <a:noFill/>
-                </a:ln>
-                <a:solidFill>
-                  <a:srgbClr val="BCBEC4"/>
-                </a:solidFill>
-                <a:effectLst/>
-                <a:latin typeface="Arial Unicode MS" panose="020B0604020202020204" charset="-122"/>
-                <a:ea typeface="JetBrains Mono"/>
-              </a:rPr>
-              <a:t>    </a:t>
-            </a:r>
-            <a:r>
-              <a:rPr kumimoji="0" lang="zh-CN" altLang="zh-CN" sz="900" b="0" i="0" u="none" strike="noStrike" cap="none" normalizeH="0" baseline="0">
-                <a:ln>
-                  <a:noFill/>
-                </a:ln>
-                <a:solidFill>
-                  <a:srgbClr val="94558D"/>
-                </a:solidFill>
-                <a:effectLst/>
-                <a:latin typeface="Arial Unicode MS" panose="020B0604020202020204" charset="-122"/>
-                <a:ea typeface="JetBrains Mono"/>
-              </a:rPr>
-              <a:t>self</a:t>
-            </a:r>
-            <a:r>
-              <a:rPr kumimoji="0" lang="zh-CN" altLang="zh-CN" sz="900" b="0" i="0" u="none" strike="noStrike" cap="none" normalizeH="0" baseline="0">
-                <a:ln>
-                  <a:noFill/>
-                </a:ln>
-                <a:solidFill>
-                  <a:srgbClr val="BCBEC4"/>
-                </a:solidFill>
-                <a:effectLst/>
-                <a:latin typeface="Arial Unicode MS" panose="020B0604020202020204" charset="-122"/>
-                <a:ea typeface="JetBrains Mono"/>
-              </a:rPr>
-              <a:t>.label_2.setScaledContents(</a:t>
-            </a:r>
-            <a:r>
-              <a:rPr kumimoji="0" lang="zh-CN" altLang="zh-CN" sz="900" b="0" i="0" u="none" strike="noStrike" cap="none" normalizeH="0" baseline="0">
-                <a:ln>
-                  <a:noFill/>
-                </a:ln>
-                <a:solidFill>
-                  <a:srgbClr val="CF8E6D"/>
-                </a:solidFill>
-                <a:effectLst/>
-                <a:latin typeface="Arial Unicode MS" panose="020B0604020202020204" charset="-122"/>
-                <a:ea typeface="JetBrains Mono"/>
-              </a:rPr>
-              <a:t>True</a:t>
-            </a:r>
-            <a:r>
-              <a:rPr kumimoji="0" lang="zh-CN" altLang="zh-CN" sz="900" b="0" i="0" u="none" strike="noStrike" cap="none" normalizeH="0" baseline="0">
-                <a:ln>
-                  <a:noFill/>
-                </a:ln>
-                <a:solidFill>
-                  <a:srgbClr val="BCBEC4"/>
-                </a:solidFill>
-                <a:effectLst/>
-                <a:latin typeface="Arial Unicode MS" panose="020B0604020202020204" charset="-122"/>
-                <a:ea typeface="JetBrains Mono"/>
-              </a:rPr>
-              <a:t>)</a:t>
-            </a:r>
-            <a:endParaRPr kumimoji="0" lang="zh-CN" altLang="zh-CN" sz="1800" b="0" i="0" u="none" strike="noStrike" cap="none" normalizeH="0" baseline="0">
-              <a:ln>
-                <a:noFill/>
-              </a:ln>
-              <a:solidFill>
-                <a:schemeClr val="tx1"/>
-              </a:solidFill>
-              <a:effectLst/>
-              <a:latin typeface="Arial" panose="020B0604020202090204" pitchFamily="34" charset="0"/>
-            </a:endParaRPr>
-          </a:p>
-        </p:txBody>
-      </p:sp>
-      <p:sp>
-        <p:nvSpPr>
-          <p:cNvPr id="5" name="文本框 4"/>
-          <p:cNvSpPr txBox="1"/>
-          <p:nvPr/>
-        </p:nvSpPr>
-        <p:spPr>
-          <a:xfrm>
-            <a:off x="5374585" y="1305341"/>
-            <a:ext cx="6097656" cy="4799965"/>
-          </a:xfrm>
-          <a:prstGeom prst="rect">
-            <a:avLst/>
-          </a:prstGeom>
-          <a:noFill/>
-        </p:spPr>
-        <p:txBody>
-          <a:bodyPr wrap="square">
-            <a:spAutoFit/>
-          </a:bodyPr>
-          <a:lstStyle/>
-          <a:p>
-            <a:pPr rtl="0"/>
-            <a:r>
-              <a:rPr lang="zh-CN" altLang="en-US" dirty="0">
-                <a:effectLst/>
-              </a:rPr>
-              <a:t>高斯噪声（</a:t>
-            </a:r>
-            <a:r>
-              <a:rPr lang="en-US" altLang="zh-CN" dirty="0">
-                <a:effectLst/>
-              </a:rPr>
-              <a:t>Gaussian Noise</a:t>
-            </a:r>
-            <a:r>
-              <a:rPr lang="zh-CN" altLang="en-US" dirty="0">
-                <a:effectLst/>
-              </a:rPr>
-              <a:t>）：</a:t>
-            </a:r>
-            <a:endParaRPr lang="zh-CN" altLang="en-US" dirty="0"/>
-          </a:p>
-          <a:p>
-            <a:pPr rtl="0"/>
-            <a:r>
-              <a:rPr lang="zh-CN" altLang="en-US" dirty="0">
-                <a:effectLst/>
-              </a:rPr>
-              <a:t>根据高斯分布生成噪声，并添加到图像上。</a:t>
-            </a:r>
-            <a:endParaRPr lang="zh-CN" altLang="en-US" dirty="0"/>
-          </a:p>
-          <a:p>
-            <a:pPr rtl="0"/>
-            <a:r>
-              <a:rPr lang="zh-CN" altLang="en-US" dirty="0">
-                <a:effectLst/>
-              </a:rPr>
-              <a:t>使用 </a:t>
-            </a:r>
-            <a:r>
-              <a:rPr lang="en-US" altLang="zh-CN" dirty="0" err="1">
-                <a:effectLst/>
-              </a:rPr>
-              <a:t>numpy.random.normal</a:t>
-            </a:r>
-            <a:r>
-              <a:rPr lang="en-US" altLang="zh-CN" dirty="0">
-                <a:effectLst/>
-              </a:rPr>
-              <a:t> </a:t>
-            </a:r>
-            <a:r>
-              <a:rPr lang="zh-CN" altLang="en-US" dirty="0">
-                <a:effectLst/>
-              </a:rPr>
-              <a:t>来生成具有指定平均值和标准差的噪声。</a:t>
-            </a:r>
-            <a:endParaRPr lang="zh-CN" altLang="en-US" dirty="0"/>
-          </a:p>
-          <a:p>
-            <a:pPr rtl="0"/>
-            <a:r>
-              <a:rPr lang="zh-CN" altLang="en-US" dirty="0">
-                <a:effectLst/>
-              </a:rPr>
-              <a:t>使用 </a:t>
-            </a:r>
-            <a:r>
-              <a:rPr lang="en-US" altLang="zh-CN" dirty="0" err="1">
-                <a:effectLst/>
-              </a:rPr>
-              <a:t>numpy.clip</a:t>
-            </a:r>
-            <a:r>
-              <a:rPr lang="en-US" altLang="zh-CN" dirty="0">
-                <a:effectLst/>
-              </a:rPr>
-              <a:t> </a:t>
-            </a:r>
-            <a:r>
-              <a:rPr lang="zh-CN" altLang="en-US" dirty="0">
-                <a:effectLst/>
-              </a:rPr>
-              <a:t>保证添加噪声后的像素值仍在有效范围内（</a:t>
-            </a:r>
-            <a:r>
-              <a:rPr lang="en-US" altLang="zh-CN" dirty="0">
-                <a:effectLst/>
-              </a:rPr>
-              <a:t>0-255</a:t>
-            </a:r>
-            <a:r>
-              <a:rPr lang="zh-CN" altLang="en-US" dirty="0">
-                <a:effectLst/>
-              </a:rPr>
-              <a:t>）。</a:t>
-            </a:r>
-            <a:endParaRPr lang="zh-CN" altLang="en-US" dirty="0">
-              <a:effectLst/>
-            </a:endParaRPr>
-          </a:p>
-          <a:p>
-            <a:pPr rtl="0"/>
-            <a:endParaRPr lang="zh-CN" altLang="en-US" dirty="0"/>
-          </a:p>
-          <a:p>
-            <a:pPr rtl="0"/>
-            <a:r>
-              <a:rPr lang="zh-CN" altLang="en-US" dirty="0">
-                <a:effectLst/>
-              </a:rPr>
-              <a:t>泊松噪声（</a:t>
-            </a:r>
-            <a:r>
-              <a:rPr lang="en-US" altLang="zh-CN" dirty="0">
-                <a:effectLst/>
-              </a:rPr>
-              <a:t>Poisson Noise</a:t>
-            </a:r>
-            <a:r>
-              <a:rPr lang="zh-CN" altLang="en-US" dirty="0">
-                <a:effectLst/>
-              </a:rPr>
-              <a:t>）：</a:t>
-            </a:r>
-            <a:endParaRPr lang="zh-CN" altLang="en-US" dirty="0"/>
-          </a:p>
-          <a:p>
-            <a:pPr rtl="0"/>
-            <a:r>
-              <a:rPr lang="zh-CN" altLang="en-US" dirty="0">
-                <a:effectLst/>
-              </a:rPr>
-              <a:t>适用于像素值为计数数据的情况。</a:t>
-            </a:r>
-            <a:endParaRPr lang="zh-CN" altLang="en-US" dirty="0"/>
-          </a:p>
-          <a:p>
-            <a:pPr rtl="0"/>
-            <a:r>
-              <a:rPr lang="zh-CN" altLang="en-US" dirty="0">
-                <a:effectLst/>
-              </a:rPr>
-              <a:t>使用 </a:t>
-            </a:r>
-            <a:r>
-              <a:rPr lang="en-US" altLang="zh-CN" dirty="0" err="1">
-                <a:effectLst/>
-              </a:rPr>
-              <a:t>numpy.random.poisson</a:t>
-            </a:r>
-            <a:r>
-              <a:rPr lang="en-US" altLang="zh-CN" dirty="0">
-                <a:effectLst/>
-              </a:rPr>
-              <a:t> </a:t>
-            </a:r>
-            <a:r>
-              <a:rPr lang="zh-CN" altLang="en-US" dirty="0">
-                <a:effectLst/>
-              </a:rPr>
-              <a:t>生成噪声，模拟光子到达图像传感器的随机性。</a:t>
-            </a:r>
-            <a:endParaRPr lang="zh-CN" altLang="en-US" dirty="0"/>
-          </a:p>
-          <a:p>
-            <a:pPr rtl="0"/>
-            <a:r>
-              <a:rPr lang="zh-CN" altLang="en-US" dirty="0">
-                <a:effectLst/>
-              </a:rPr>
-              <a:t>由于泊松分布的标度由数据自身决定，通常需要对数据进行缩放处理。</a:t>
-            </a:r>
-            <a:endParaRPr lang="zh-CN" altLang="en-US" dirty="0">
-              <a:effectLst/>
-            </a:endParaRPr>
-          </a:p>
-          <a:p>
-            <a:pPr rtl="0"/>
-            <a:endParaRPr lang="zh-CN" altLang="en-US" dirty="0"/>
-          </a:p>
-          <a:p>
-            <a:pPr rtl="0"/>
-            <a:r>
-              <a:rPr lang="zh-CN" altLang="en-US" dirty="0">
-                <a:effectLst/>
-              </a:rPr>
-              <a:t>椒盐噪声（</a:t>
-            </a:r>
-            <a:r>
-              <a:rPr lang="en-US" altLang="zh-CN" dirty="0">
-                <a:effectLst/>
-              </a:rPr>
-              <a:t>Salt-and-Pepper Noise</a:t>
-            </a:r>
-            <a:r>
-              <a:rPr lang="zh-CN" altLang="en-US" dirty="0">
-                <a:effectLst/>
-              </a:rPr>
-              <a:t>）：</a:t>
-            </a:r>
-            <a:endParaRPr lang="zh-CN" altLang="en-US" dirty="0"/>
-          </a:p>
-          <a:p>
-            <a:pPr rtl="0"/>
-            <a:r>
-              <a:rPr lang="zh-CN" altLang="en-US" dirty="0">
-                <a:effectLst/>
-              </a:rPr>
-              <a:t>随机将一些像素点变为白点（盐）或黑点（椒）。</a:t>
-            </a:r>
-            <a:endParaRPr lang="zh-CN" altLang="en-US" dirty="0"/>
-          </a:p>
-          <a:p>
-            <a:pPr rtl="0"/>
-            <a:r>
-              <a:rPr lang="zh-CN" altLang="en-US" dirty="0">
-                <a:effectLst/>
-              </a:rPr>
-              <a:t>使用 </a:t>
-            </a:r>
-            <a:r>
-              <a:rPr lang="en-US" altLang="zh-CN" dirty="0" err="1">
-                <a:effectLst/>
-              </a:rPr>
-              <a:t>numpy.random.randint</a:t>
-            </a:r>
-            <a:r>
-              <a:rPr lang="en-US" altLang="zh-CN" dirty="0">
-                <a:effectLst/>
-              </a:rPr>
-              <a:t> </a:t>
-            </a:r>
-            <a:r>
-              <a:rPr lang="zh-CN" altLang="en-US" dirty="0">
-                <a:effectLst/>
-              </a:rPr>
-              <a:t>随机选择要改变的像素位置。</a:t>
-            </a:r>
-            <a:endParaRPr lang="zh-CN" altLang="en-US" dirty="0"/>
-          </a:p>
-        </p:txBody>
-      </p:sp>
-      <p:sp>
-        <p:nvSpPr>
-          <p:cNvPr id="6" name="文本框 5"/>
-          <p:cNvSpPr txBox="1"/>
-          <p:nvPr/>
-        </p:nvSpPr>
-        <p:spPr>
-          <a:xfrm>
-            <a:off x="290159" y="147533"/>
-            <a:ext cx="8722897" cy="460375"/>
-          </a:xfrm>
-          <a:prstGeom prst="rect">
-            <a:avLst/>
-          </a:prstGeom>
-          <a:noFill/>
-        </p:spPr>
-        <p:txBody>
-          <a:bodyPr wrap="square" rtlCol="0">
-            <a:spAutoFit/>
-          </a:bodyPr>
-          <a:lstStyle/>
-          <a:p>
-            <a:r>
-              <a:rPr lang="en-US" altLang="zh-CN" sz="2400" b="1" kern="100" dirty="0">
-                <a:solidFill>
-                  <a:schemeClr val="bg1"/>
-                </a:solidFill>
-                <a:latin typeface="微软雅黑" panose="020B0503020204020204" pitchFamily="34" charset="-122"/>
-                <a:ea typeface="微软雅黑" panose="020B0503020204020204" pitchFamily="34" charset="-122"/>
-                <a:cs typeface="Times New Roman" panose="02020503050405090304" pitchFamily="18" charset="0"/>
-              </a:rPr>
-              <a:t>3.</a:t>
-            </a:r>
-            <a:r>
-              <a:rPr lang="zh-CN" altLang="en-US" sz="2400" b="1" kern="100" dirty="0">
-                <a:solidFill>
-                  <a:schemeClr val="bg1"/>
-                </a:solidFill>
-                <a:latin typeface="微软雅黑" panose="020B0503020204020204" pitchFamily="34" charset="-122"/>
-                <a:ea typeface="微软雅黑" panose="020B0503020204020204" pitchFamily="34" charset="-122"/>
-                <a:cs typeface="Times New Roman" panose="02020503050405090304" pitchFamily="18" charset="0"/>
-              </a:rPr>
-              <a:t>添加噪声</a:t>
-            </a:r>
-            <a:endParaRPr lang="zh-CN" altLang="en-US" sz="2400" b="1" kern="100" dirty="0">
-              <a:solidFill>
-                <a:schemeClr val="bg1"/>
-              </a:solidFill>
-              <a:effectLst/>
-              <a:latin typeface="微软雅黑" panose="020B0503020204020204" pitchFamily="34" charset="-122"/>
-              <a:ea typeface="微软雅黑" panose="020B0503020204020204" pitchFamily="34" charset="-122"/>
-              <a:cs typeface="Times New Roman" panose="02020503050405090304" pitchFamily="18" charset="0"/>
-            </a:endParaRPr>
-          </a:p>
-        </p:txBody>
-      </p:sp>
     </p:spTree>
   </p:cSld>
   <p:clrMapOvr>
@@ -14622,7 +15688,7 @@
                 <a:ea typeface="微软雅黑" panose="020B0503020204020204" pitchFamily="34" charset="-122"/>
                 <a:cs typeface="Times New Roman" panose="02020503050405090304" pitchFamily="18" charset="0"/>
               </a:rPr>
-              <a:t>高斯噪声</a:t>
+              <a:t>正规化增强</a:t>
             </a:r>
             <a:endParaRPr kumimoji="0" lang="zh-CN" altLang="en-US" sz="2400" b="1" i="0" u="none" strike="noStrike" kern="100" cap="none" spc="0" normalizeH="0" baseline="0" noProof="0" dirty="0">
               <a:ln>
@@ -14657,8 +15723,8 @@
         </p:blipFill>
         <p:spPr>
           <a:xfrm>
-            <a:off x="1072096" y="742142"/>
-            <a:ext cx="10047807" cy="5764306"/>
+            <a:off x="1344705" y="709952"/>
+            <a:ext cx="9908051" cy="5679954"/>
           </a:xfrm>
           <a:prstGeom prst="rect">
             <a:avLst/>
@@ -14674,6 +15740,18 @@
 </file>
 
 <file path=ppt/tags/tag1.xml><?xml version="1.0" encoding="utf-8"?>
+<p:tagLst xmlns:p="http://schemas.openxmlformats.org/presentationml/2006/main">
+  <p:tag name="KSO_WM_BEAUTIFY_FLAG" val=""/>
+</p:tagLst>
+</file>
+
+<file path=ppt/tags/tag2.xml><?xml version="1.0" encoding="utf-8"?>
+<p:tagLst xmlns:p="http://schemas.openxmlformats.org/presentationml/2006/main">
+  <p:tag name="KSO_WM_BEAUTIFY_FLAG" val=""/>
+</p:tagLst>
+</file>
+
+<file path=ppt/tags/tag3.xml><?xml version="1.0" encoding="utf-8"?>
 <p:tagLst xmlns:p="http://schemas.openxmlformats.org/presentationml/2006/main">
   <p:tag name="COMMONDATA" val="eyJoZGlkIjoiM2FiZDIzMjBhYjY3YjcwYmIxYWI1NjM4YzVmYjEyMDMifQ=="/>
 </p:tagLst>

--- a/mooc/hias-dip/midterm/12组汇报ppt.pptx
+++ b/mooc/hias-dip/midterm/12组汇报ppt.pptx
@@ -7257,7 +7257,7 @@
         </p:nvSpPr>
         <p:spPr>
           <a:xfrm>
-            <a:off x="5374585" y="1305341"/>
+            <a:off x="5374585" y="1029116"/>
             <a:ext cx="6097656" cy="4799965"/>
           </a:xfrm>
           <a:prstGeom prst="rect">
